--- a/2010/lectures/11. User-Controls-and-Master-Pages.pptx
+++ b/2010/lectures/11. User-Controls-and-Master-Pages.pptx
@@ -256,14 +256,14 @@
           </a:ln>
           <a:extLst>
             <a:ext uri="{909E8E84-426E-40DD-AFC4-6F175D3DCCD1}">
-              <a14:hiddenFill xmlns="" xmlns:a14="http://schemas.microsoft.com/office/drawing/2010/main">
+              <a14:hiddenFill xmlns:a14="http://schemas.microsoft.com/office/drawing/2010/main">
                 <a:solidFill>
                   <a:srgbClr val="FFFFFF"/>
                 </a:solidFill>
               </a14:hiddenFill>
             </a:ext>
             <a:ext uri="{91240B29-F687-4F45-9708-019B960494DF}">
-              <a14:hiddenLine xmlns="" xmlns:a14="http://schemas.microsoft.com/office/drawing/2010/main" w="9525">
+              <a14:hiddenLine xmlns:a14="http://schemas.microsoft.com/office/drawing/2010/main" w="9525">
                 <a:solidFill>
                   <a:srgbClr val="000000"/>
                 </a:solidFill>
@@ -321,14 +321,14 @@
           </a:ln>
           <a:extLst>
             <a:ext uri="{909E8E84-426E-40DD-AFC4-6F175D3DCCD1}">
-              <a14:hiddenFill xmlns="" xmlns:a14="http://schemas.microsoft.com/office/drawing/2010/main">
+              <a14:hiddenFill xmlns:a14="http://schemas.microsoft.com/office/drawing/2010/main">
                 <a:solidFill>
                   <a:srgbClr val="FFFFFF"/>
                 </a:solidFill>
               </a14:hiddenFill>
             </a:ext>
             <a:ext uri="{91240B29-F687-4F45-9708-019B960494DF}">
-              <a14:hiddenLine xmlns="" xmlns:a14="http://schemas.microsoft.com/office/drawing/2010/main" w="9525">
+              <a14:hiddenLine xmlns:a14="http://schemas.microsoft.com/office/drawing/2010/main" w="9525">
                 <a:solidFill>
                   <a:srgbClr val="000000"/>
                 </a:solidFill>
@@ -361,7 +361,7 @@
             <a:fld id="{9AF7B13A-08E7-42F5-897B-EF850FB46F71}" type="datetime1">
               <a:rPr lang="en-US"/>
               <a:pPr/>
-              <a:t>09.08.2010</a:t>
+              <a:t>10/12/2010</a:t>
             </a:fld>
             <a:endParaRPr lang="bg-BG"/>
           </a:p>
@@ -391,14 +391,14 @@
           </a:ln>
           <a:extLst>
             <a:ext uri="{909E8E84-426E-40DD-AFC4-6F175D3DCCD1}">
-              <a14:hiddenFill xmlns="" xmlns:a14="http://schemas.microsoft.com/office/drawing/2010/main">
+              <a14:hiddenFill xmlns:a14="http://schemas.microsoft.com/office/drawing/2010/main">
                 <a:solidFill>
                   <a:srgbClr val="FFFFFF"/>
                 </a:solidFill>
               </a14:hiddenFill>
             </a:ext>
             <a:ext uri="{91240B29-F687-4F45-9708-019B960494DF}">
-              <a14:hiddenLine xmlns="" xmlns:a14="http://schemas.microsoft.com/office/drawing/2010/main" w="9525">
+              <a14:hiddenLine xmlns:a14="http://schemas.microsoft.com/office/drawing/2010/main" w="9525">
                 <a:solidFill>
                   <a:srgbClr val="000000"/>
                 </a:solidFill>
@@ -459,14 +459,14 @@
           </a:ln>
           <a:extLst>
             <a:ext uri="{909E8E84-426E-40DD-AFC4-6F175D3DCCD1}">
-              <a14:hiddenFill xmlns="" xmlns:a14="http://schemas.microsoft.com/office/drawing/2010/main">
+              <a14:hiddenFill xmlns:a14="http://schemas.microsoft.com/office/drawing/2010/main">
                 <a:solidFill>
                   <a:srgbClr val="FFFFFF"/>
                 </a:solidFill>
               </a14:hiddenFill>
             </a:ext>
             <a:ext uri="{91240B29-F687-4F45-9708-019B960494DF}">
-              <a14:hiddenLine xmlns="" xmlns:a14="http://schemas.microsoft.com/office/drawing/2010/main" w="9525">
+              <a14:hiddenLine xmlns:a14="http://schemas.microsoft.com/office/drawing/2010/main" w="9525">
                 <a:solidFill>
                   <a:srgbClr val="000000"/>
                 </a:solidFill>
@@ -508,7 +508,7 @@
     </p:spTree>
     <p:extLst>
       <p:ext uri="{BB962C8B-B14F-4D97-AF65-F5344CB8AC3E}">
-        <p14:creationId xmlns="" xmlns:p14="http://schemas.microsoft.com/office/powerpoint/2010/main" val="3290461248"/>
+        <p14:creationId xmlns:p14="http://schemas.microsoft.com/office/powerpoint/2010/main" val="3290461248"/>
       </p:ext>
     </p:extLst>
   </p:cSld>
@@ -565,14 +565,14 @@
           </a:ln>
           <a:extLst>
             <a:ext uri="{909E8E84-426E-40DD-AFC4-6F175D3DCCD1}">
-              <a14:hiddenFill xmlns="" xmlns:a14="http://schemas.microsoft.com/office/drawing/2010/main">
+              <a14:hiddenFill xmlns:a14="http://schemas.microsoft.com/office/drawing/2010/main">
                 <a:solidFill>
                   <a:srgbClr val="FFFFFF"/>
                 </a:solidFill>
               </a14:hiddenFill>
             </a:ext>
             <a:ext uri="{91240B29-F687-4F45-9708-019B960494DF}">
-              <a14:hiddenLine xmlns="" xmlns:a14="http://schemas.microsoft.com/office/drawing/2010/main" w="9525">
+              <a14:hiddenLine xmlns:a14="http://schemas.microsoft.com/office/drawing/2010/main" w="9525">
                 <a:solidFill>
                   <a:srgbClr val="000000"/>
                 </a:solidFill>
@@ -634,14 +634,14 @@
           </a:ln>
           <a:extLst>
             <a:ext uri="{909E8E84-426E-40DD-AFC4-6F175D3DCCD1}">
-              <a14:hiddenFill xmlns="" xmlns:a14="http://schemas.microsoft.com/office/drawing/2010/main">
+              <a14:hiddenFill xmlns:a14="http://schemas.microsoft.com/office/drawing/2010/main">
                 <a:solidFill>
                   <a:srgbClr val="FFFFFF"/>
                 </a:solidFill>
               </a14:hiddenFill>
             </a:ext>
             <a:ext uri="{91240B29-F687-4F45-9708-019B960494DF}">
-              <a14:hiddenLine xmlns="" xmlns:a14="http://schemas.microsoft.com/office/drawing/2010/main" w="9525">
+              <a14:hiddenLine xmlns:a14="http://schemas.microsoft.com/office/drawing/2010/main" w="9525">
                 <a:solidFill>
                   <a:srgbClr val="000000"/>
                 </a:solidFill>
@@ -674,7 +674,7 @@
             <a:fld id="{07C29AE6-455B-4A24-87A3-4E60319EDD58}" type="datetime1">
               <a:rPr lang="en-US"/>
               <a:pPr/>
-              <a:t>09.08.2010</a:t>
+              <a:t>10/12/2010</a:t>
             </a:fld>
             <a:r>
               <a:rPr lang="en-US" dirty="0"/>
@@ -713,7 +713,7 @@
           </a:ln>
           <a:extLst>
             <a:ext uri="{909E8E84-426E-40DD-AFC4-6F175D3DCCD1}">
-              <a14:hiddenFill xmlns="" xmlns:a14="http://schemas.microsoft.com/office/drawing/2010/main">
+              <a14:hiddenFill xmlns:a14="http://schemas.microsoft.com/office/drawing/2010/main">
                 <a:solidFill>
                   <a:srgbClr val="FFFFFF"/>
                 </a:solidFill>
@@ -746,14 +746,14 @@
           </a:ln>
           <a:extLst>
             <a:ext uri="{909E8E84-426E-40DD-AFC4-6F175D3DCCD1}">
-              <a14:hiddenFill xmlns="" xmlns:a14="http://schemas.microsoft.com/office/drawing/2010/main">
+              <a14:hiddenFill xmlns:a14="http://schemas.microsoft.com/office/drawing/2010/main">
                 <a:solidFill>
                   <a:srgbClr val="FFFFFF"/>
                 </a:solidFill>
               </a14:hiddenFill>
             </a:ext>
             <a:ext uri="{91240B29-F687-4F45-9708-019B960494DF}">
-              <a14:hiddenLine xmlns="" xmlns:a14="http://schemas.microsoft.com/office/drawing/2010/main" w="9525">
+              <a14:hiddenLine xmlns:a14="http://schemas.microsoft.com/office/drawing/2010/main" w="9525">
                 <a:solidFill>
                   <a:srgbClr val="000000"/>
                 </a:solidFill>
@@ -832,14 +832,14 @@
           </a:ln>
           <a:extLst>
             <a:ext uri="{909E8E84-426E-40DD-AFC4-6F175D3DCCD1}">
-              <a14:hiddenFill xmlns="" xmlns:a14="http://schemas.microsoft.com/office/drawing/2010/main">
+              <a14:hiddenFill xmlns:a14="http://schemas.microsoft.com/office/drawing/2010/main">
                 <a:solidFill>
                   <a:srgbClr val="FFFFFF"/>
                 </a:solidFill>
               </a14:hiddenFill>
             </a:ext>
             <a:ext uri="{91240B29-F687-4F45-9708-019B960494DF}">
-              <a14:hiddenLine xmlns="" xmlns:a14="http://schemas.microsoft.com/office/drawing/2010/main" w="9525">
+              <a14:hiddenLine xmlns:a14="http://schemas.microsoft.com/office/drawing/2010/main" w="9525">
                 <a:solidFill>
                   <a:srgbClr val="000000"/>
                 </a:solidFill>
@@ -901,14 +901,14 @@
           </a:ln>
           <a:extLst>
             <a:ext uri="{909E8E84-426E-40DD-AFC4-6F175D3DCCD1}">
-              <a14:hiddenFill xmlns="" xmlns:a14="http://schemas.microsoft.com/office/drawing/2010/main">
+              <a14:hiddenFill xmlns:a14="http://schemas.microsoft.com/office/drawing/2010/main">
                 <a:solidFill>
                   <a:srgbClr val="FFFFFF"/>
                 </a:solidFill>
               </a14:hiddenFill>
             </a:ext>
             <a:ext uri="{91240B29-F687-4F45-9708-019B960494DF}">
-              <a14:hiddenLine xmlns="" xmlns:a14="http://schemas.microsoft.com/office/drawing/2010/main" w="9525">
+              <a14:hiddenLine xmlns:a14="http://schemas.microsoft.com/office/drawing/2010/main" w="9525">
                 <a:solidFill>
                   <a:srgbClr val="000000"/>
                 </a:solidFill>
@@ -954,7 +954,7 @@
     </p:spTree>
     <p:extLst>
       <p:ext uri="{BB962C8B-B14F-4D97-AF65-F5344CB8AC3E}">
-        <p14:creationId xmlns="" xmlns:p14="http://schemas.microsoft.com/office/powerpoint/2010/main" val="556704191"/>
+        <p14:creationId xmlns:p14="http://schemas.microsoft.com/office/powerpoint/2010/main" val="556704191"/>
       </p:ext>
     </p:extLst>
   </p:cSld>
@@ -1373,7 +1373,7 @@
                 </a:solidFill>
               </a:rPr>
               <a:pPr/>
-              <a:t>09.08.2010</a:t>
+              <a:t>10/12/2010</a:t>
             </a:fld>
             <a:r>
               <a:rPr lang="en-US" sz="1100" b="0" dirty="0">
@@ -2126,7 +2126,7 @@
                 </a:solidFill>
               </a:rPr>
               <a:pPr/>
-              <a:t>09.08.2010</a:t>
+              <a:t>10/12/2010</a:t>
             </a:fld>
             <a:r>
               <a:rPr lang="en-US" sz="1100" b="0" dirty="0">
@@ -4426,7 +4426,7 @@
                 </a:solidFill>
               </a:rPr>
               <a:pPr/>
-              <a:t>09.08.2010</a:t>
+              <a:t>10/12/2010</a:t>
             </a:fld>
             <a:r>
               <a:rPr lang="en-US" sz="1100" b="0" dirty="0">
@@ -5394,14 +5394,14 @@
           </a:ln>
           <a:extLst>
             <a:ext uri="{909E8E84-426E-40DD-AFC4-6F175D3DCCD1}">
-              <a14:hiddenFill xmlns="" xmlns:a14="http://schemas.microsoft.com/office/drawing/2010/main">
+              <a14:hiddenFill xmlns:a14="http://schemas.microsoft.com/office/drawing/2010/main">
                 <a:solidFill>
                   <a:srgbClr val="FFFFFF"/>
                 </a:solidFill>
               </a14:hiddenFill>
             </a:ext>
             <a:ext uri="{91240B29-F687-4F45-9708-019B960494DF}">
-              <a14:hiddenLine xmlns="" xmlns:a14="http://schemas.microsoft.com/office/drawing/2010/main" w="9525">
+              <a14:hiddenLine xmlns:a14="http://schemas.microsoft.com/office/drawing/2010/main" w="9525">
                 <a:solidFill>
                   <a:srgbClr val="000000"/>
                 </a:solidFill>
@@ -5568,14 +5568,14 @@
           </a:ln>
           <a:extLst>
             <a:ext uri="{909E8E84-426E-40DD-AFC4-6F175D3DCCD1}">
-              <a14:hiddenFill xmlns="" xmlns:a14="http://schemas.microsoft.com/office/drawing/2010/main">
+              <a14:hiddenFill xmlns:a14="http://schemas.microsoft.com/office/drawing/2010/main">
                 <a:solidFill>
                   <a:srgbClr val="FFFFFF"/>
                 </a:solidFill>
               </a14:hiddenFill>
             </a:ext>
             <a:ext uri="{91240B29-F687-4F45-9708-019B960494DF}">
-              <a14:hiddenLine xmlns="" xmlns:a14="http://schemas.microsoft.com/office/drawing/2010/main" w="9525">
+              <a14:hiddenLine xmlns:a14="http://schemas.microsoft.com/office/drawing/2010/main" w="9525">
                 <a:solidFill>
                   <a:srgbClr val="000000"/>
                 </a:solidFill>
@@ -5715,7 +5715,7 @@
                   <a:spcPct val="100000"/>
                 </a:lnSpc>
               </a:pPr>
-              <a:t>09.08.2010</a:t>
+              <a:t>10/12/2010</a:t>
             </a:fld>
             <a:r>
               <a:rPr lang="en-US" sz="1100" b="0" i="1" dirty="0">
@@ -5755,14 +5755,14 @@
           </a:ln>
           <a:extLst>
             <a:ext uri="{909E8E84-426E-40DD-AFC4-6F175D3DCCD1}">
-              <a14:hiddenFill xmlns="" xmlns:a14="http://schemas.microsoft.com/office/drawing/2010/main">
+              <a14:hiddenFill xmlns:a14="http://schemas.microsoft.com/office/drawing/2010/main">
                 <a:solidFill>
                   <a:srgbClr val="FFFFFF"/>
                 </a:solidFill>
               </a14:hiddenFill>
             </a:ext>
             <a:ext uri="{91240B29-F687-4F45-9708-019B960494DF}">
-              <a14:hiddenLine xmlns="" xmlns:a14="http://schemas.microsoft.com/office/drawing/2010/main" w="9525">
+              <a14:hiddenLine xmlns:a14="http://schemas.microsoft.com/office/drawing/2010/main" w="9525">
                 <a:solidFill>
                   <a:srgbClr val="000000"/>
                 </a:solidFill>
@@ -5929,14 +5929,14 @@
           </a:ln>
           <a:extLst>
             <a:ext uri="{909E8E84-426E-40DD-AFC4-6F175D3DCCD1}">
-              <a14:hiddenFill xmlns="" xmlns:a14="http://schemas.microsoft.com/office/drawing/2010/main">
+              <a14:hiddenFill xmlns:a14="http://schemas.microsoft.com/office/drawing/2010/main">
                 <a:solidFill>
                   <a:srgbClr val="FFFFFF"/>
                 </a:solidFill>
               </a14:hiddenFill>
             </a:ext>
             <a:ext uri="{91240B29-F687-4F45-9708-019B960494DF}">
-              <a14:hiddenLine xmlns="" xmlns:a14="http://schemas.microsoft.com/office/drawing/2010/main" w="9525">
+              <a14:hiddenLine xmlns:a14="http://schemas.microsoft.com/office/drawing/2010/main" w="9525">
                 <a:solidFill>
                   <a:srgbClr val="000000"/>
                 </a:solidFill>
@@ -7405,7 +7405,7 @@
     </p:spTree>
     <p:extLst>
       <p:ext uri="{BB962C8B-B14F-4D97-AF65-F5344CB8AC3E}">
-        <p14:creationId xmlns="" xmlns:p14="http://schemas.microsoft.com/office/powerpoint/2010/main" val="640371237"/>
+        <p14:creationId xmlns:p14="http://schemas.microsoft.com/office/powerpoint/2010/main" val="640371237"/>
       </p:ext>
     </p:extLst>
   </p:cSld>
@@ -7511,7 +7511,7 @@
     </p:spTree>
     <p:extLst>
       <p:ext uri="{BB962C8B-B14F-4D97-AF65-F5344CB8AC3E}">
-        <p14:creationId xmlns="" xmlns:p14="http://schemas.microsoft.com/office/powerpoint/2010/main" val="2262375796"/>
+        <p14:creationId xmlns:p14="http://schemas.microsoft.com/office/powerpoint/2010/main" val="2262375796"/>
       </p:ext>
     </p:extLst>
   </p:cSld>
@@ -7627,7 +7627,7 @@
     </p:spTree>
     <p:extLst>
       <p:ext uri="{BB962C8B-B14F-4D97-AF65-F5344CB8AC3E}">
-        <p14:creationId xmlns="" xmlns:p14="http://schemas.microsoft.com/office/powerpoint/2010/main" val="2488210364"/>
+        <p14:creationId xmlns:p14="http://schemas.microsoft.com/office/powerpoint/2010/main" val="2488210364"/>
       </p:ext>
     </p:extLst>
   </p:cSld>
@@ -7857,7 +7857,7 @@
     </p:spTree>
     <p:extLst>
       <p:ext uri="{BB962C8B-B14F-4D97-AF65-F5344CB8AC3E}">
-        <p14:creationId xmlns="" xmlns:p14="http://schemas.microsoft.com/office/powerpoint/2010/main" val="1570332247"/>
+        <p14:creationId xmlns:p14="http://schemas.microsoft.com/office/powerpoint/2010/main" val="1570332247"/>
       </p:ext>
     </p:extLst>
   </p:cSld>
@@ -7915,7 +7915,7 @@
           <a:effectLst/>
           <a:extLst>
             <a:ext uri="{AF507438-7753-43E0-B8FC-AC1667EBCBE1}">
-              <a14:hiddenEffects xmlns="" xmlns:a14="http://schemas.microsoft.com/office/drawing/2010/main">
+              <a14:hiddenEffects xmlns:a14="http://schemas.microsoft.com/office/drawing/2010/main">
                 <a:effectLst>
                   <a:outerShdw dist="35921" dir="2700000" algn="ctr" rotWithShape="0">
                     <a:srgbClr val="003366"/>
@@ -7967,14 +7967,14 @@
           <a:effectLst/>
           <a:extLst>
             <a:ext uri="{909E8E84-426E-40DD-AFC4-6F175D3DCCD1}">
-              <a14:hiddenFill xmlns="" xmlns:a14="http://schemas.microsoft.com/office/drawing/2010/main">
+              <a14:hiddenFill xmlns:a14="http://schemas.microsoft.com/office/drawing/2010/main">
                 <a:solidFill>
                   <a:schemeClr val="accent1"/>
                 </a:solidFill>
               </a14:hiddenFill>
             </a:ext>
             <a:ext uri="{AF507438-7753-43E0-B8FC-AC1667EBCBE1}">
-              <a14:hiddenEffects xmlns="" xmlns:a14="http://schemas.microsoft.com/office/drawing/2010/main">
+              <a14:hiddenEffects xmlns:a14="http://schemas.microsoft.com/office/drawing/2010/main">
                 <a:effectLst>
                   <a:outerShdw dist="35921" dir="2700000" algn="ctr" rotWithShape="0">
                     <a:schemeClr val="bg2"/>
@@ -8116,7 +8116,7 @@
     </p:spTree>
     <p:extLst>
       <p:ext uri="{BB962C8B-B14F-4D97-AF65-F5344CB8AC3E}">
-        <p14:creationId xmlns="" xmlns:p14="http://schemas.microsoft.com/office/powerpoint/2010/main" val="1474426187"/>
+        <p14:creationId xmlns:p14="http://schemas.microsoft.com/office/powerpoint/2010/main" val="1474426187"/>
       </p:ext>
     </p:extLst>
   </p:cSld>
@@ -8244,7 +8244,7 @@
     </p:spTree>
     <p:extLst>
       <p:ext uri="{BB962C8B-B14F-4D97-AF65-F5344CB8AC3E}">
-        <p14:creationId xmlns="" xmlns:p14="http://schemas.microsoft.com/office/powerpoint/2010/main" val="157114453"/>
+        <p14:creationId xmlns:p14="http://schemas.microsoft.com/office/powerpoint/2010/main" val="157114453"/>
       </p:ext>
     </p:extLst>
   </p:cSld>
@@ -8468,7 +8468,7 @@
     </p:spTree>
     <p:extLst>
       <p:ext uri="{BB962C8B-B14F-4D97-AF65-F5344CB8AC3E}">
-        <p14:creationId xmlns="" xmlns:p14="http://schemas.microsoft.com/office/powerpoint/2010/main" val="1552709027"/>
+        <p14:creationId xmlns:p14="http://schemas.microsoft.com/office/powerpoint/2010/main" val="1552709027"/>
       </p:ext>
     </p:extLst>
   </p:cSld>
@@ -8831,7 +8831,7 @@
     </p:spTree>
     <p:extLst>
       <p:ext uri="{BB962C8B-B14F-4D97-AF65-F5344CB8AC3E}">
-        <p14:creationId xmlns="" xmlns:p14="http://schemas.microsoft.com/office/powerpoint/2010/main" val="224636441"/>
+        <p14:creationId xmlns:p14="http://schemas.microsoft.com/office/powerpoint/2010/main" val="224636441"/>
       </p:ext>
     </p:extLst>
   </p:cSld>
@@ -8885,7 +8885,7 @@
     </p:spTree>
     <p:extLst>
       <p:ext uri="{BB962C8B-B14F-4D97-AF65-F5344CB8AC3E}">
-        <p14:creationId xmlns="" xmlns:p14="http://schemas.microsoft.com/office/powerpoint/2010/main" val="3837922559"/>
+        <p14:creationId xmlns:p14="http://schemas.microsoft.com/office/powerpoint/2010/main" val="3837922559"/>
       </p:ext>
     </p:extLst>
   </p:cSld>
@@ -8916,7 +8916,7 @@
     </p:spTree>
     <p:extLst>
       <p:ext uri="{BB962C8B-B14F-4D97-AF65-F5344CB8AC3E}">
-        <p14:creationId xmlns="" xmlns:p14="http://schemas.microsoft.com/office/powerpoint/2010/main" val="2158818595"/>
+        <p14:creationId xmlns:p14="http://schemas.microsoft.com/office/powerpoint/2010/main" val="2158818595"/>
       </p:ext>
     </p:extLst>
   </p:cSld>
@@ -9022,7 +9022,7 @@
     </p:spTree>
     <p:extLst>
       <p:ext uri="{BB962C8B-B14F-4D97-AF65-F5344CB8AC3E}">
-        <p14:creationId xmlns="" xmlns:p14="http://schemas.microsoft.com/office/powerpoint/2010/main" val="1236879233"/>
+        <p14:creationId xmlns:p14="http://schemas.microsoft.com/office/powerpoint/2010/main" val="1236879233"/>
       </p:ext>
     </p:extLst>
   </p:cSld>
@@ -9235,7 +9235,7 @@
     </p:spTree>
     <p:extLst>
       <p:ext uri="{BB962C8B-B14F-4D97-AF65-F5344CB8AC3E}">
-        <p14:creationId xmlns="" xmlns:p14="http://schemas.microsoft.com/office/powerpoint/2010/main" val="635995331"/>
+        <p14:creationId xmlns:p14="http://schemas.microsoft.com/office/powerpoint/2010/main" val="635995331"/>
       </p:ext>
     </p:extLst>
   </p:cSld>
@@ -9424,7 +9424,7 @@
     </p:spTree>
     <p:extLst>
       <p:ext uri="{BB962C8B-B14F-4D97-AF65-F5344CB8AC3E}">
-        <p14:creationId xmlns="" xmlns:p14="http://schemas.microsoft.com/office/powerpoint/2010/main" val="2598054099"/>
+        <p14:creationId xmlns:p14="http://schemas.microsoft.com/office/powerpoint/2010/main" val="2598054099"/>
       </p:ext>
     </p:extLst>
   </p:cSld>
@@ -9530,7 +9530,7 @@
     </p:spTree>
     <p:extLst>
       <p:ext uri="{BB962C8B-B14F-4D97-AF65-F5344CB8AC3E}">
-        <p14:creationId xmlns="" xmlns:p14="http://schemas.microsoft.com/office/powerpoint/2010/main" val="2717817151"/>
+        <p14:creationId xmlns:p14="http://schemas.microsoft.com/office/powerpoint/2010/main" val="2717817151"/>
       </p:ext>
     </p:extLst>
   </p:cSld>
@@ -9646,7 +9646,7 @@
     </p:spTree>
     <p:extLst>
       <p:ext uri="{BB962C8B-B14F-4D97-AF65-F5344CB8AC3E}">
-        <p14:creationId xmlns="" xmlns:p14="http://schemas.microsoft.com/office/powerpoint/2010/main" val="2735898483"/>
+        <p14:creationId xmlns:p14="http://schemas.microsoft.com/office/powerpoint/2010/main" val="2735898483"/>
       </p:ext>
     </p:extLst>
   </p:cSld>
@@ -11280,7 +11280,7 @@
     </p:spTree>
     <p:extLst>
       <p:ext uri="{BB962C8B-B14F-4D97-AF65-F5344CB8AC3E}">
-        <p14:creationId xmlns="" xmlns:p14="http://schemas.microsoft.com/office/powerpoint/2010/main" val="42680307"/>
+        <p14:creationId xmlns:p14="http://schemas.microsoft.com/office/powerpoint/2010/main" val="42680307"/>
       </p:ext>
     </p:extLst>
   </p:cSld>
@@ -11504,7 +11504,7 @@
     </p:spTree>
     <p:extLst>
       <p:ext uri="{BB962C8B-B14F-4D97-AF65-F5344CB8AC3E}">
-        <p14:creationId xmlns="" xmlns:p14="http://schemas.microsoft.com/office/powerpoint/2010/main" val="3116343140"/>
+        <p14:creationId xmlns:p14="http://schemas.microsoft.com/office/powerpoint/2010/main" val="3116343140"/>
       </p:ext>
     </p:extLst>
   </p:cSld>
@@ -11867,7 +11867,7 @@
     </p:spTree>
     <p:extLst>
       <p:ext uri="{BB962C8B-B14F-4D97-AF65-F5344CB8AC3E}">
-        <p14:creationId xmlns="" xmlns:p14="http://schemas.microsoft.com/office/powerpoint/2010/main" val="2158966446"/>
+        <p14:creationId xmlns:p14="http://schemas.microsoft.com/office/powerpoint/2010/main" val="2158966446"/>
       </p:ext>
     </p:extLst>
   </p:cSld>
@@ -11921,7 +11921,7 @@
     </p:spTree>
     <p:extLst>
       <p:ext uri="{BB962C8B-B14F-4D97-AF65-F5344CB8AC3E}">
-        <p14:creationId xmlns="" xmlns:p14="http://schemas.microsoft.com/office/powerpoint/2010/main" val="1915151939"/>
+        <p14:creationId xmlns:p14="http://schemas.microsoft.com/office/powerpoint/2010/main" val="1915151939"/>
       </p:ext>
     </p:extLst>
   </p:cSld>
@@ -11952,7 +11952,7 @@
     </p:spTree>
     <p:extLst>
       <p:ext uri="{BB962C8B-B14F-4D97-AF65-F5344CB8AC3E}">
-        <p14:creationId xmlns="" xmlns:p14="http://schemas.microsoft.com/office/powerpoint/2010/main" val="1453295227"/>
+        <p14:creationId xmlns:p14="http://schemas.microsoft.com/office/powerpoint/2010/main" val="1453295227"/>
       </p:ext>
     </p:extLst>
   </p:cSld>
@@ -12165,7 +12165,7 @@
     </p:spTree>
     <p:extLst>
       <p:ext uri="{BB962C8B-B14F-4D97-AF65-F5344CB8AC3E}">
-        <p14:creationId xmlns="" xmlns:p14="http://schemas.microsoft.com/office/powerpoint/2010/main" val="2790426795"/>
+        <p14:creationId xmlns:p14="http://schemas.microsoft.com/office/powerpoint/2010/main" val="2790426795"/>
       </p:ext>
     </p:extLst>
   </p:cSld>
@@ -12355,7 +12355,7 @@
     </p:spTree>
     <p:extLst>
       <p:ext uri="{BB962C8B-B14F-4D97-AF65-F5344CB8AC3E}">
-        <p14:creationId xmlns="" xmlns:p14="http://schemas.microsoft.com/office/powerpoint/2010/main" val="4279865431"/>
+        <p14:creationId xmlns:p14="http://schemas.microsoft.com/office/powerpoint/2010/main" val="4279865431"/>
       </p:ext>
     </p:extLst>
   </p:cSld>
@@ -13142,14 +13142,14 @@
           </a:effectLst>
           <a:extLst>
             <a:ext uri="{909E8E84-426E-40DD-AFC4-6F175D3DCCD1}">
-              <a14:hiddenFill xmlns="" xmlns:a14="http://schemas.microsoft.com/office/drawing/2010/main">
+              <a14:hiddenFill xmlns:a14="http://schemas.microsoft.com/office/drawing/2010/main">
                 <a:solidFill>
                   <a:schemeClr val="accent1"/>
                 </a:solidFill>
               </a14:hiddenFill>
             </a:ext>
             <a:ext uri="{91240B29-F687-4F45-9708-019B960494DF}">
-              <a14:hiddenLine xmlns="" xmlns:a14="http://schemas.microsoft.com/office/drawing/2010/main" w="9525">
+              <a14:hiddenLine xmlns:a14="http://schemas.microsoft.com/office/drawing/2010/main" w="9525">
                 <a:solidFill>
                   <a:schemeClr val="tx1"/>
                 </a:solidFill>
@@ -13234,7 +13234,7 @@
           </a:effectLst>
           <a:extLst>
             <a:ext uri="{909E8E84-426E-40DD-AFC4-6F175D3DCCD1}">
-              <a14:hiddenFill xmlns="" xmlns:a14="http://schemas.microsoft.com/office/drawing/2010/main">
+              <a14:hiddenFill xmlns:a14="http://schemas.microsoft.com/office/drawing/2010/main">
                 <a:solidFill>
                   <a:srgbClr val="FFFFFF">
                     <a:alpha val="30000"/>
@@ -13243,7 +13243,7 @@
               </a14:hiddenFill>
             </a:ext>
             <a:ext uri="{91240B29-F687-4F45-9708-019B960494DF}">
-              <a14:hiddenLine xmlns="" xmlns:a14="http://schemas.microsoft.com/office/drawing/2010/main" w="9525">
+              <a14:hiddenLine xmlns:a14="http://schemas.microsoft.com/office/drawing/2010/main" w="9525">
                 <a:solidFill>
                   <a:schemeClr val="tx1"/>
                 </a:solidFill>
@@ -14622,7 +14622,7 @@
             <a:lum bright="-20000"/>
             <a:extLst>
               <a:ext uri="{28A0092B-C50C-407E-A947-70E740481C1C}">
-                <a14:useLocalDpi xmlns="" xmlns:a14="http://schemas.microsoft.com/office/drawing/2010/main"/>
+                <a14:useLocalDpi xmlns:a14="http://schemas.microsoft.com/office/drawing/2010/main"/>
               </a:ext>
             </a:extLst>
           </a:blip>
@@ -15393,11 +15393,11 @@
   <p:clrMapOvr>
     <a:masterClrMapping/>
   </p:clrMapOvr>
-  <mc:AlternateContent xmlns:mc="http://schemas.openxmlformats.org/markup-compatibility/2006">
-    <mc:Choice xmlns="" xmlns:p14="http://schemas.microsoft.com/office/powerpoint/2010/main" Requires="p14">
+  <mc:AlternateContent xmlns:mc="http://schemas.openxmlformats.org/markup-compatibility/2006" xmlns:p14="http://schemas.microsoft.com/office/powerpoint/2010/main">
+    <mc:Choice Requires="p14">
       <p:transition spd="slow" p14:dur="2000"/>
     </mc:Choice>
-    <mc:Fallback>
+    <mc:Fallback xmlns="">
       <p:transition spd="slow"/>
     </mc:Fallback>
   </mc:AlternateContent>
@@ -15501,7 +15501,7 @@
           <a:blip r:embed="rId3" cstate="screen">
             <a:extLst>
               <a:ext uri="{BEBA8EAE-BF5A-486C-A8C5-ECC9F3942E4B}">
-                <a14:imgProps xmlns="" xmlns:a14="http://schemas.microsoft.com/office/drawing/2010/main">
+                <a14:imgProps xmlns:a14="http://schemas.microsoft.com/office/drawing/2010/main">
                   <a14:imgLayer r:embed="rId4">
                     <a14:imgEffect>
                       <a14:backgroundRemoval t="2539" b="100000" l="9961" r="89844"/>
@@ -15510,7 +15510,7 @@
                 </a14:imgProps>
               </a:ext>
               <a:ext uri="{28A0092B-C50C-407E-A947-70E740481C1C}">
-                <a14:useLocalDpi xmlns="" xmlns:a14="http://schemas.microsoft.com/office/drawing/2010/main"/>
+                <a14:useLocalDpi xmlns:a14="http://schemas.microsoft.com/office/drawing/2010/main"/>
               </a:ext>
             </a:extLst>
           </a:blip>
@@ -15538,7 +15538,7 @@
           </a:effectLst>
           <a:extLst>
             <a:ext uri="{909E8E84-426E-40DD-AFC4-6F175D3DCCD1}">
-              <a14:hiddenFill xmlns="" xmlns:a14="http://schemas.microsoft.com/office/drawing/2010/main">
+              <a14:hiddenFill xmlns:a14="http://schemas.microsoft.com/office/drawing/2010/main">
                 <a:solidFill>
                   <a:srgbClr val="FFFFFF">
                     <a:alpha val="30000"/>
@@ -15547,7 +15547,7 @@
               </a14:hiddenFill>
             </a:ext>
             <a:ext uri="{91240B29-F687-4F45-9708-019B960494DF}">
-              <a14:hiddenLine xmlns="" xmlns:a14="http://schemas.microsoft.com/office/drawing/2010/main" w="9525" cap="flat" cmpd="sng" algn="ctr">
+              <a14:hiddenLine xmlns:a14="http://schemas.microsoft.com/office/drawing/2010/main" w="9525" cap="flat" cmpd="sng" algn="ctr">
                 <a:solidFill>
                   <a:schemeClr val="tx1"/>
                 </a:solidFill>
@@ -15572,7 +15572,7 @@
           <a:blip r:embed="rId5" cstate="screen">
             <a:extLst>
               <a:ext uri="{28A0092B-C50C-407E-A947-70E740481C1C}">
-                <a14:useLocalDpi xmlns="" xmlns:a14="http://schemas.microsoft.com/office/drawing/2010/main"/>
+                <a14:useLocalDpi xmlns:a14="http://schemas.microsoft.com/office/drawing/2010/main"/>
               </a:ext>
             </a:extLst>
           </a:blip>
@@ -15596,14 +15596,14 @@
           <a:effectLst/>
           <a:extLst>
             <a:ext uri="{909E8E84-426E-40DD-AFC4-6F175D3DCCD1}">
-              <a14:hiddenFill xmlns="" xmlns:a14="http://schemas.microsoft.com/office/drawing/2010/main">
+              <a14:hiddenFill xmlns:a14="http://schemas.microsoft.com/office/drawing/2010/main">
                 <a:solidFill>
                   <a:schemeClr val="accent1"/>
                 </a:solidFill>
               </a14:hiddenFill>
             </a:ext>
             <a:ext uri="{91240B29-F687-4F45-9708-019B960494DF}">
-              <a14:hiddenLine xmlns="" xmlns:a14="http://schemas.microsoft.com/office/drawing/2010/main" w="9525">
+              <a14:hiddenLine xmlns:a14="http://schemas.microsoft.com/office/drawing/2010/main" w="9525">
                 <a:solidFill>
                   <a:schemeClr val="tx1"/>
                 </a:solidFill>
@@ -15613,7 +15613,7 @@
               </a14:hiddenLine>
             </a:ext>
             <a:ext uri="{AF507438-7753-43E0-B8FC-AC1667EBCBE1}">
-              <a14:hiddenEffects xmlns="" xmlns:a14="http://schemas.microsoft.com/office/drawing/2010/main">
+              <a14:hiddenEffects xmlns:a14="http://schemas.microsoft.com/office/drawing/2010/main">
                 <a:effectLst>
                   <a:outerShdw dist="35921" dir="2700000" algn="ctr" rotWithShape="0">
                     <a:schemeClr val="bg2"/>
@@ -15629,11 +15629,11 @@
   <p:clrMapOvr>
     <a:masterClrMapping/>
   </p:clrMapOvr>
-  <mc:AlternateContent xmlns:mc="http://schemas.openxmlformats.org/markup-compatibility/2006">
-    <mc:Choice xmlns="" xmlns:p14="http://schemas.microsoft.com/office/powerpoint/2010/main" Requires="p14">
+  <mc:AlternateContent xmlns:mc="http://schemas.openxmlformats.org/markup-compatibility/2006" xmlns:p14="http://schemas.microsoft.com/office/powerpoint/2010/main">
+    <mc:Choice Requires="p14">
       <p:transition spd="slow" p14:dur="2000"/>
     </mc:Choice>
-    <mc:Fallback>
+    <mc:Fallback xmlns="">
       <p:transition spd="slow"/>
     </mc:Fallback>
   </mc:AlternateContent>
@@ -15751,18 +15751,48 @@
             <a:r>
               <a:rPr lang="en-US" dirty="0">
                 <a:solidFill>
+                  <a:schemeClr val="accent5">
+                    <a:lumMod val="20000"/>
+                    <a:lumOff val="80000"/>
+                  </a:schemeClr>
+                </a:solidFill>
+              </a:rPr>
+              <a:t>Master</a:t>
+            </a:r>
+            <a:r>
+              <a:rPr lang="en-US" dirty="0">
+                <a:solidFill>
                   <a:srgbClr val="EBFFD2"/>
                 </a:solidFill>
               </a:rPr>
-              <a:t>Master </a:t>
+              <a:t> </a:t>
             </a:r>
             <a:r>
               <a:rPr lang="en-US" dirty="0" smtClean="0">
                 <a:solidFill>
+                  <a:schemeClr val="accent5">
+                    <a:lumMod val="20000"/>
+                    <a:lumOff val="80000"/>
+                  </a:schemeClr>
+                </a:solidFill>
+              </a:rPr>
+              <a:t>Page</a:t>
+            </a:r>
+            <a:r>
+              <a:rPr lang="en-US" dirty="0" smtClean="0">
+                <a:solidFill>
                   <a:srgbClr val="EBFFD2"/>
                 </a:solidFill>
               </a:rPr>
-              <a:t>page at runtime </a:t>
+              <a:t> </a:t>
+            </a:r>
+            <a:r>
+              <a:rPr lang="en-US" dirty="0" smtClean="0">
+                <a:solidFill>
+                  <a:srgbClr val="EBFFD2"/>
+                </a:solidFill>
+              </a:rPr>
+              <a:t>at runtime </a:t>
             </a:r>
             <a:r>
               <a:rPr lang="en-US" dirty="0">
@@ -15823,10 +15853,48 @@
             <a:r>
               <a:rPr lang="en-US" dirty="0">
                 <a:solidFill>
+                  <a:schemeClr val="accent5">
+                    <a:lumMod val="20000"/>
+                    <a:lumOff val="80000"/>
+                  </a:schemeClr>
+                </a:solidFill>
+              </a:rPr>
+              <a:t>Master</a:t>
+            </a:r>
+            <a:r>
+              <a:rPr lang="en-US" dirty="0">
+                <a:solidFill>
                   <a:srgbClr val="EBFFD2"/>
                 </a:solidFill>
               </a:rPr>
-              <a:t>Master page according to the browser </a:t>
+              <a:t> </a:t>
+            </a:r>
+            <a:r>
+              <a:rPr lang="en-US" dirty="0" smtClean="0">
+                <a:solidFill>
+                  <a:schemeClr val="accent5">
+                    <a:lumMod val="20000"/>
+                    <a:lumOff val="80000"/>
+                  </a:schemeClr>
+                </a:solidFill>
+              </a:rPr>
+              <a:t>Page</a:t>
+            </a:r>
+            <a:r>
+              <a:rPr lang="en-US" dirty="0" smtClean="0">
+                <a:solidFill>
+                  <a:srgbClr val="EBFFD2"/>
+                </a:solidFill>
+              </a:rPr>
+              <a:t> </a:t>
+            </a:r>
+            <a:r>
+              <a:rPr lang="en-US" dirty="0">
+                <a:solidFill>
+                  <a:srgbClr val="EBFFD2"/>
+                </a:solidFill>
+              </a:rPr>
+              <a:t>according to the browser </a:t>
             </a:r>
             <a:r>
               <a:rPr lang="en-US" dirty="0" smtClean="0">
@@ -16145,11 +16213,11 @@
   <p:clrMapOvr>
     <a:masterClrMapping/>
   </p:clrMapOvr>
-  <mc:AlternateContent xmlns:mc="http://schemas.openxmlformats.org/markup-compatibility/2006">
-    <mc:Choice xmlns="" xmlns:p14="http://schemas.microsoft.com/office/powerpoint/2010/main" Requires="p14">
+  <mc:AlternateContent xmlns:mc="http://schemas.openxmlformats.org/markup-compatibility/2006" xmlns:p14="http://schemas.microsoft.com/office/powerpoint/2010/main">
+    <mc:Choice Requires="p14">
       <p:transition spd="slow" p14:dur="2000"/>
     </mc:Choice>
-    <mc:Fallback>
+    <mc:Fallback xmlns="">
       <p:transition spd="slow"/>
     </mc:Fallback>
   </mc:AlternateContent>
@@ -16276,7 +16344,7 @@
               <a:t>Nested </a:t>
             </a:r>
             <a:r>
-              <a:rPr lang="en-US" sz="2800" dirty="0">
+              <a:rPr lang="en-US" sz="2800" dirty="0" smtClean="0">
                 <a:solidFill>
                   <a:schemeClr val="accent5">
                     <a:lumMod val="20000"/>
@@ -16284,7 +16352,7 @@
                   </a:schemeClr>
                 </a:solidFill>
               </a:rPr>
-              <a:t>master pages </a:t>
+              <a:t>Master Pages </a:t>
             </a:r>
             <a:r>
               <a:rPr lang="en-US" sz="2800" dirty="0"/>
@@ -16296,9 +16364,42 @@
             </a:r>
             <a:r>
               <a:rPr lang="en-US" sz="2800" dirty="0"/>
-              <a:t>componentized master pages</a:t>
-            </a:r>
-            <a:endParaRPr lang="en-US" sz="2800" dirty="0" smtClean="0"/>
+              <a:t>componentized </a:t>
+            </a:r>
+            <a:r>
+              <a:rPr lang="en-US" sz="2800" dirty="0" smtClean="0">
+                <a:solidFill>
+                  <a:schemeClr val="accent5">
+                    <a:lumMod val="20000"/>
+                    <a:lumOff val="80000"/>
+                  </a:schemeClr>
+                </a:solidFill>
+              </a:rPr>
+              <a:t>Master</a:t>
+            </a:r>
+            <a:r>
+              <a:rPr lang="en-US" sz="2800" dirty="0" smtClean="0"/>
+              <a:t> </a:t>
+            </a:r>
+            <a:r>
+              <a:rPr lang="en-US" sz="2800" dirty="0" smtClean="0">
+                <a:solidFill>
+                  <a:schemeClr val="accent5">
+                    <a:lumMod val="20000"/>
+                    <a:lumOff val="80000"/>
+                  </a:schemeClr>
+                </a:solidFill>
+              </a:rPr>
+              <a:t>Pages</a:t>
+            </a:r>
+            <a:endParaRPr lang="en-US" sz="2800" dirty="0" smtClean="0">
+              <a:solidFill>
+                <a:schemeClr val="accent5">
+                  <a:lumMod val="20000"/>
+                  <a:lumOff val="80000"/>
+                </a:schemeClr>
+              </a:solidFill>
+            </a:endParaRPr>
           </a:p>
           <a:p>
             <a:pPr lvl="1">
@@ -16411,7 +16512,41 @@
                 <a:latin typeface="Consolas" pitchFamily="49" charset="0"/>
                 <a:cs typeface="Consolas" pitchFamily="49" charset="0"/>
               </a:rPr>
-              <a:t>&lt;% @ Master Language="C#" %&gt;    </a:t>
+              <a:t>&lt;% </a:t>
+            </a:r>
+            <a:r>
+              <a:rPr lang="en-US" sz="2000" noProof="1" smtClean="0">
+                <a:solidFill>
+                  <a:srgbClr val="8CF4F2"/>
+                </a:solidFill>
+                <a:effectLst>
+                  <a:outerShdw blurRad="38100" dist="38100" dir="2700000" algn="tl">
+                    <a:srgbClr val="000000">
+                      <a:alpha val="43137"/>
+                    </a:srgbClr>
+                  </a:outerShdw>
+                </a:effectLst>
+                <a:latin typeface="Consolas" pitchFamily="49" charset="0"/>
+                <a:cs typeface="Consolas" pitchFamily="49" charset="0"/>
+              </a:rPr>
+              <a:t>@Master </a:t>
+            </a:r>
+            <a:r>
+              <a:rPr lang="en-US" sz="2000" noProof="1" smtClean="0">
+                <a:solidFill>
+                  <a:srgbClr val="8CF4F2"/>
+                </a:solidFill>
+                <a:effectLst>
+                  <a:outerShdw blurRad="38100" dist="38100" dir="2700000" algn="tl">
+                    <a:srgbClr val="000000">
+                      <a:alpha val="43137"/>
+                    </a:srgbClr>
+                  </a:outerShdw>
+                </a:effectLst>
+                <a:latin typeface="Consolas" pitchFamily="49" charset="0"/>
+                <a:cs typeface="Consolas" pitchFamily="49" charset="0"/>
+              </a:rPr>
+              <a:t>Language="C#" %&gt;    </a:t>
             </a:r>
             <a:r>
               <a:rPr lang="en-US" sz="2000" noProof="1" smtClean="0">
@@ -16552,7 +16687,24 @@
                 <a:latin typeface="Consolas" pitchFamily="49" charset="0"/>
                 <a:cs typeface="Consolas" pitchFamily="49" charset="0"/>
               </a:rPr>
-              <a:t>&lt;%@ Master Language="C#" MasterPageFile="~/Parent.master"%&gt; </a:t>
+              <a:t>&lt;% @Master </a:t>
+            </a:r>
+            <a:r>
+              <a:rPr lang="en-US" sz="2000" noProof="1" smtClean="0">
+                <a:solidFill>
+                  <a:srgbClr val="8CF4F2"/>
+                </a:solidFill>
+                <a:effectLst>
+                  <a:outerShdw blurRad="38100" dist="38100" dir="2700000" algn="tl">
+                    <a:srgbClr val="000000">
+                      <a:alpha val="43137"/>
+                    </a:srgbClr>
+                  </a:outerShdw>
+                </a:effectLst>
+                <a:latin typeface="Consolas" pitchFamily="49" charset="0"/>
+                <a:cs typeface="Consolas" pitchFamily="49" charset="0"/>
+              </a:rPr>
+              <a:t>Language="C#" MasterPageFile="~/Parent.master"%&gt; </a:t>
             </a:r>
           </a:p>
           <a:p>
@@ -16767,7 +16919,7 @@
     </p:spTree>
     <p:extLst>
       <p:ext uri="{BB962C8B-B14F-4D97-AF65-F5344CB8AC3E}">
-        <p14:creationId xmlns="" xmlns:p14="http://schemas.microsoft.com/office/powerpoint/2010/main" val="3255997103"/>
+        <p14:creationId xmlns:p14="http://schemas.microsoft.com/office/powerpoint/2010/main" val="3255997103"/>
       </p:ext>
     </p:extLst>
   </p:cSld>
@@ -16853,7 +17005,7 @@
           <a:blip r:embed="rId3" cstate="screen">
             <a:extLst>
               <a:ext uri="{28A0092B-C50C-407E-A947-70E740481C1C}">
-                <a14:useLocalDpi xmlns="" xmlns:a14="http://schemas.microsoft.com/office/drawing/2010/main"/>
+                <a14:useLocalDpi xmlns:a14="http://schemas.microsoft.com/office/drawing/2010/main"/>
               </a:ext>
             </a:extLst>
           </a:blip>
@@ -16883,7 +17035,7 @@
           </a:effectLst>
           <a:extLst>
             <a:ext uri="{909E8E84-426E-40DD-AFC4-6F175D3DCCD1}">
-              <a14:hiddenFill xmlns="" xmlns:a14="http://schemas.microsoft.com/office/drawing/2010/main">
+              <a14:hiddenFill xmlns:a14="http://schemas.microsoft.com/office/drawing/2010/main">
                 <a:solidFill>
                   <a:srgbClr val="FFFFFF">
                     <a:alpha val="30000"/>
@@ -16892,7 +17044,7 @@
               </a14:hiddenFill>
             </a:ext>
             <a:ext uri="{91240B29-F687-4F45-9708-019B960494DF}">
-              <a14:hiddenLine xmlns="" xmlns:a14="http://schemas.microsoft.com/office/drawing/2010/main" w="9525" cap="flat" cmpd="sng" algn="ctr">
+              <a14:hiddenLine xmlns:a14="http://schemas.microsoft.com/office/drawing/2010/main" w="9525" cap="flat" cmpd="sng" algn="ctr">
                 <a:solidFill>
                   <a:schemeClr val="tx1"/>
                 </a:solidFill>
@@ -16910,11 +17062,11 @@
   <p:clrMapOvr>
     <a:masterClrMapping/>
   </p:clrMapOvr>
-  <mc:AlternateContent xmlns:mc="http://schemas.openxmlformats.org/markup-compatibility/2006">
-    <mc:Choice xmlns="" xmlns:p14="http://schemas.microsoft.com/office/powerpoint/2010/main" Requires="p14">
+  <mc:AlternateContent xmlns:mc="http://schemas.openxmlformats.org/markup-compatibility/2006" xmlns:p14="http://schemas.microsoft.com/office/powerpoint/2010/main">
+    <mc:Choice Requires="p14">
       <p:transition spd="slow" p14:dur="2000"/>
     </mc:Choice>
-    <mc:Fallback>
+    <mc:Fallback xmlns="">
       <p:transition spd="slow"/>
     </mc:Fallback>
   </mc:AlternateContent>
@@ -17232,7 +17384,7 @@
           <a:blip r:embed="rId3" cstate="print">
             <a:extLst>
               <a:ext uri="{28A0092B-C50C-407E-A947-70E740481C1C}">
-                <a14:useLocalDpi xmlns="" xmlns:a14="http://schemas.microsoft.com/office/drawing/2010/main" val="0"/>
+                <a14:useLocalDpi xmlns:a14="http://schemas.microsoft.com/office/drawing/2010/main" val="0"/>
               </a:ext>
             </a:extLst>
           </a:blip>
@@ -17256,14 +17408,14 @@
           <a:effectLst/>
           <a:extLst>
             <a:ext uri="{909E8E84-426E-40DD-AFC4-6F175D3DCCD1}">
-              <a14:hiddenFill xmlns="" xmlns:a14="http://schemas.microsoft.com/office/drawing/2010/main">
+              <a14:hiddenFill xmlns:a14="http://schemas.microsoft.com/office/drawing/2010/main">
                 <a:solidFill>
                   <a:schemeClr val="accent1"/>
                 </a:solidFill>
               </a14:hiddenFill>
             </a:ext>
             <a:ext uri="{91240B29-F687-4F45-9708-019B960494DF}">
-              <a14:hiddenLine xmlns="" xmlns:a14="http://schemas.microsoft.com/office/drawing/2010/main" w="9525">
+              <a14:hiddenLine xmlns:a14="http://schemas.microsoft.com/office/drawing/2010/main" w="9525">
                 <a:solidFill>
                   <a:schemeClr val="tx1"/>
                 </a:solidFill>
@@ -17273,7 +17425,7 @@
               </a14:hiddenLine>
             </a:ext>
             <a:ext uri="{AF507438-7753-43E0-B8FC-AC1667EBCBE1}">
-              <a14:hiddenEffects xmlns="" xmlns:a14="http://schemas.microsoft.com/office/drawing/2010/main">
+              <a14:hiddenEffects xmlns:a14="http://schemas.microsoft.com/office/drawing/2010/main">
                 <a:effectLst>
                   <a:outerShdw dist="35921" dir="2700000" algn="ctr" rotWithShape="0">
                     <a:schemeClr val="bg2"/>
@@ -17296,7 +17448,7 @@
           <a:blip r:embed="rId4" cstate="print">
             <a:extLst>
               <a:ext uri="{28A0092B-C50C-407E-A947-70E740481C1C}">
-                <a14:useLocalDpi xmlns="" xmlns:a14="http://schemas.microsoft.com/office/drawing/2010/main"/>
+                <a14:useLocalDpi xmlns:a14="http://schemas.microsoft.com/office/drawing/2010/main"/>
               </a:ext>
             </a:extLst>
           </a:blip>
@@ -17331,7 +17483,7 @@
           </a:effectLst>
           <a:extLst>
             <a:ext uri="{909E8E84-426E-40DD-AFC4-6F175D3DCCD1}">
-              <a14:hiddenFill xmlns="" xmlns:a14="http://schemas.microsoft.com/office/drawing/2010/main">
+              <a14:hiddenFill xmlns:a14="http://schemas.microsoft.com/office/drawing/2010/main">
                 <a:solidFill>
                   <a:srgbClr val="FFFFFF"/>
                 </a:solidFill>
@@ -17427,14 +17579,14 @@
           <a:ln/>
           <a:extLst>
             <a:ext uri="{909E8E84-426E-40DD-AFC4-6F175D3DCCD1}">
-              <a14:hiddenFill xmlns="" xmlns:a14="http://schemas.microsoft.com/office/drawing/2010/main">
+              <a14:hiddenFill xmlns:a14="http://schemas.microsoft.com/office/drawing/2010/main">
                 <a:solidFill>
                   <a:srgbClr val="FFFFFF"/>
                 </a:solidFill>
               </a14:hiddenFill>
             </a:ext>
             <a:ext uri="{91240B29-F687-4F45-9708-019B960494DF}">
-              <a14:hiddenLine xmlns="" xmlns:a14="http://schemas.microsoft.com/office/drawing/2010/main" w="9525">
+              <a14:hiddenLine xmlns:a14="http://schemas.microsoft.com/office/drawing/2010/main" w="9525">
                 <a:solidFill>
                   <a:srgbClr val="000000"/>
                 </a:solidFill>
@@ -17476,14 +17628,14 @@
           <a:ln/>
           <a:extLst>
             <a:ext uri="{909E8E84-426E-40DD-AFC4-6F175D3DCCD1}">
-              <a14:hiddenFill xmlns="" xmlns:a14="http://schemas.microsoft.com/office/drawing/2010/main">
+              <a14:hiddenFill xmlns:a14="http://schemas.microsoft.com/office/drawing/2010/main">
                 <a:solidFill>
                   <a:srgbClr val="FFFFFF"/>
                 </a:solidFill>
               </a14:hiddenFill>
             </a:ext>
             <a:ext uri="{91240B29-F687-4F45-9708-019B960494DF}">
-              <a14:hiddenLine xmlns="" xmlns:a14="http://schemas.microsoft.com/office/drawing/2010/main" w="9525">
+              <a14:hiddenLine xmlns:a14="http://schemas.microsoft.com/office/drawing/2010/main" w="9525">
                 <a:solidFill>
                   <a:srgbClr val="000000"/>
                 </a:solidFill>
@@ -17505,7 +17657,63 @@
             </a:pPr>
             <a:r>
               <a:rPr lang="en-US" dirty="0" smtClean="0"/>
-              <a:t>A Web user control:</a:t>
+              <a:t>A </a:t>
+            </a:r>
+            <a:r>
+              <a:rPr lang="en-US" dirty="0" smtClean="0">
+                <a:solidFill>
+                  <a:schemeClr val="accent5">
+                    <a:lumMod val="20000"/>
+                    <a:lumOff val="80000"/>
+                  </a:schemeClr>
+                </a:solidFill>
+              </a:rPr>
+              <a:t>Web</a:t>
+            </a:r>
+            <a:r>
+              <a:rPr lang="en-US" dirty="0" smtClean="0"/>
+              <a:t> </a:t>
+            </a:r>
+            <a:r>
+              <a:rPr lang="en-US" dirty="0">
+                <a:solidFill>
+                  <a:schemeClr val="accent5">
+                    <a:lumMod val="20000"/>
+                    <a:lumOff val="80000"/>
+                  </a:schemeClr>
+                </a:solidFill>
+              </a:rPr>
+              <a:t>U</a:t>
+            </a:r>
+            <a:r>
+              <a:rPr lang="en-US" dirty="0" smtClean="0">
+                <a:solidFill>
+                  <a:schemeClr val="accent5">
+                    <a:lumMod val="20000"/>
+                    <a:lumOff val="80000"/>
+                  </a:schemeClr>
+                </a:solidFill>
+              </a:rPr>
+              <a:t>ser</a:t>
+            </a:r>
+            <a:r>
+              <a:rPr lang="en-US" dirty="0" smtClean="0"/>
+              <a:t> </a:t>
+            </a:r>
+            <a:r>
+              <a:rPr lang="en-US" dirty="0" smtClean="0">
+                <a:solidFill>
+                  <a:schemeClr val="accent5">
+                    <a:lumMod val="20000"/>
+                    <a:lumOff val="80000"/>
+                  </a:schemeClr>
+                </a:solidFill>
+              </a:rPr>
+              <a:t>Control</a:t>
+            </a:r>
+            <a:r>
+              <a:rPr lang="en-US" dirty="0" smtClean="0"/>
+              <a:t>:</a:t>
             </a:r>
             <a:endParaRPr lang="bg-BG" dirty="0" smtClean="0"/>
           </a:p>
@@ -17600,11 +17808,11 @@
   <p:clrMapOvr>
     <a:masterClrMapping/>
   </p:clrMapOvr>
-  <mc:AlternateContent xmlns:mc="http://schemas.openxmlformats.org/markup-compatibility/2006">
-    <mc:Choice xmlns="" xmlns:p14="http://schemas.microsoft.com/office/powerpoint/2010/main" Requires="p14">
+  <mc:AlternateContent xmlns:mc="http://schemas.openxmlformats.org/markup-compatibility/2006" xmlns:p14="http://schemas.microsoft.com/office/powerpoint/2010/main">
+    <mc:Choice Requires="p14">
       <p:transition spd="slow" p14:dur="2000"/>
     </mc:Choice>
-    <mc:Fallback>
+    <mc:Fallback xmlns="">
       <p:transition spd="slow"/>
     </mc:Fallback>
   </mc:AlternateContent>
@@ -17650,14 +17858,14 @@
           <a:ln/>
           <a:extLst>
             <a:ext uri="{909E8E84-426E-40DD-AFC4-6F175D3DCCD1}">
-              <a14:hiddenFill xmlns="" xmlns:a14="http://schemas.microsoft.com/office/drawing/2010/main">
+              <a14:hiddenFill xmlns:a14="http://schemas.microsoft.com/office/drawing/2010/main">
                 <a:solidFill>
                   <a:srgbClr val="FFFFFF"/>
                 </a:solidFill>
               </a14:hiddenFill>
             </a:ext>
             <a:ext uri="{91240B29-F687-4F45-9708-019B960494DF}">
-              <a14:hiddenLine xmlns="" xmlns:a14="http://schemas.microsoft.com/office/drawing/2010/main" w="9525">
+              <a14:hiddenLine xmlns:a14="http://schemas.microsoft.com/office/drawing/2010/main" w="9525">
                 <a:solidFill>
                   <a:srgbClr val="000000"/>
                 </a:solidFill>
@@ -17699,14 +17907,14 @@
           <a:ln/>
           <a:extLst>
             <a:ext uri="{909E8E84-426E-40DD-AFC4-6F175D3DCCD1}">
-              <a14:hiddenFill xmlns="" xmlns:a14="http://schemas.microsoft.com/office/drawing/2010/main">
+              <a14:hiddenFill xmlns:a14="http://schemas.microsoft.com/office/drawing/2010/main">
                 <a:solidFill>
                   <a:srgbClr val="FFFFFF"/>
                 </a:solidFill>
               </a14:hiddenFill>
             </a:ext>
             <a:ext uri="{91240B29-F687-4F45-9708-019B960494DF}">
-              <a14:hiddenLine xmlns="" xmlns:a14="http://schemas.microsoft.com/office/drawing/2010/main" w="9525">
+              <a14:hiddenLine xmlns:a14="http://schemas.microsoft.com/office/drawing/2010/main" w="9525">
                 <a:solidFill>
                   <a:srgbClr val="000000"/>
                 </a:solidFill>
@@ -17977,11 +18185,11 @@
   <p:clrMapOvr>
     <a:masterClrMapping/>
   </p:clrMapOvr>
-  <mc:AlternateContent xmlns:mc="http://schemas.openxmlformats.org/markup-compatibility/2006">
-    <mc:Choice xmlns="" xmlns:p14="http://schemas.microsoft.com/office/powerpoint/2010/main" Requires="p14">
+  <mc:AlternateContent xmlns:mc="http://schemas.openxmlformats.org/markup-compatibility/2006" xmlns:p14="http://schemas.microsoft.com/office/powerpoint/2010/main">
+    <mc:Choice Requires="p14">
       <p:transition spd="slow" p14:dur="2000"/>
     </mc:Choice>
-    <mc:Fallback>
+    <mc:Fallback xmlns="">
       <p:transition spd="slow"/>
     </mc:Fallback>
   </mc:AlternateContent>
@@ -18027,14 +18235,14 @@
           <a:ln/>
           <a:extLst>
             <a:ext uri="{909E8E84-426E-40DD-AFC4-6F175D3DCCD1}">
-              <a14:hiddenFill xmlns="" xmlns:a14="http://schemas.microsoft.com/office/drawing/2010/main">
+              <a14:hiddenFill xmlns:a14="http://schemas.microsoft.com/office/drawing/2010/main">
                 <a:solidFill>
                   <a:srgbClr val="FFFFFF"/>
                 </a:solidFill>
               </a14:hiddenFill>
             </a:ext>
             <a:ext uri="{91240B29-F687-4F45-9708-019B960494DF}">
-              <a14:hiddenLine xmlns="" xmlns:a14="http://schemas.microsoft.com/office/drawing/2010/main" w="9525">
+              <a14:hiddenLine xmlns:a14="http://schemas.microsoft.com/office/drawing/2010/main" w="9525">
                 <a:solidFill>
                   <a:srgbClr val="000000"/>
                 </a:solidFill>
@@ -18080,14 +18288,14 @@
           <a:ln/>
           <a:extLst>
             <a:ext uri="{909E8E84-426E-40DD-AFC4-6F175D3DCCD1}">
-              <a14:hiddenFill xmlns="" xmlns:a14="http://schemas.microsoft.com/office/drawing/2010/main">
+              <a14:hiddenFill xmlns:a14="http://schemas.microsoft.com/office/drawing/2010/main">
                 <a:solidFill>
                   <a:srgbClr val="FFFFFF"/>
                 </a:solidFill>
               </a14:hiddenFill>
             </a:ext>
             <a:ext uri="{91240B29-F687-4F45-9708-019B960494DF}">
-              <a14:hiddenLine xmlns="" xmlns:a14="http://schemas.microsoft.com/office/drawing/2010/main" w="9525">
+              <a14:hiddenLine xmlns:a14="http://schemas.microsoft.com/office/drawing/2010/main" w="9525">
                 <a:solidFill>
                   <a:srgbClr val="000000"/>
                 </a:solidFill>
@@ -18260,11 +18468,11 @@
   <p:clrMapOvr>
     <a:masterClrMapping/>
   </p:clrMapOvr>
-  <mc:AlternateContent xmlns:mc="http://schemas.openxmlformats.org/markup-compatibility/2006">
-    <mc:Choice xmlns="" xmlns:p14="http://schemas.microsoft.com/office/powerpoint/2010/main" Requires="p14">
+  <mc:AlternateContent xmlns:mc="http://schemas.openxmlformats.org/markup-compatibility/2006" xmlns:p14="http://schemas.microsoft.com/office/powerpoint/2010/main">
+    <mc:Choice Requires="p14">
       <p:transition spd="slow" p14:dur="2000"/>
     </mc:Choice>
-    <mc:Fallback>
+    <mc:Fallback xmlns="">
       <p:transition spd="slow"/>
     </mc:Fallback>
   </mc:AlternateContent>
@@ -18310,14 +18518,14 @@
           <a:ln/>
           <a:extLst>
             <a:ext uri="{909E8E84-426E-40DD-AFC4-6F175D3DCCD1}">
-              <a14:hiddenFill xmlns="" xmlns:a14="http://schemas.microsoft.com/office/drawing/2010/main">
+              <a14:hiddenFill xmlns:a14="http://schemas.microsoft.com/office/drawing/2010/main">
                 <a:solidFill>
                   <a:srgbClr val="FFFFFF"/>
                 </a:solidFill>
               </a14:hiddenFill>
             </a:ext>
             <a:ext uri="{91240B29-F687-4F45-9708-019B960494DF}">
-              <a14:hiddenLine xmlns="" xmlns:a14="http://schemas.microsoft.com/office/drawing/2010/main" w="9525">
+              <a14:hiddenLine xmlns:a14="http://schemas.microsoft.com/office/drawing/2010/main" w="9525">
                 <a:solidFill>
                   <a:srgbClr val="000000"/>
                 </a:solidFill>
@@ -18359,14 +18567,14 @@
           <a:ln/>
           <a:extLst>
             <a:ext uri="{909E8E84-426E-40DD-AFC4-6F175D3DCCD1}">
-              <a14:hiddenFill xmlns="" xmlns:a14="http://schemas.microsoft.com/office/drawing/2010/main">
+              <a14:hiddenFill xmlns:a14="http://schemas.microsoft.com/office/drawing/2010/main">
                 <a:solidFill>
                   <a:srgbClr val="FFFFFF"/>
                 </a:solidFill>
               </a14:hiddenFill>
             </a:ext>
             <a:ext uri="{91240B29-F687-4F45-9708-019B960494DF}">
-              <a14:hiddenLine xmlns="" xmlns:a14="http://schemas.microsoft.com/office/drawing/2010/main" w="9525">
+              <a14:hiddenLine xmlns:a14="http://schemas.microsoft.com/office/drawing/2010/main" w="9525">
                 <a:solidFill>
                   <a:srgbClr val="000000"/>
                 </a:solidFill>
@@ -18474,11 +18682,11 @@
   <p:clrMapOvr>
     <a:masterClrMapping/>
   </p:clrMapOvr>
-  <mc:AlternateContent xmlns:mc="http://schemas.openxmlformats.org/markup-compatibility/2006">
-    <mc:Choice xmlns="" xmlns:p14="http://schemas.microsoft.com/office/powerpoint/2010/main" Requires="p14">
+  <mc:AlternateContent xmlns:mc="http://schemas.openxmlformats.org/markup-compatibility/2006" xmlns:p14="http://schemas.microsoft.com/office/powerpoint/2010/main">
+    <mc:Choice Requires="p14">
       <p:transition spd="slow" p14:dur="2000"/>
     </mc:Choice>
-    <mc:Fallback>
+    <mc:Fallback xmlns="">
       <p:transition spd="slow"/>
     </mc:Fallback>
   </mc:AlternateContent>
@@ -18621,7 +18829,7 @@
           <a:blip r:embed="rId3" cstate="screen">
             <a:extLst>
               <a:ext uri="{BEBA8EAE-BF5A-486C-A8C5-ECC9F3942E4B}">
-                <a14:imgProps xmlns="" xmlns:a14="http://schemas.microsoft.com/office/drawing/2010/main">
+                <a14:imgProps xmlns:a14="http://schemas.microsoft.com/office/drawing/2010/main">
                   <a14:imgLayer r:embed="rId4">
                     <a14:imgEffect>
                       <a14:backgroundRemoval t="0" b="100000" l="0" r="100000">
@@ -18632,7 +18840,7 @@
                 </a14:imgProps>
               </a:ext>
               <a:ext uri="{28A0092B-C50C-407E-A947-70E740481C1C}">
-                <a14:useLocalDpi xmlns="" xmlns:a14="http://schemas.microsoft.com/office/drawing/2010/main"/>
+                <a14:useLocalDpi xmlns:a14="http://schemas.microsoft.com/office/drawing/2010/main"/>
               </a:ext>
             </a:extLst>
           </a:blip>
@@ -18661,7 +18869,7 @@
           </a:effectLst>
           <a:extLst>
             <a:ext uri="{909E8E84-426E-40DD-AFC4-6F175D3DCCD1}">
-              <a14:hiddenFill xmlns="" xmlns:a14="http://schemas.microsoft.com/office/drawing/2010/main">
+              <a14:hiddenFill xmlns:a14="http://schemas.microsoft.com/office/drawing/2010/main">
                 <a:solidFill>
                   <a:srgbClr val="FFFFFF">
                     <a:alpha val="30000"/>
@@ -18670,7 +18878,7 @@
               </a14:hiddenFill>
             </a:ext>
             <a:ext uri="{91240B29-F687-4F45-9708-019B960494DF}">
-              <a14:hiddenLine xmlns="" xmlns:a14="http://schemas.microsoft.com/office/drawing/2010/main" w="9525" cap="flat" cmpd="sng" algn="ctr">
+              <a14:hiddenLine xmlns:a14="http://schemas.microsoft.com/office/drawing/2010/main" w="9525" cap="flat" cmpd="sng" algn="ctr">
                 <a:solidFill>
                   <a:schemeClr val="tx1"/>
                 </a:solidFill>
@@ -18695,7 +18903,7 @@
           <a:blip r:embed="rId5" cstate="screen">
             <a:extLst>
               <a:ext uri="{BEBA8EAE-BF5A-486C-A8C5-ECC9F3942E4B}">
-                <a14:imgProps xmlns="" xmlns:a14="http://schemas.microsoft.com/office/drawing/2010/main">
+                <a14:imgProps xmlns:a14="http://schemas.microsoft.com/office/drawing/2010/main">
                   <a14:imgLayer r:embed="rId6">
                     <a14:imgEffect>
                       <a14:backgroundRemoval t="0" b="100000" l="0" r="100000"/>
@@ -18704,7 +18912,7 @@
                 </a14:imgProps>
               </a:ext>
               <a:ext uri="{28A0092B-C50C-407E-A947-70E740481C1C}">
-                <a14:useLocalDpi xmlns="" xmlns:a14="http://schemas.microsoft.com/office/drawing/2010/main"/>
+                <a14:useLocalDpi xmlns:a14="http://schemas.microsoft.com/office/drawing/2010/main"/>
               </a:ext>
             </a:extLst>
           </a:blip>
@@ -18728,14 +18936,14 @@
           <a:effectLst/>
           <a:extLst>
             <a:ext uri="{909E8E84-426E-40DD-AFC4-6F175D3DCCD1}">
-              <a14:hiddenFill xmlns="" xmlns:a14="http://schemas.microsoft.com/office/drawing/2010/main">
+              <a14:hiddenFill xmlns:a14="http://schemas.microsoft.com/office/drawing/2010/main">
                 <a:solidFill>
                   <a:schemeClr val="accent1"/>
                 </a:solidFill>
               </a14:hiddenFill>
             </a:ext>
             <a:ext uri="{91240B29-F687-4F45-9708-019B960494DF}">
-              <a14:hiddenLine xmlns="" xmlns:a14="http://schemas.microsoft.com/office/drawing/2010/main" w="9525">
+              <a14:hiddenLine xmlns:a14="http://schemas.microsoft.com/office/drawing/2010/main" w="9525">
                 <a:solidFill>
                   <a:schemeClr val="tx1"/>
                 </a:solidFill>
@@ -18745,7 +18953,7 @@
               </a14:hiddenLine>
             </a:ext>
             <a:ext uri="{AF507438-7753-43E0-B8FC-AC1667EBCBE1}">
-              <a14:hiddenEffects xmlns="" xmlns:a14="http://schemas.microsoft.com/office/drawing/2010/main">
+              <a14:hiddenEffects xmlns:a14="http://schemas.microsoft.com/office/drawing/2010/main">
                 <a:effectLst>
                   <a:outerShdw dist="35921" dir="2700000" algn="ctr" rotWithShape="0">
                     <a:schemeClr val="bg2"/>
@@ -18761,11 +18969,11 @@
   <p:clrMapOvr>
     <a:masterClrMapping/>
   </p:clrMapOvr>
-  <mc:AlternateContent xmlns:mc="http://schemas.openxmlformats.org/markup-compatibility/2006">
-    <mc:Choice xmlns="" xmlns:p14="http://schemas.microsoft.com/office/powerpoint/2010/main" Requires="p14">
+  <mc:AlternateContent xmlns:mc="http://schemas.openxmlformats.org/markup-compatibility/2006" xmlns:p14="http://schemas.microsoft.com/office/powerpoint/2010/main">
+    <mc:Choice Requires="p14">
       <p:transition spd="slow" p14:dur="2000"/>
     </mc:Choice>
-    <mc:Fallback>
+    <mc:Fallback xmlns="">
       <p:transition spd="slow"/>
     </mc:Fallback>
   </mc:AlternateContent>
@@ -18811,14 +19019,14 @@
           <a:ln/>
           <a:extLst>
             <a:ext uri="{909E8E84-426E-40DD-AFC4-6F175D3DCCD1}">
-              <a14:hiddenFill xmlns="" xmlns:a14="http://schemas.microsoft.com/office/drawing/2010/main">
+              <a14:hiddenFill xmlns:a14="http://schemas.microsoft.com/office/drawing/2010/main">
                 <a:solidFill>
                   <a:srgbClr val="FFFFFF"/>
                 </a:solidFill>
               </a14:hiddenFill>
             </a:ext>
             <a:ext uri="{91240B29-F687-4F45-9708-019B960494DF}">
-              <a14:hiddenLine xmlns="" xmlns:a14="http://schemas.microsoft.com/office/drawing/2010/main" w="9525">
+              <a14:hiddenLine xmlns:a14="http://schemas.microsoft.com/office/drawing/2010/main" w="9525">
                 <a:solidFill>
                   <a:srgbClr val="000000"/>
                 </a:solidFill>
@@ -18864,14 +19072,14 @@
           <a:ln/>
           <a:extLst>
             <a:ext uri="{909E8E84-426E-40DD-AFC4-6F175D3DCCD1}">
-              <a14:hiddenFill xmlns="" xmlns:a14="http://schemas.microsoft.com/office/drawing/2010/main">
+              <a14:hiddenFill xmlns:a14="http://schemas.microsoft.com/office/drawing/2010/main">
                 <a:solidFill>
                   <a:srgbClr val="FFFFFF"/>
                 </a:solidFill>
               </a14:hiddenFill>
             </a:ext>
             <a:ext uri="{91240B29-F687-4F45-9708-019B960494DF}">
-              <a14:hiddenLine xmlns="" xmlns:a14="http://schemas.microsoft.com/office/drawing/2010/main" w="9525">
+              <a14:hiddenLine xmlns:a14="http://schemas.microsoft.com/office/drawing/2010/main" w="9525">
                 <a:solidFill>
                   <a:srgbClr val="000000"/>
                 </a:solidFill>
@@ -19330,11 +19538,11 @@
   <p:clrMapOvr>
     <a:masterClrMapping/>
   </p:clrMapOvr>
-  <mc:AlternateContent xmlns:mc="http://schemas.openxmlformats.org/markup-compatibility/2006">
-    <mc:Choice xmlns="" xmlns:p14="http://schemas.microsoft.com/office/powerpoint/2010/main" Requires="p14">
+  <mc:AlternateContent xmlns:mc="http://schemas.openxmlformats.org/markup-compatibility/2006" xmlns:p14="http://schemas.microsoft.com/office/powerpoint/2010/main">
+    <mc:Choice Requires="p14">
       <p:transition spd="slow" p14:dur="2000"/>
     </mc:Choice>
-    <mc:Fallback>
+    <mc:Fallback xmlns="">
       <p:transition spd="slow"/>
     </mc:Fallback>
   </mc:AlternateContent>
@@ -19438,7 +19646,7 @@
           <a:blip r:embed="rId3" cstate="screen">
             <a:extLst>
               <a:ext uri="{BEBA8EAE-BF5A-486C-A8C5-ECC9F3942E4B}">
-                <a14:imgProps xmlns="" xmlns:a14="http://schemas.microsoft.com/office/drawing/2010/main">
+                <a14:imgProps xmlns:a14="http://schemas.microsoft.com/office/drawing/2010/main">
                   <a14:imgLayer r:embed="rId4">
                     <a14:imgEffect>
                       <a14:backgroundRemoval t="0" b="100000" l="0" r="100000"/>
@@ -19447,7 +19655,7 @@
                 </a14:imgProps>
               </a:ext>
               <a:ext uri="{28A0092B-C50C-407E-A947-70E740481C1C}">
-                <a14:useLocalDpi xmlns="" xmlns:a14="http://schemas.microsoft.com/office/drawing/2010/main"/>
+                <a14:useLocalDpi xmlns:a14="http://schemas.microsoft.com/office/drawing/2010/main"/>
               </a:ext>
             </a:extLst>
           </a:blip>
@@ -19471,14 +19679,14 @@
           <a:effectLst/>
           <a:extLst>
             <a:ext uri="{909E8E84-426E-40DD-AFC4-6F175D3DCCD1}">
-              <a14:hiddenFill xmlns="" xmlns:a14="http://schemas.microsoft.com/office/drawing/2010/main">
+              <a14:hiddenFill xmlns:a14="http://schemas.microsoft.com/office/drawing/2010/main">
                 <a:solidFill>
                   <a:schemeClr val="accent1"/>
                 </a:solidFill>
               </a14:hiddenFill>
             </a:ext>
             <a:ext uri="{91240B29-F687-4F45-9708-019B960494DF}">
-              <a14:hiddenLine xmlns="" xmlns:a14="http://schemas.microsoft.com/office/drawing/2010/main" w="9525">
+              <a14:hiddenLine xmlns:a14="http://schemas.microsoft.com/office/drawing/2010/main" w="9525">
                 <a:solidFill>
                   <a:schemeClr val="tx1"/>
                 </a:solidFill>
@@ -19488,7 +19696,7 @@
               </a14:hiddenLine>
             </a:ext>
             <a:ext uri="{AF507438-7753-43E0-B8FC-AC1667EBCBE1}">
-              <a14:hiddenEffects xmlns="" xmlns:a14="http://schemas.microsoft.com/office/drawing/2010/main">
+              <a14:hiddenEffects xmlns:a14="http://schemas.microsoft.com/office/drawing/2010/main">
                 <a:effectLst>
                   <a:outerShdw dist="35921" dir="2700000" algn="ctr" rotWithShape="0">
                     <a:schemeClr val="bg2"/>
@@ -19511,7 +19719,7 @@
           <a:blip r:embed="rId5" cstate="print">
             <a:extLst>
               <a:ext uri="{28A0092B-C50C-407E-A947-70E740481C1C}">
-                <a14:useLocalDpi xmlns="" xmlns:a14="http://schemas.microsoft.com/office/drawing/2010/main"/>
+                <a14:useLocalDpi xmlns:a14="http://schemas.microsoft.com/office/drawing/2010/main"/>
               </a:ext>
             </a:extLst>
           </a:blip>
@@ -19540,14 +19748,14 @@
           </a:effectLst>
           <a:extLst>
             <a:ext uri="{909E8E84-426E-40DD-AFC4-6F175D3DCCD1}">
-              <a14:hiddenFill xmlns="" xmlns:a14="http://schemas.microsoft.com/office/drawing/2010/main">
+              <a14:hiddenFill xmlns:a14="http://schemas.microsoft.com/office/drawing/2010/main">
                 <a:solidFill>
                   <a:schemeClr val="accent1"/>
                 </a:solidFill>
               </a14:hiddenFill>
             </a:ext>
             <a:ext uri="{91240B29-F687-4F45-9708-019B960494DF}">
-              <a14:hiddenLine xmlns="" xmlns:a14="http://schemas.microsoft.com/office/drawing/2010/main" w="9525">
+              <a14:hiddenLine xmlns:a14="http://schemas.microsoft.com/office/drawing/2010/main" w="9525">
                 <a:solidFill>
                   <a:schemeClr val="tx1"/>
                 </a:solidFill>
@@ -19564,11 +19772,11 @@
   <p:clrMapOvr>
     <a:masterClrMapping/>
   </p:clrMapOvr>
-  <mc:AlternateContent xmlns:mc="http://schemas.openxmlformats.org/markup-compatibility/2006">
-    <mc:Choice xmlns="" xmlns:p14="http://schemas.microsoft.com/office/powerpoint/2010/main" Requires="p14">
+  <mc:AlternateContent xmlns:mc="http://schemas.openxmlformats.org/markup-compatibility/2006" xmlns:p14="http://schemas.microsoft.com/office/powerpoint/2010/main">
+    <mc:Choice Requires="p14">
       <p:transition spd="slow" p14:dur="2000"/>
     </mc:Choice>
-    <mc:Fallback>
+    <mc:Fallback xmlns="">
       <p:transition spd="slow"/>
     </mc:Fallback>
   </mc:AlternateContent>
@@ -19644,7 +19852,7 @@
           <a:blip r:embed="rId3" cstate="print">
             <a:extLst>
               <a:ext uri="{28A0092B-C50C-407E-A947-70E740481C1C}">
-                <a14:useLocalDpi xmlns="" xmlns:a14="http://schemas.microsoft.com/office/drawing/2010/main"/>
+                <a14:useLocalDpi xmlns:a14="http://schemas.microsoft.com/office/drawing/2010/main"/>
               </a:ext>
             </a:extLst>
           </a:blip>
@@ -19668,14 +19876,14 @@
           <a:effectLst/>
           <a:extLst>
             <a:ext uri="{909E8E84-426E-40DD-AFC4-6F175D3DCCD1}">
-              <a14:hiddenFill xmlns="" xmlns:a14="http://schemas.microsoft.com/office/drawing/2010/main">
+              <a14:hiddenFill xmlns:a14="http://schemas.microsoft.com/office/drawing/2010/main">
                 <a:solidFill>
                   <a:schemeClr val="accent1"/>
                 </a:solidFill>
               </a14:hiddenFill>
             </a:ext>
             <a:ext uri="{91240B29-F687-4F45-9708-019B960494DF}">
-              <a14:hiddenLine xmlns="" xmlns:a14="http://schemas.microsoft.com/office/drawing/2010/main" w="9525">
+              <a14:hiddenLine xmlns:a14="http://schemas.microsoft.com/office/drawing/2010/main" w="9525">
                 <a:solidFill>
                   <a:schemeClr val="tx1"/>
                 </a:solidFill>
@@ -19685,7 +19893,7 @@
               </a14:hiddenLine>
             </a:ext>
             <a:ext uri="{AF507438-7753-43E0-B8FC-AC1667EBCBE1}">
-              <a14:hiddenEffects xmlns="" xmlns:a14="http://schemas.microsoft.com/office/drawing/2010/main">
+              <a14:hiddenEffects xmlns:a14="http://schemas.microsoft.com/office/drawing/2010/main">
                 <a:effectLst>
                   <a:outerShdw dist="35921" dir="2700000" algn="ctr" rotWithShape="0">
                     <a:schemeClr val="bg2"/>
@@ -19708,7 +19916,7 @@
           <a:blip r:embed="rId4" cstate="print">
             <a:extLst>
               <a:ext uri="{28A0092B-C50C-407E-A947-70E740481C1C}">
-                <a14:useLocalDpi xmlns="" xmlns:a14="http://schemas.microsoft.com/office/drawing/2010/main"/>
+                <a14:useLocalDpi xmlns:a14="http://schemas.microsoft.com/office/drawing/2010/main"/>
               </a:ext>
             </a:extLst>
           </a:blip>
@@ -19734,14 +19942,14 @@
           <a:effectLst/>
           <a:extLst>
             <a:ext uri="{909E8E84-426E-40DD-AFC4-6F175D3DCCD1}">
-              <a14:hiddenFill xmlns="" xmlns:a14="http://schemas.microsoft.com/office/drawing/2010/main">
+              <a14:hiddenFill xmlns:a14="http://schemas.microsoft.com/office/drawing/2010/main">
                 <a:solidFill>
                   <a:schemeClr val="accent1"/>
                 </a:solidFill>
               </a14:hiddenFill>
             </a:ext>
             <a:ext uri="{91240B29-F687-4F45-9708-019B960494DF}">
-              <a14:hiddenLine xmlns="" xmlns:a14="http://schemas.microsoft.com/office/drawing/2010/main" w="9525">
+              <a14:hiddenLine xmlns:a14="http://schemas.microsoft.com/office/drawing/2010/main" w="9525">
                 <a:solidFill>
                   <a:schemeClr val="tx1"/>
                 </a:solidFill>
@@ -19751,7 +19959,7 @@
               </a14:hiddenLine>
             </a:ext>
             <a:ext uri="{AF507438-7753-43E0-B8FC-AC1667EBCBE1}">
-              <a14:hiddenEffects xmlns="" xmlns:a14="http://schemas.microsoft.com/office/drawing/2010/main">
+              <a14:hiddenEffects xmlns:a14="http://schemas.microsoft.com/office/drawing/2010/main">
                 <a:effectLst>
                   <a:outerShdw dist="35921" dir="2700000" algn="ctr" rotWithShape="0">
                     <a:schemeClr val="bg2"/>
@@ -19767,11 +19975,11 @@
   <p:clrMapOvr>
     <a:masterClrMapping/>
   </p:clrMapOvr>
-  <mc:AlternateContent xmlns:mc="http://schemas.openxmlformats.org/markup-compatibility/2006">
-    <mc:Choice xmlns="" xmlns:p14="http://schemas.microsoft.com/office/powerpoint/2010/main" Requires="p14">
+  <mc:AlternateContent xmlns:mc="http://schemas.openxmlformats.org/markup-compatibility/2006" xmlns:p14="http://schemas.microsoft.com/office/powerpoint/2010/main">
+    <mc:Choice Requires="p14">
       <p:transition spd="slow" p14:dur="2000"/>
     </mc:Choice>
-    <mc:Fallback>
+    <mc:Fallback xmlns="">
       <p:transition spd="slow"/>
     </mc:Fallback>
   </mc:AlternateContent>
@@ -19958,11 +20166,11 @@
   <p:clrMapOvr>
     <a:masterClrMapping/>
   </p:clrMapOvr>
-  <mc:AlternateContent xmlns:mc="http://schemas.openxmlformats.org/markup-compatibility/2006">
-    <mc:Choice xmlns="" xmlns:p14="http://schemas.microsoft.com/office/powerpoint/2010/main" Requires="p14">
+  <mc:AlternateContent xmlns:mc="http://schemas.openxmlformats.org/markup-compatibility/2006" xmlns:p14="http://schemas.microsoft.com/office/powerpoint/2010/main">
+    <mc:Choice Requires="p14">
       <p:transition spd="slow" p14:dur="2000"/>
     </mc:Choice>
-    <mc:Fallback>
+    <mc:Fallback xmlns="">
       <p:transition spd="slow"/>
     </mc:Fallback>
   </mc:AlternateContent>
@@ -20126,11 +20334,11 @@
   <p:clrMapOvr>
     <a:masterClrMapping/>
   </p:clrMapOvr>
-  <mc:AlternateContent xmlns:mc="http://schemas.openxmlformats.org/markup-compatibility/2006">
-    <mc:Choice xmlns="" xmlns:p14="http://schemas.microsoft.com/office/powerpoint/2010/main" Requires="p14">
+  <mc:AlternateContent xmlns:mc="http://schemas.openxmlformats.org/markup-compatibility/2006" xmlns:p14="http://schemas.microsoft.com/office/powerpoint/2010/main">
+    <mc:Choice Requires="p14">
       <p:transition spd="slow" p14:dur="2000"/>
     </mc:Choice>
-    <mc:Fallback>
+    <mc:Fallback xmlns="">
       <p:transition spd="slow"/>
     </mc:Fallback>
   </mc:AlternateContent>
@@ -20280,7 +20488,7 @@
               <a:t>Add a </a:t>
             </a:r>
             <a:r>
-              <a:rPr lang="en-US" dirty="0" err="1" smtClean="0">
+              <a:rPr lang="en-US" dirty="0" smtClean="0">
                 <a:solidFill>
                   <a:schemeClr val="accent5">
                     <a:lumMod val="20000"/>
@@ -20365,11 +20573,11 @@
   <p:clrMapOvr>
     <a:masterClrMapping/>
   </p:clrMapOvr>
-  <mc:AlternateContent xmlns:mc="http://schemas.openxmlformats.org/markup-compatibility/2006">
-    <mc:Choice xmlns="" xmlns:p14="http://schemas.microsoft.com/office/powerpoint/2010/main" Requires="p14">
+  <mc:AlternateContent xmlns:mc="http://schemas.openxmlformats.org/markup-compatibility/2006" xmlns:p14="http://schemas.microsoft.com/office/powerpoint/2010/main">
+    <mc:Choice Requires="p14">
       <p:transition spd="slow" p14:dur="2000"/>
     </mc:Choice>
-    <mc:Fallback>
+    <mc:Fallback xmlns="">
       <p:transition spd="slow"/>
     </mc:Fallback>
   </mc:AlternateContent>
@@ -21020,11 +21228,11 @@
   <p:clrMapOvr>
     <a:masterClrMapping/>
   </p:clrMapOvr>
-  <mc:AlternateContent xmlns:mc="http://schemas.openxmlformats.org/markup-compatibility/2006">
-    <mc:Choice xmlns="" xmlns:p14="http://schemas.microsoft.com/office/powerpoint/2010/main" Requires="p14">
+  <mc:AlternateContent xmlns:mc="http://schemas.openxmlformats.org/markup-compatibility/2006" xmlns:p14="http://schemas.microsoft.com/office/powerpoint/2010/main">
+    <mc:Choice Requires="p14">
       <p:transition spd="slow" p14:dur="2000"/>
     </mc:Choice>
-    <mc:Fallback>
+    <mc:Fallback xmlns="">
       <p:transition spd="slow"/>
     </mc:Fallback>
   </mc:AlternateContent>
@@ -21246,11 +21454,11 @@
   <p:clrMapOvr>
     <a:masterClrMapping/>
   </p:clrMapOvr>
-  <mc:AlternateContent xmlns:mc="http://schemas.openxmlformats.org/markup-compatibility/2006">
-    <mc:Choice xmlns="" xmlns:p14="http://schemas.microsoft.com/office/powerpoint/2010/main" Requires="p14">
+  <mc:AlternateContent xmlns:mc="http://schemas.openxmlformats.org/markup-compatibility/2006" xmlns:p14="http://schemas.microsoft.com/office/powerpoint/2010/main">
+    <mc:Choice Requires="p14">
       <p:transition spd="slow" p14:dur="2000"/>
     </mc:Choice>
-    <mc:Fallback>
+    <mc:Fallback xmlns="">
       <p:transition spd="slow"/>
     </mc:Fallback>
   </mc:AlternateContent>
@@ -21438,7 +21646,7 @@
           <a:blip r:embed="rId3" cstate="print">
             <a:extLst>
               <a:ext uri="{28A0092B-C50C-407E-A947-70E740481C1C}">
-                <a14:useLocalDpi xmlns="" xmlns:a14="http://schemas.microsoft.com/office/drawing/2010/main"/>
+                <a14:useLocalDpi xmlns:a14="http://schemas.microsoft.com/office/drawing/2010/main"/>
               </a:ext>
             </a:extLst>
           </a:blip>
@@ -21464,14 +21672,14 @@
           <a:effectLst/>
           <a:extLst>
             <a:ext uri="{909E8E84-426E-40DD-AFC4-6F175D3DCCD1}">
-              <a14:hiddenFill xmlns="" xmlns:a14="http://schemas.microsoft.com/office/drawing/2010/main">
+              <a14:hiddenFill xmlns:a14="http://schemas.microsoft.com/office/drawing/2010/main">
                 <a:solidFill>
                   <a:schemeClr val="accent1"/>
                 </a:solidFill>
               </a14:hiddenFill>
             </a:ext>
             <a:ext uri="{91240B29-F687-4F45-9708-019B960494DF}">
-              <a14:hiddenLine xmlns="" xmlns:a14="http://schemas.microsoft.com/office/drawing/2010/main" w="9525">
+              <a14:hiddenLine xmlns:a14="http://schemas.microsoft.com/office/drawing/2010/main" w="9525">
                 <a:solidFill>
                   <a:schemeClr val="tx1"/>
                 </a:solidFill>
@@ -21481,7 +21689,7 @@
               </a14:hiddenLine>
             </a:ext>
             <a:ext uri="{AF507438-7753-43E0-B8FC-AC1667EBCBE1}">
-              <a14:hiddenEffects xmlns="" xmlns:a14="http://schemas.microsoft.com/office/drawing/2010/main">
+              <a14:hiddenEffects xmlns:a14="http://schemas.microsoft.com/office/drawing/2010/main">
                 <a:effectLst>
                   <a:outerShdw dist="35921" dir="2700000" algn="ctr" rotWithShape="0">
                     <a:schemeClr val="bg2"/>
@@ -21504,7 +21712,7 @@
           <a:blip r:embed="rId4" cstate="print">
             <a:extLst>
               <a:ext uri="{28A0092B-C50C-407E-A947-70E740481C1C}">
-                <a14:useLocalDpi xmlns="" xmlns:a14="http://schemas.microsoft.com/office/drawing/2010/main" val="0"/>
+                <a14:useLocalDpi xmlns:a14="http://schemas.microsoft.com/office/drawing/2010/main" val="0"/>
               </a:ext>
             </a:extLst>
           </a:blip>
@@ -21530,14 +21738,14 @@
           <a:effectLst/>
           <a:extLst>
             <a:ext uri="{909E8E84-426E-40DD-AFC4-6F175D3DCCD1}">
-              <a14:hiddenFill xmlns="" xmlns:a14="http://schemas.microsoft.com/office/drawing/2010/main">
+              <a14:hiddenFill xmlns:a14="http://schemas.microsoft.com/office/drawing/2010/main">
                 <a:solidFill>
                   <a:schemeClr val="accent1"/>
                 </a:solidFill>
               </a14:hiddenFill>
             </a:ext>
             <a:ext uri="{91240B29-F687-4F45-9708-019B960494DF}">
-              <a14:hiddenLine xmlns="" xmlns:a14="http://schemas.microsoft.com/office/drawing/2010/main" w="9525">
+              <a14:hiddenLine xmlns:a14="http://schemas.microsoft.com/office/drawing/2010/main" w="9525">
                 <a:solidFill>
                   <a:schemeClr val="tx1"/>
                 </a:solidFill>
@@ -21547,7 +21755,7 @@
               </a14:hiddenLine>
             </a:ext>
             <a:ext uri="{AF507438-7753-43E0-B8FC-AC1667EBCBE1}">
-              <a14:hiddenEffects xmlns="" xmlns:a14="http://schemas.microsoft.com/office/drawing/2010/main">
+              <a14:hiddenEffects xmlns:a14="http://schemas.microsoft.com/office/drawing/2010/main">
                 <a:effectLst>
                   <a:outerShdw dist="35921" dir="2700000" algn="ctr" rotWithShape="0">
                     <a:schemeClr val="bg2"/>
@@ -21570,7 +21778,7 @@
           <a:blip r:embed="rId5" cstate="print">
             <a:extLst>
               <a:ext uri="{28A0092B-C50C-407E-A947-70E740481C1C}">
-                <a14:useLocalDpi xmlns="" xmlns:a14="http://schemas.microsoft.com/office/drawing/2010/main" val="0"/>
+                <a14:useLocalDpi xmlns:a14="http://schemas.microsoft.com/office/drawing/2010/main" val="0"/>
               </a:ext>
             </a:extLst>
           </a:blip>
@@ -21596,14 +21804,14 @@
           <a:effectLst/>
           <a:extLst>
             <a:ext uri="{909E8E84-426E-40DD-AFC4-6F175D3DCCD1}">
-              <a14:hiddenFill xmlns="" xmlns:a14="http://schemas.microsoft.com/office/drawing/2010/main">
+              <a14:hiddenFill xmlns:a14="http://schemas.microsoft.com/office/drawing/2010/main">
                 <a:solidFill>
                   <a:schemeClr val="accent1"/>
                 </a:solidFill>
               </a14:hiddenFill>
             </a:ext>
             <a:ext uri="{91240B29-F687-4F45-9708-019B960494DF}">
-              <a14:hiddenLine xmlns="" xmlns:a14="http://schemas.microsoft.com/office/drawing/2010/main" w="9525">
+              <a14:hiddenLine xmlns:a14="http://schemas.microsoft.com/office/drawing/2010/main" w="9525">
                 <a:solidFill>
                   <a:schemeClr val="tx1"/>
                 </a:solidFill>
@@ -21613,7 +21821,7 @@
               </a14:hiddenLine>
             </a:ext>
             <a:ext uri="{AF507438-7753-43E0-B8FC-AC1667EBCBE1}">
-              <a14:hiddenEffects xmlns="" xmlns:a14="http://schemas.microsoft.com/office/drawing/2010/main">
+              <a14:hiddenEffects xmlns:a14="http://schemas.microsoft.com/office/drawing/2010/main">
                 <a:effectLst>
                   <a:outerShdw dist="35921" dir="2700000" algn="ctr" rotWithShape="0">
                     <a:schemeClr val="bg2"/>
@@ -21752,11 +21960,11 @@
   <p:clrMapOvr>
     <a:masterClrMapping/>
   </p:clrMapOvr>
-  <mc:AlternateContent xmlns:mc="http://schemas.openxmlformats.org/markup-compatibility/2006">
-    <mc:Choice xmlns="" xmlns:p14="http://schemas.microsoft.com/office/powerpoint/2010/main" Requires="p14">
+  <mc:AlternateContent xmlns:mc="http://schemas.openxmlformats.org/markup-compatibility/2006" xmlns:p14="http://schemas.microsoft.com/office/powerpoint/2010/main">
+    <mc:Choice Requires="p14">
       <p:transition spd="slow" p14:dur="2000"/>
     </mc:Choice>
-    <mc:Fallback>
+    <mc:Fallback xmlns="">
       <p:transition spd="slow"/>
     </mc:Fallback>
   </mc:AlternateContent>
@@ -21837,7 +22045,7 @@
             <p:ph idx="4294967295"/>
             <p:extLst>
               <p:ext uri="{D42A27DB-BD31-4B8C-83A1-F6EECF244321}">
-                <p14:modId xmlns="" xmlns:p14="http://schemas.microsoft.com/office/powerpoint/2010/main" val="816082715"/>
+                <p14:modId xmlns:p14="http://schemas.microsoft.com/office/powerpoint/2010/main" val="816082715"/>
               </p:ext>
             </p:extLst>
           </p:nvPr>
@@ -21848,9 +22056,54 @@
         </p:xfrm>
         <a:graphic>
           <a:graphicData uri="http://schemas.openxmlformats.org/presentationml/2006/ole">
-            <p:oleObj spid="_x0000_s112720" name="Visio" r:id="rId4" imgW="7819200" imgH="3590098" progId="Visio.Drawing.11">
-              <p:embed/>
-            </p:oleObj>
+            <mc:AlternateContent xmlns:mc="http://schemas.openxmlformats.org/markup-compatibility/2006">
+              <mc:Choice xmlns:v="urn:schemas-microsoft-com:vml" Requires="v">
+                <p:oleObj spid="_x0000_s112738" name="Visio" r:id="rId4" imgW="7819200" imgH="3590098" progId="Visio.Drawing.11">
+                  <p:embed/>
+                </p:oleObj>
+              </mc:Choice>
+              <mc:Fallback>
+                <p:oleObj name="Visio" r:id="rId4" imgW="7819200" imgH="3590098" progId="Visio.Drawing.11">
+                  <p:embed/>
+                  <p:pic>
+                    <p:nvPicPr>
+                      <p:cNvPr id="0" name="Picture 80"/>
+                      <p:cNvPicPr>
+                        <a:picLocks noGrp="1" noChangeAspect="1" noChangeArrowheads="1"/>
+                      </p:cNvPicPr>
+                      <p:nvPr/>
+                    </p:nvPicPr>
+                    <p:blipFill>
+                      <a:blip r:embed="rId5">
+                        <a:extLst>
+                          <a:ext uri="{28A0092B-C50C-407E-A947-70E740481C1C}">
+                            <a14:useLocalDpi xmlns:a14="http://schemas.microsoft.com/office/drawing/2010/main" val="0"/>
+                          </a:ext>
+                        </a:extLst>
+                      </a:blip>
+                      <a:srcRect/>
+                      <a:stretch>
+                        <a:fillRect/>
+                      </a:stretch>
+                    </p:blipFill>
+                    <p:spPr bwMode="auto">
+                      <a:xfrm>
+                        <a:off x="673100" y="1924050"/>
+                        <a:ext cx="7772400" cy="3568700"/>
+                      </a:xfrm>
+                      <a:prstGeom prst="rect">
+                        <a:avLst/>
+                      </a:prstGeom>
+                      <a:solidFill>
+                        <a:srgbClr val="0000FF">
+                          <a:alpha val="41176"/>
+                        </a:srgbClr>
+                      </a:solidFill>
+                    </p:spPr>
+                  </p:pic>
+                </p:oleObj>
+              </mc:Fallback>
+            </mc:AlternateContent>
           </a:graphicData>
         </a:graphic>
       </p:graphicFrame>
@@ -21859,11 +22112,11 @@
   <p:clrMapOvr>
     <a:masterClrMapping/>
   </p:clrMapOvr>
-  <mc:AlternateContent xmlns:mc="http://schemas.openxmlformats.org/markup-compatibility/2006">
-    <mc:Choice xmlns="" xmlns:p14="http://schemas.microsoft.com/office/powerpoint/2010/main" Requires="p14">
+  <mc:AlternateContent xmlns:mc="http://schemas.openxmlformats.org/markup-compatibility/2006" xmlns:p14="http://schemas.microsoft.com/office/powerpoint/2010/main">
+    <mc:Choice Requires="p14">
       <p:transition spd="slow" p14:dur="2000"/>
     </mc:Choice>
-    <mc:Fallback>
+    <mc:Fallback xmlns="">
       <p:transition spd="slow"/>
     </mc:Fallback>
   </mc:AlternateContent>
@@ -21906,13 +22159,13 @@
         </p:nvSpPr>
         <p:spPr>
           <a:xfrm>
-            <a:off x="609600" y="1916832"/>
-            <a:ext cx="7924800" cy="685800"/>
+            <a:off x="4892624" y="2972213"/>
+            <a:ext cx="4251376" cy="744819"/>
           </a:xfrm>
           <a:effectLst/>
         </p:spPr>
         <p:txBody>
-          <a:bodyPr lIns="0" tIns="0" rIns="0" bIns="0" anchor="b">
+          <a:bodyPr wrap="square" lIns="0" tIns="0" rIns="0" bIns="0" anchor="b">
             <a:spAutoFit/>
           </a:bodyPr>
           <a:lstStyle/>
@@ -21942,7 +22195,7 @@
           <a:blip r:embed="rId3" cstate="screen">
             <a:extLst>
               <a:ext uri="{28A0092B-C50C-407E-A947-70E740481C1C}">
-                <a14:useLocalDpi xmlns="" xmlns:a14="http://schemas.microsoft.com/office/drawing/2010/main"/>
+                <a14:useLocalDpi xmlns:a14="http://schemas.microsoft.com/office/drawing/2010/main"/>
               </a:ext>
             </a:extLst>
           </a:blip>
@@ -21951,8 +22204,8 @@
         </p:blipFill>
         <p:spPr bwMode="auto">
           <a:xfrm>
-            <a:off x="2915816" y="3068960"/>
-            <a:ext cx="3312368" cy="2076875"/>
+            <a:off x="5724128" y="4437112"/>
+            <a:ext cx="2717578" cy="1703938"/>
           </a:xfrm>
           <a:prstGeom prst="roundRect">
             <a:avLst>
@@ -21966,14 +22219,14 @@
           <a:effectLst/>
           <a:extLst>
             <a:ext uri="{909E8E84-426E-40DD-AFC4-6F175D3DCCD1}">
-              <a14:hiddenFill xmlns="" xmlns:a14="http://schemas.microsoft.com/office/drawing/2010/main">
+              <a14:hiddenFill xmlns:a14="http://schemas.microsoft.com/office/drawing/2010/main">
                 <a:solidFill>
                   <a:schemeClr val="accent1"/>
                 </a:solidFill>
               </a14:hiddenFill>
             </a:ext>
             <a:ext uri="{91240B29-F687-4F45-9708-019B960494DF}">
-              <a14:hiddenLine xmlns="" xmlns:a14="http://schemas.microsoft.com/office/drawing/2010/main" w="9525">
+              <a14:hiddenLine xmlns:a14="http://schemas.microsoft.com/office/drawing/2010/main" w="9525">
                 <a:solidFill>
                   <a:schemeClr val="tx1"/>
                 </a:solidFill>
@@ -21983,7 +22236,7 @@
               </a14:hiddenLine>
             </a:ext>
             <a:ext uri="{AF507438-7753-43E0-B8FC-AC1667EBCBE1}">
-              <a14:hiddenEffects xmlns="" xmlns:a14="http://schemas.microsoft.com/office/drawing/2010/main">
+              <a14:hiddenEffects xmlns:a14="http://schemas.microsoft.com/office/drawing/2010/main">
                 <a:effectLst>
                   <a:outerShdw dist="35921" dir="2700000" algn="ctr" rotWithShape="0">
                     <a:schemeClr val="bg2"/>
@@ -21994,16 +22247,228 @@
           </a:extLst>
         </p:spPr>
       </p:pic>
+      <p:pic>
+        <p:nvPicPr>
+          <p:cNvPr id="113667" name="Picture 3"/>
+          <p:cNvPicPr>
+            <a:picLocks noChangeAspect="1" noChangeArrowheads="1"/>
+          </p:cNvPicPr>
+          <p:nvPr/>
+        </p:nvPicPr>
+        <p:blipFill rotWithShape="1">
+          <a:blip r:embed="rId4">
+            <a:extLst>
+              <a:ext uri="{BEBA8EAE-BF5A-486C-A8C5-ECC9F3942E4B}">
+                <a14:imgProps xmlns:a14="http://schemas.microsoft.com/office/drawing/2010/main">
+                  <a14:imgLayer r:embed="rId5">
+                    <a14:imgEffect>
+                      <a14:backgroundRemoval t="0" b="100000" l="0" r="100000">
+                        <a14:foregroundMark x1="31335" y1="11071" x2="31335" y2="11071"/>
+                        <a14:foregroundMark x1="35422" y1="12857" x2="35967" y2="12500"/>
+                        <a14:foregroundMark x1="11989" y1="10357" x2="93733" y2="11429"/>
+                        <a14:foregroundMark x1="8992" y1="6786" x2="8992" y2="6786"/>
+                        <a14:foregroundMark x1="14441" y1="49286" x2="14441" y2="49286"/>
+                        <a14:foregroundMark x1="8174" y1="29286" x2="9537" y2="68571"/>
+                        <a14:foregroundMark x1="35150" y1="38571" x2="89918" y2="66786"/>
+                        <a14:foregroundMark x1="86921" y1="35000" x2="34877" y2="70000"/>
+                        <a14:foregroundMark x1="41689" y1="50000" x2="77929" y2="50714"/>
+                        <a14:foregroundMark x1="92371" y1="92143" x2="13351" y2="92857"/>
+                        <a14:backgroundMark x1="545" y1="20000" x2="545" y2="20000"/>
+                      </a14:backgroundRemoval>
+                    </a14:imgEffect>
+                  </a14:imgLayer>
+                </a14:imgProps>
+              </a:ext>
+              <a:ext uri="{28A0092B-C50C-407E-A947-70E740481C1C}">
+                <a14:useLocalDpi xmlns:a14="http://schemas.microsoft.com/office/drawing/2010/main" val="0"/>
+              </a:ext>
+            </a:extLst>
+          </a:blip>
+          <a:srcRect r="990"/>
+          <a:stretch/>
+        </p:blipFill>
+        <p:spPr bwMode="auto">
+          <a:xfrm>
+            <a:off x="5427229" y="508805"/>
+            <a:ext cx="3042070" cy="2344132"/>
+          </a:xfrm>
+          <a:prstGeom prst="rect">
+            <a:avLst/>
+          </a:prstGeom>
+          <a:noFill/>
+          <a:ln>
+            <a:noFill/>
+          </a:ln>
+          <a:effectLst>
+            <a:outerShdw dist="35921" dir="2700000" algn="ctr" rotWithShape="0">
+              <a:schemeClr val="bg2"/>
+            </a:outerShdw>
+            <a:softEdge rad="12700"/>
+          </a:effectLst>
+          <a:extLst>
+            <a:ext uri="{909E8E84-426E-40DD-AFC4-6F175D3DCCD1}">
+              <a14:hiddenFill xmlns:a14="http://schemas.microsoft.com/office/drawing/2010/main">
+                <a:solidFill>
+                  <a:schemeClr val="accent1"/>
+                </a:solidFill>
+              </a14:hiddenFill>
+            </a:ext>
+            <a:ext uri="{91240B29-F687-4F45-9708-019B960494DF}">
+              <a14:hiddenLine xmlns:a14="http://schemas.microsoft.com/office/drawing/2010/main" w="9525">
+                <a:solidFill>
+                  <a:schemeClr val="tx1"/>
+                </a:solidFill>
+                <a:miter lim="800000"/>
+                <a:headEnd/>
+                <a:tailEnd/>
+              </a14:hiddenLine>
+            </a:ext>
+          </a:extLst>
+        </p:spPr>
+      </p:pic>
+      <p:pic>
+        <p:nvPicPr>
+          <p:cNvPr id="113669" name="Picture 5"/>
+          <p:cNvPicPr>
+            <a:picLocks noChangeAspect="1" noChangeArrowheads="1"/>
+          </p:cNvPicPr>
+          <p:nvPr/>
+        </p:nvPicPr>
+        <p:blipFill>
+          <a:blip r:embed="rId6">
+            <a:extLst>
+              <a:ext uri="{28A0092B-C50C-407E-A947-70E740481C1C}">
+                <a14:useLocalDpi xmlns:a14="http://schemas.microsoft.com/office/drawing/2010/main" val="0"/>
+              </a:ext>
+            </a:extLst>
+          </a:blip>
+          <a:srcRect/>
+          <a:stretch>
+            <a:fillRect/>
+          </a:stretch>
+        </p:blipFill>
+        <p:spPr bwMode="auto">
+          <a:xfrm>
+            <a:off x="467544" y="1097108"/>
+            <a:ext cx="4680520" cy="3240302"/>
+          </a:xfrm>
+          <a:prstGeom prst="rect">
+            <a:avLst/>
+          </a:prstGeom>
+          <a:noFill/>
+          <a:ln>
+            <a:noFill/>
+          </a:ln>
+          <a:effectLst/>
+          <a:extLst>
+            <a:ext uri="{909E8E84-426E-40DD-AFC4-6F175D3DCCD1}">
+              <a14:hiddenFill xmlns:a14="http://schemas.microsoft.com/office/drawing/2010/main">
+                <a:solidFill>
+                  <a:schemeClr val="accent1"/>
+                </a:solidFill>
+              </a14:hiddenFill>
+            </a:ext>
+            <a:ext uri="{91240B29-F687-4F45-9708-019B960494DF}">
+              <a14:hiddenLine xmlns:a14="http://schemas.microsoft.com/office/drawing/2010/main" w="9525">
+                <a:solidFill>
+                  <a:schemeClr val="tx1"/>
+                </a:solidFill>
+                <a:miter lim="800000"/>
+                <a:headEnd/>
+                <a:tailEnd/>
+              </a14:hiddenLine>
+            </a:ext>
+            <a:ext uri="{AF507438-7753-43E0-B8FC-AC1667EBCBE1}">
+              <a14:hiddenEffects xmlns:a14="http://schemas.microsoft.com/office/drawing/2010/main">
+                <a:effectLst>
+                  <a:outerShdw dist="35921" dir="2700000" algn="ctr" rotWithShape="0">
+                    <a:schemeClr val="bg2"/>
+                  </a:outerShdw>
+                </a:effectLst>
+              </a14:hiddenEffects>
+            </a:ext>
+          </a:extLst>
+        </p:spPr>
+      </p:pic>
+      <p:pic>
+        <p:nvPicPr>
+          <p:cNvPr id="113673" name="Picture 9"/>
+          <p:cNvPicPr>
+            <a:picLocks noChangeAspect="1" noChangeArrowheads="1"/>
+          </p:cNvPicPr>
+          <p:nvPr/>
+        </p:nvPicPr>
+        <p:blipFill>
+          <a:blip r:embed="rId7">
+            <a:extLst>
+              <a:ext uri="{28A0092B-C50C-407E-A947-70E740481C1C}">
+                <a14:useLocalDpi xmlns:a14="http://schemas.microsoft.com/office/drawing/2010/main" val="0"/>
+              </a:ext>
+            </a:extLst>
+          </a:blip>
+          <a:srcRect/>
+          <a:stretch>
+            <a:fillRect/>
+          </a:stretch>
+        </p:blipFill>
+        <p:spPr bwMode="auto">
+          <a:xfrm rot="20369027">
+            <a:off x="670725" y="5217025"/>
+            <a:ext cx="4574491" cy="684380"/>
+          </a:xfrm>
+          <a:prstGeom prst="rect">
+            <a:avLst/>
+          </a:prstGeom>
+          <a:noFill/>
+          <a:ln>
+            <a:noFill/>
+          </a:ln>
+          <a:effectLst>
+            <a:glow rad="139700">
+              <a:schemeClr val="accent5">
+                <a:satMod val="175000"/>
+                <a:alpha val="40000"/>
+              </a:schemeClr>
+            </a:glow>
+            <a:outerShdw dist="35921" dir="2700000" algn="ctr" rotWithShape="0">
+              <a:schemeClr val="bg2"/>
+            </a:outerShdw>
+          </a:effectLst>
+          <a:scene3d>
+            <a:camera prst="perspectiveRelaxed"/>
+            <a:lightRig rig="threePt" dir="t"/>
+          </a:scene3d>
+          <a:extLst>
+            <a:ext uri="{909E8E84-426E-40DD-AFC4-6F175D3DCCD1}">
+              <a14:hiddenFill xmlns:a14="http://schemas.microsoft.com/office/drawing/2010/main">
+                <a:solidFill>
+                  <a:schemeClr val="accent1"/>
+                </a:solidFill>
+              </a14:hiddenFill>
+            </a:ext>
+            <a:ext uri="{91240B29-F687-4F45-9708-019B960494DF}">
+              <a14:hiddenLine xmlns:a14="http://schemas.microsoft.com/office/drawing/2010/main" w="9525">
+                <a:solidFill>
+                  <a:schemeClr val="tx1"/>
+                </a:solidFill>
+                <a:miter lim="800000"/>
+                <a:headEnd/>
+                <a:tailEnd/>
+              </a14:hiddenLine>
+            </a:ext>
+          </a:extLst>
+        </p:spPr>
+      </p:pic>
     </p:spTree>
   </p:cSld>
   <p:clrMapOvr>
     <a:masterClrMapping/>
   </p:clrMapOvr>
-  <mc:AlternateContent xmlns:mc="http://schemas.openxmlformats.org/markup-compatibility/2006">
-    <mc:Choice xmlns="" xmlns:p14="http://schemas.microsoft.com/office/powerpoint/2010/main" Requires="p14">
+  <mc:AlternateContent xmlns:mc="http://schemas.openxmlformats.org/markup-compatibility/2006" xmlns:p14="http://schemas.microsoft.com/office/powerpoint/2010/main">
+    <mc:Choice Requires="p14">
       <p:transition spd="slow" p14:dur="2000"/>
     </mc:Choice>
-    <mc:Fallback>
+    <mc:Fallback xmlns="">
       <p:transition spd="slow"/>
     </mc:Fallback>
   </mc:AlternateContent>
@@ -22245,11 +22710,11 @@
   <p:clrMapOvr>
     <a:masterClrMapping/>
   </p:clrMapOvr>
-  <mc:AlternateContent xmlns:mc="http://schemas.openxmlformats.org/markup-compatibility/2006">
-    <mc:Choice xmlns="" xmlns:p14="http://schemas.microsoft.com/office/powerpoint/2010/main" Requires="p14">
+  <mc:AlternateContent xmlns:mc="http://schemas.openxmlformats.org/markup-compatibility/2006" xmlns:p14="http://schemas.microsoft.com/office/powerpoint/2010/main">
+    <mc:Choice Requires="p14">
       <p:transition spd="slow" p14:dur="2000"/>
     </mc:Choice>
-    <mc:Fallback>
+    <mc:Fallback xmlns="">
       <p:transition spd="slow"/>
     </mc:Fallback>
   </mc:AlternateContent>
@@ -22465,11 +22930,11 @@
   <p:clrMapOvr>
     <a:masterClrMapping/>
   </p:clrMapOvr>
-  <mc:AlternateContent xmlns:mc="http://schemas.openxmlformats.org/markup-compatibility/2006">
-    <mc:Choice xmlns="" xmlns:p14="http://schemas.microsoft.com/office/powerpoint/2010/main" Requires="p14">
+  <mc:AlternateContent xmlns:mc="http://schemas.openxmlformats.org/markup-compatibility/2006" xmlns:p14="http://schemas.microsoft.com/office/powerpoint/2010/main">
+    <mc:Choice Requires="p14">
       <p:transition spd="slow" p14:dur="2000"/>
     </mc:Choice>
-    <mc:Fallback>
+    <mc:Fallback xmlns="">
       <p:transition spd="slow"/>
     </mc:Fallback>
   </mc:AlternateContent>
@@ -22680,11 +23145,11 @@
   <p:clrMapOvr>
     <a:masterClrMapping/>
   </p:clrMapOvr>
-  <mc:AlternateContent xmlns:mc="http://schemas.openxmlformats.org/markup-compatibility/2006">
-    <mc:Choice xmlns="" xmlns:p14="http://schemas.microsoft.com/office/powerpoint/2010/main" Requires="p14">
+  <mc:AlternateContent xmlns:mc="http://schemas.openxmlformats.org/markup-compatibility/2006" xmlns:p14="http://schemas.microsoft.com/office/powerpoint/2010/main">
+    <mc:Choice Requires="p14">
       <p:transition spd="slow" p14:dur="2000"/>
     </mc:Choice>
-    <mc:Fallback>
+    <mc:Fallback xmlns="">
       <p:transition spd="slow"/>
     </mc:Fallback>
   </mc:AlternateContent>
@@ -22977,11 +23442,11 @@
   <p:clrMapOvr>
     <a:masterClrMapping/>
   </p:clrMapOvr>
-  <mc:AlternateContent xmlns:mc="http://schemas.openxmlformats.org/markup-compatibility/2006">
-    <mc:Choice xmlns="" xmlns:p14="http://schemas.microsoft.com/office/powerpoint/2010/main" Requires="p14">
+  <mc:AlternateContent xmlns:mc="http://schemas.openxmlformats.org/markup-compatibility/2006" xmlns:p14="http://schemas.microsoft.com/office/powerpoint/2010/main">
+    <mc:Choice Requires="p14">
       <p:transition spd="slow" p14:dur="2000"/>
     </mc:Choice>
-    <mc:Fallback>
+    <mc:Fallback xmlns="">
       <p:transition spd="slow"/>
     </mc:Fallback>
   </mc:AlternateContent>
@@ -23227,11 +23692,11 @@
   <p:clrMapOvr>
     <a:masterClrMapping/>
   </p:clrMapOvr>
-  <mc:AlternateContent xmlns:mc="http://schemas.openxmlformats.org/markup-compatibility/2006">
-    <mc:Choice xmlns="" xmlns:p14="http://schemas.microsoft.com/office/powerpoint/2010/main" Requires="p14">
+  <mc:AlternateContent xmlns:mc="http://schemas.openxmlformats.org/markup-compatibility/2006" xmlns:p14="http://schemas.microsoft.com/office/powerpoint/2010/main">
+    <mc:Choice Requires="p14">
       <p:transition spd="slow" p14:dur="2000"/>
     </mc:Choice>
-    <mc:Fallback>
+    <mc:Fallback xmlns="">
       <p:transition spd="slow"/>
     </mc:Fallback>
   </mc:AlternateContent>
@@ -23335,7 +23800,7 @@
           <a:blip r:embed="rId3" cstate="print">
             <a:extLst>
               <a:ext uri="{28A0092B-C50C-407E-A947-70E740481C1C}">
-                <a14:useLocalDpi xmlns="" xmlns:a14="http://schemas.microsoft.com/office/drawing/2010/main"/>
+                <a14:useLocalDpi xmlns:a14="http://schemas.microsoft.com/office/drawing/2010/main"/>
               </a:ext>
             </a:extLst>
           </a:blip>
@@ -23359,14 +23824,14 @@
           <a:effectLst/>
           <a:extLst>
             <a:ext uri="{909E8E84-426E-40DD-AFC4-6F175D3DCCD1}">
-              <a14:hiddenFill xmlns="" xmlns:a14="http://schemas.microsoft.com/office/drawing/2010/main">
+              <a14:hiddenFill xmlns:a14="http://schemas.microsoft.com/office/drawing/2010/main">
                 <a:solidFill>
                   <a:schemeClr val="accent1"/>
                 </a:solidFill>
               </a14:hiddenFill>
             </a:ext>
             <a:ext uri="{91240B29-F687-4F45-9708-019B960494DF}">
-              <a14:hiddenLine xmlns="" xmlns:a14="http://schemas.microsoft.com/office/drawing/2010/main" w="9525">
+              <a14:hiddenLine xmlns:a14="http://schemas.microsoft.com/office/drawing/2010/main" w="9525">
                 <a:solidFill>
                   <a:schemeClr val="tx1"/>
                 </a:solidFill>
@@ -23376,7 +23841,7 @@
               </a14:hiddenLine>
             </a:ext>
             <a:ext uri="{AF507438-7753-43E0-B8FC-AC1667EBCBE1}">
-              <a14:hiddenEffects xmlns="" xmlns:a14="http://schemas.microsoft.com/office/drawing/2010/main">
+              <a14:hiddenEffects xmlns:a14="http://schemas.microsoft.com/office/drawing/2010/main">
                 <a:effectLst>
                   <a:outerShdw dist="35921" dir="2700000" algn="ctr" rotWithShape="0">
                     <a:schemeClr val="bg2"/>
@@ -23392,11 +23857,11 @@
   <p:clrMapOvr>
     <a:masterClrMapping/>
   </p:clrMapOvr>
-  <mc:AlternateContent xmlns:mc="http://schemas.openxmlformats.org/markup-compatibility/2006">
-    <mc:Choice xmlns="" xmlns:p14="http://schemas.microsoft.com/office/powerpoint/2010/main" Requires="p14">
+  <mc:AlternateContent xmlns:mc="http://schemas.openxmlformats.org/markup-compatibility/2006" xmlns:p14="http://schemas.microsoft.com/office/powerpoint/2010/main">
+    <mc:Choice Requires="p14">
       <p:transition spd="slow" p14:dur="2000"/>
     </mc:Choice>
-    <mc:Fallback>
+    <mc:Fallback xmlns="">
       <p:transition spd="slow"/>
     </mc:Fallback>
   </mc:AlternateContent>
@@ -23472,7 +23937,7 @@
           <a:blip r:embed="rId3" cstate="print">
             <a:extLst>
               <a:ext uri="{28A0092B-C50C-407E-A947-70E740481C1C}">
-                <a14:useLocalDpi xmlns="" xmlns:a14="http://schemas.microsoft.com/office/drawing/2010/main"/>
+                <a14:useLocalDpi xmlns:a14="http://schemas.microsoft.com/office/drawing/2010/main"/>
               </a:ext>
             </a:extLst>
           </a:blip>
@@ -23501,14 +23966,14 @@
           </a:effectLst>
           <a:extLst>
             <a:ext uri="{909E8E84-426E-40DD-AFC4-6F175D3DCCD1}">
-              <a14:hiddenFill xmlns="" xmlns:a14="http://schemas.microsoft.com/office/drawing/2010/main">
+              <a14:hiddenFill xmlns:a14="http://schemas.microsoft.com/office/drawing/2010/main">
                 <a:solidFill>
                   <a:schemeClr val="accent1"/>
                 </a:solidFill>
               </a14:hiddenFill>
             </a:ext>
             <a:ext uri="{91240B29-F687-4F45-9708-019B960494DF}">
-              <a14:hiddenLine xmlns="" xmlns:a14="http://schemas.microsoft.com/office/drawing/2010/main" w="9525">
+              <a14:hiddenLine xmlns:a14="http://schemas.microsoft.com/office/drawing/2010/main" w="9525">
                 <a:solidFill>
                   <a:schemeClr val="tx1"/>
                 </a:solidFill>
@@ -23525,11 +23990,11 @@
   <p:clrMapOvr>
     <a:masterClrMapping/>
   </p:clrMapOvr>
-  <mc:AlternateContent xmlns:mc="http://schemas.openxmlformats.org/markup-compatibility/2006">
-    <mc:Choice xmlns="" xmlns:p14="http://schemas.microsoft.com/office/powerpoint/2010/main" Requires="p14">
+  <mc:AlternateContent xmlns:mc="http://schemas.openxmlformats.org/markup-compatibility/2006" xmlns:p14="http://schemas.microsoft.com/office/powerpoint/2010/main">
+    <mc:Choice Requires="p14">
       <p:transition spd="slow" p14:dur="2000"/>
     </mc:Choice>
-    <mc:Fallback>
+    <mc:Fallback xmlns="">
       <p:transition spd="slow"/>
     </mc:Fallback>
   </mc:AlternateContent>
@@ -23731,11 +24196,11 @@
   <p:clrMapOvr>
     <a:masterClrMapping/>
   </p:clrMapOvr>
-  <mc:AlternateContent xmlns:mc="http://schemas.openxmlformats.org/markup-compatibility/2006">
-    <mc:Choice xmlns="" xmlns:p14="http://schemas.microsoft.com/office/powerpoint/2010/main" Requires="p14">
+  <mc:AlternateContent xmlns:mc="http://schemas.openxmlformats.org/markup-compatibility/2006" xmlns:p14="http://schemas.microsoft.com/office/powerpoint/2010/main">
+    <mc:Choice Requires="p14">
       <p:transition spd="slow" p14:dur="2000"/>
     </mc:Choice>
-    <mc:Fallback>
+    <mc:Fallback xmlns="">
       <p:transition spd="slow"/>
     </mc:Fallback>
   </mc:AlternateContent>
@@ -23904,11 +24369,11 @@
   <p:clrMapOvr>
     <a:masterClrMapping/>
   </p:clrMapOvr>
-  <mc:AlternateContent xmlns:mc="http://schemas.openxmlformats.org/markup-compatibility/2006">
-    <mc:Choice xmlns="" xmlns:p14="http://schemas.microsoft.com/office/powerpoint/2010/main" Requires="p14">
+  <mc:AlternateContent xmlns:mc="http://schemas.openxmlformats.org/markup-compatibility/2006" xmlns:p14="http://schemas.microsoft.com/office/powerpoint/2010/main">
+    <mc:Choice Requires="p14">
       <p:transition spd="slow" p14:dur="2000"/>
     </mc:Choice>
-    <mc:Fallback>
+    <mc:Fallback xmlns="">
       <p:transition spd="slow"/>
     </mc:Fallback>
   </mc:AlternateContent>
@@ -24158,11 +24623,11 @@
   <p:clrMapOvr>
     <a:masterClrMapping/>
   </p:clrMapOvr>
-  <mc:AlternateContent xmlns:mc="http://schemas.openxmlformats.org/markup-compatibility/2006">
-    <mc:Choice xmlns="" xmlns:p14="http://schemas.microsoft.com/office/powerpoint/2010/main" Requires="p14">
+  <mc:AlternateContent xmlns:mc="http://schemas.openxmlformats.org/markup-compatibility/2006" xmlns:p14="http://schemas.microsoft.com/office/powerpoint/2010/main">
+    <mc:Choice Requires="p14">
       <p:transition spd="slow" p14:dur="2000"/>
     </mc:Choice>
-    <mc:Fallback>
+    <mc:Fallback xmlns="">
       <p:transition spd="slow"/>
     </mc:Fallback>
   </mc:AlternateContent>
@@ -24205,7 +24670,7 @@
           <a:blip r:embed="rId3" cstate="print">
             <a:extLst>
               <a:ext uri="{28A0092B-C50C-407E-A947-70E740481C1C}">
-                <a14:useLocalDpi xmlns="" xmlns:a14="http://schemas.microsoft.com/office/drawing/2010/main"/>
+                <a14:useLocalDpi xmlns:a14="http://schemas.microsoft.com/office/drawing/2010/main"/>
               </a:ext>
             </a:extLst>
           </a:blip>
@@ -24228,14 +24693,14 @@
           </a:ln>
           <a:extLst>
             <a:ext uri="{909E8E84-426E-40DD-AFC4-6F175D3DCCD1}">
-              <a14:hiddenFill xmlns="" xmlns:a14="http://schemas.microsoft.com/office/drawing/2010/main">
+              <a14:hiddenFill xmlns:a14="http://schemas.microsoft.com/office/drawing/2010/main">
                 <a:solidFill>
                   <a:srgbClr val="FFFFFF"/>
                 </a:solidFill>
               </a14:hiddenFill>
             </a:ext>
             <a:ext uri="{91240B29-F687-4F45-9708-019B960494DF}">
-              <a14:hiddenLine xmlns="" xmlns:a14="http://schemas.microsoft.com/office/drawing/2010/main" w="9525">
+              <a14:hiddenLine xmlns:a14="http://schemas.microsoft.com/office/drawing/2010/main" w="9525">
                 <a:solidFill>
                   <a:srgbClr val="000000"/>
                 </a:solidFill>
@@ -24291,7 +24756,7 @@
               <a:blip r:embed="rId3" cstate="print">
                 <a:extLst>
                   <a:ext uri="{28A0092B-C50C-407E-A947-70E740481C1C}">
-                    <a14:useLocalDpi xmlns="" xmlns:a14="http://schemas.microsoft.com/office/drawing/2010/main"/>
+                    <a14:useLocalDpi xmlns:a14="http://schemas.microsoft.com/office/drawing/2010/main"/>
                   </a:ext>
                 </a:extLst>
               </a:blip>
@@ -24314,14 +24779,14 @@
               </a:ln>
               <a:extLst>
                 <a:ext uri="{909E8E84-426E-40DD-AFC4-6F175D3DCCD1}">
-                  <a14:hiddenFill xmlns="" xmlns:a14="http://schemas.microsoft.com/office/drawing/2010/main">
+                  <a14:hiddenFill xmlns:a14="http://schemas.microsoft.com/office/drawing/2010/main">
                     <a:solidFill>
                       <a:srgbClr val="FFFFFF"/>
                     </a:solidFill>
                   </a14:hiddenFill>
                 </a:ext>
                 <a:ext uri="{91240B29-F687-4F45-9708-019B960494DF}">
-                  <a14:hiddenLine xmlns="" xmlns:a14="http://schemas.microsoft.com/office/drawing/2010/main" w="9525">
+                  <a14:hiddenLine xmlns:a14="http://schemas.microsoft.com/office/drawing/2010/main" w="9525">
                     <a:solidFill>
                       <a:srgbClr val="000000"/>
                     </a:solidFill>
@@ -24478,7 +24943,7 @@
               <a:blip r:embed="rId3" cstate="print">
                 <a:extLst>
                   <a:ext uri="{28A0092B-C50C-407E-A947-70E740481C1C}">
-                    <a14:useLocalDpi xmlns="" xmlns:a14="http://schemas.microsoft.com/office/drawing/2010/main"/>
+                    <a14:useLocalDpi xmlns:a14="http://schemas.microsoft.com/office/drawing/2010/main"/>
                   </a:ext>
                 </a:extLst>
               </a:blip>
@@ -24501,14 +24966,14 @@
               </a:ln>
               <a:extLst>
                 <a:ext uri="{909E8E84-426E-40DD-AFC4-6F175D3DCCD1}">
-                  <a14:hiddenFill xmlns="" xmlns:a14="http://schemas.microsoft.com/office/drawing/2010/main">
+                  <a14:hiddenFill xmlns:a14="http://schemas.microsoft.com/office/drawing/2010/main">
                     <a:solidFill>
                       <a:srgbClr val="FFFFFF"/>
                     </a:solidFill>
                   </a14:hiddenFill>
                 </a:ext>
                 <a:ext uri="{91240B29-F687-4F45-9708-019B960494DF}">
-                  <a14:hiddenLine xmlns="" xmlns:a14="http://schemas.microsoft.com/office/drawing/2010/main" w="9525">
+                  <a14:hiddenLine xmlns:a14="http://schemas.microsoft.com/office/drawing/2010/main" w="9525">
                     <a:solidFill>
                       <a:srgbClr val="000000"/>
                     </a:solidFill>
@@ -24770,7 +25235,7 @@
               <a:blip r:embed="rId3" cstate="print">
                 <a:extLst>
                   <a:ext uri="{28A0092B-C50C-407E-A947-70E740481C1C}">
-                    <a14:useLocalDpi xmlns="" xmlns:a14="http://schemas.microsoft.com/office/drawing/2010/main"/>
+                    <a14:useLocalDpi xmlns:a14="http://schemas.microsoft.com/office/drawing/2010/main"/>
                   </a:ext>
                 </a:extLst>
               </a:blip>
@@ -24793,14 +25258,14 @@
               </a:ln>
               <a:extLst>
                 <a:ext uri="{909E8E84-426E-40DD-AFC4-6F175D3DCCD1}">
-                  <a14:hiddenFill xmlns="" xmlns:a14="http://schemas.microsoft.com/office/drawing/2010/main">
+                  <a14:hiddenFill xmlns:a14="http://schemas.microsoft.com/office/drawing/2010/main">
                     <a:solidFill>
                       <a:srgbClr val="FFFFFF"/>
                     </a:solidFill>
                   </a14:hiddenFill>
                 </a:ext>
                 <a:ext uri="{91240B29-F687-4F45-9708-019B960494DF}">
-                  <a14:hiddenLine xmlns="" xmlns:a14="http://schemas.microsoft.com/office/drawing/2010/main" w="9525">
+                  <a14:hiddenLine xmlns:a14="http://schemas.microsoft.com/office/drawing/2010/main" w="9525">
                     <a:solidFill>
                       <a:srgbClr val="000000"/>
                     </a:solidFill>
@@ -25101,7 +25566,7 @@
               <a:blip r:embed="rId3" cstate="print">
                 <a:extLst>
                   <a:ext uri="{28A0092B-C50C-407E-A947-70E740481C1C}">
-                    <a14:useLocalDpi xmlns="" xmlns:a14="http://schemas.microsoft.com/office/drawing/2010/main"/>
+                    <a14:useLocalDpi xmlns:a14="http://schemas.microsoft.com/office/drawing/2010/main"/>
                   </a:ext>
                 </a:extLst>
               </a:blip>
@@ -25124,14 +25589,14 @@
               </a:ln>
               <a:extLst>
                 <a:ext uri="{909E8E84-426E-40DD-AFC4-6F175D3DCCD1}">
-                  <a14:hiddenFill xmlns="" xmlns:a14="http://schemas.microsoft.com/office/drawing/2010/main">
+                  <a14:hiddenFill xmlns:a14="http://schemas.microsoft.com/office/drawing/2010/main">
                     <a:solidFill>
                       <a:srgbClr val="FFFFFF"/>
                     </a:solidFill>
                   </a14:hiddenFill>
                 </a:ext>
                 <a:ext uri="{91240B29-F687-4F45-9708-019B960494DF}">
-                  <a14:hiddenLine xmlns="" xmlns:a14="http://schemas.microsoft.com/office/drawing/2010/main" w="9525">
+                  <a14:hiddenLine xmlns:a14="http://schemas.microsoft.com/office/drawing/2010/main" w="9525">
                     <a:solidFill>
                       <a:srgbClr val="000000"/>
                     </a:solidFill>
@@ -25232,11 +25697,11 @@
   <p:clrMapOvr>
     <a:masterClrMapping/>
   </p:clrMapOvr>
-  <mc:AlternateContent xmlns:mc="http://schemas.openxmlformats.org/markup-compatibility/2006">
-    <mc:Choice xmlns="" xmlns:p14="http://schemas.microsoft.com/office/powerpoint/2010/main" Requires="p14">
+  <mc:AlternateContent xmlns:mc="http://schemas.openxmlformats.org/markup-compatibility/2006" xmlns:p14="http://schemas.microsoft.com/office/powerpoint/2010/main">
+    <mc:Choice Requires="p14">
       <p:transition spd="slow" p14:dur="2000"/>
     </mc:Choice>
-    <mc:Fallback>
+    <mc:Fallback xmlns="">
       <p:transition spd="slow"/>
     </mc:Fallback>
   </mc:AlternateContent>
@@ -25776,11 +26241,11 @@
   <p:clrMapOvr>
     <a:masterClrMapping/>
   </p:clrMapOvr>
-  <mc:AlternateContent xmlns:mc="http://schemas.openxmlformats.org/markup-compatibility/2006">
-    <mc:Choice xmlns="" xmlns:p14="http://schemas.microsoft.com/office/powerpoint/2010/main" Requires="p14">
+  <mc:AlternateContent xmlns:mc="http://schemas.openxmlformats.org/markup-compatibility/2006" xmlns:p14="http://schemas.microsoft.com/office/powerpoint/2010/main">
+    <mc:Choice Requires="p14">
       <p:transition spd="slow" p14:dur="2000"/>
     </mc:Choice>
-    <mc:Fallback>
+    <mc:Fallback xmlns="">
       <p:transition spd="slow"/>
     </mc:Fallback>
   </mc:AlternateContent>
@@ -26073,11 +26538,11 @@
   <p:clrMapOvr>
     <a:masterClrMapping/>
   </p:clrMapOvr>
-  <mc:AlternateContent xmlns:mc="http://schemas.openxmlformats.org/markup-compatibility/2006">
-    <mc:Choice xmlns="" xmlns:p14="http://schemas.microsoft.com/office/powerpoint/2010/main" Requires="p14">
+  <mc:AlternateContent xmlns:mc="http://schemas.openxmlformats.org/markup-compatibility/2006" xmlns:p14="http://schemas.microsoft.com/office/powerpoint/2010/main">
+    <mc:Choice Requires="p14">
       <p:transition spd="slow" p14:dur="2000"/>
     </mc:Choice>
-    <mc:Fallback>
+    <mc:Fallback xmlns="">
       <p:transition spd="slow"/>
     </mc:Fallback>
   </mc:AlternateContent>
@@ -26181,7 +26646,7 @@
           <a:blip r:embed="rId3" cstate="screen">
             <a:extLst>
               <a:ext uri="{28A0092B-C50C-407E-A947-70E740481C1C}">
-                <a14:useLocalDpi xmlns="" xmlns:a14="http://schemas.microsoft.com/office/drawing/2010/main"/>
+                <a14:useLocalDpi xmlns:a14="http://schemas.microsoft.com/office/drawing/2010/main"/>
               </a:ext>
             </a:extLst>
           </a:blip>
@@ -26205,14 +26670,14 @@
           <a:effectLst/>
           <a:extLst>
             <a:ext uri="{909E8E84-426E-40DD-AFC4-6F175D3DCCD1}">
-              <a14:hiddenFill xmlns="" xmlns:a14="http://schemas.microsoft.com/office/drawing/2010/main">
+              <a14:hiddenFill xmlns:a14="http://schemas.microsoft.com/office/drawing/2010/main">
                 <a:solidFill>
                   <a:schemeClr val="accent1"/>
                 </a:solidFill>
               </a14:hiddenFill>
             </a:ext>
             <a:ext uri="{91240B29-F687-4F45-9708-019B960494DF}">
-              <a14:hiddenLine xmlns="" xmlns:a14="http://schemas.microsoft.com/office/drawing/2010/main" w="9525">
+              <a14:hiddenLine xmlns:a14="http://schemas.microsoft.com/office/drawing/2010/main" w="9525">
                 <a:solidFill>
                   <a:schemeClr val="tx1"/>
                 </a:solidFill>
@@ -26222,7 +26687,7 @@
               </a14:hiddenLine>
             </a:ext>
             <a:ext uri="{AF507438-7753-43E0-B8FC-AC1667EBCBE1}">
-              <a14:hiddenEffects xmlns="" xmlns:a14="http://schemas.microsoft.com/office/drawing/2010/main">
+              <a14:hiddenEffects xmlns:a14="http://schemas.microsoft.com/office/drawing/2010/main">
                 <a:effectLst>
                   <a:outerShdw dist="35921" dir="2700000" algn="ctr" rotWithShape="0">
                     <a:schemeClr val="bg2"/>
@@ -26245,7 +26710,7 @@
           <a:blip r:embed="rId4" cstate="screen">
             <a:extLst>
               <a:ext uri="{28A0092B-C50C-407E-A947-70E740481C1C}">
-                <a14:useLocalDpi xmlns="" xmlns:a14="http://schemas.microsoft.com/office/drawing/2010/main"/>
+                <a14:useLocalDpi xmlns:a14="http://schemas.microsoft.com/office/drawing/2010/main"/>
               </a:ext>
             </a:extLst>
           </a:blip>
@@ -26274,14 +26739,14 @@
           </a:effectLst>
           <a:extLst>
             <a:ext uri="{909E8E84-426E-40DD-AFC4-6F175D3DCCD1}">
-              <a14:hiddenFill xmlns="" xmlns:a14="http://schemas.microsoft.com/office/drawing/2010/main">
+              <a14:hiddenFill xmlns:a14="http://schemas.microsoft.com/office/drawing/2010/main">
                 <a:solidFill>
                   <a:schemeClr val="accent1"/>
                 </a:solidFill>
               </a14:hiddenFill>
             </a:ext>
             <a:ext uri="{91240B29-F687-4F45-9708-019B960494DF}">
-              <a14:hiddenLine xmlns="" xmlns:a14="http://schemas.microsoft.com/office/drawing/2010/main" w="9525">
+              <a14:hiddenLine xmlns:a14="http://schemas.microsoft.com/office/drawing/2010/main" w="9525">
                 <a:solidFill>
                   <a:schemeClr val="tx1"/>
                 </a:solidFill>
@@ -26298,11 +26763,11 @@
   <p:clrMapOvr>
     <a:masterClrMapping/>
   </p:clrMapOvr>
-  <mc:AlternateContent xmlns:mc="http://schemas.openxmlformats.org/markup-compatibility/2006">
-    <mc:Choice xmlns="" xmlns:p14="http://schemas.microsoft.com/office/powerpoint/2010/main" Requires="p14">
+  <mc:AlternateContent xmlns:mc="http://schemas.openxmlformats.org/markup-compatibility/2006" xmlns:p14="http://schemas.microsoft.com/office/powerpoint/2010/main">
+    <mc:Choice Requires="p14">
       <p:transition spd="slow" p14:dur="2000"/>
     </mc:Choice>
-    <mc:Fallback>
+    <mc:Fallback xmlns="">
       <p:transition spd="slow"/>
     </mc:Fallback>
   </mc:AlternateContent>
@@ -27141,7 +27606,7 @@
     </p:spTree>
     <p:extLst>
       <p:ext uri="{BB962C8B-B14F-4D97-AF65-F5344CB8AC3E}">
-        <p14:creationId xmlns="" xmlns:p14="http://schemas.microsoft.com/office/powerpoint/2010/main" val="256763073"/>
+        <p14:creationId xmlns:p14="http://schemas.microsoft.com/office/powerpoint/2010/main" val="256763073"/>
       </p:ext>
     </p:extLst>
   </p:cSld>
@@ -27191,14 +27656,14 @@
           <a:ln/>
           <a:extLst>
             <a:ext uri="{909E8E84-426E-40DD-AFC4-6F175D3DCCD1}">
-              <a14:hiddenFill xmlns="" xmlns:a14="http://schemas.microsoft.com/office/drawing/2010/main">
+              <a14:hiddenFill xmlns:a14="http://schemas.microsoft.com/office/drawing/2010/main">
                 <a:solidFill>
                   <a:srgbClr val="FFFFFF"/>
                 </a:solidFill>
               </a14:hiddenFill>
             </a:ext>
             <a:ext uri="{91240B29-F687-4F45-9708-019B960494DF}">
-              <a14:hiddenLine xmlns="" xmlns:a14="http://schemas.microsoft.com/office/drawing/2010/main" w="9525">
+              <a14:hiddenLine xmlns:a14="http://schemas.microsoft.com/office/drawing/2010/main" w="9525">
                 <a:solidFill>
                   <a:srgbClr val="000000"/>
                 </a:solidFill>
@@ -27241,14 +27706,14 @@
           <a:ln/>
           <a:extLst>
             <a:ext uri="{909E8E84-426E-40DD-AFC4-6F175D3DCCD1}">
-              <a14:hiddenFill xmlns="" xmlns:a14="http://schemas.microsoft.com/office/drawing/2010/main">
+              <a14:hiddenFill xmlns:a14="http://schemas.microsoft.com/office/drawing/2010/main">
                 <a:solidFill>
                   <a:srgbClr val="FFFFFF"/>
                 </a:solidFill>
               </a14:hiddenFill>
             </a:ext>
             <a:ext uri="{91240B29-F687-4F45-9708-019B960494DF}">
-              <a14:hiddenLine xmlns="" xmlns:a14="http://schemas.microsoft.com/office/drawing/2010/main" w="9525">
+              <a14:hiddenLine xmlns:a14="http://schemas.microsoft.com/office/drawing/2010/main" w="9525">
                 <a:solidFill>
                   <a:srgbClr val="000000"/>
                 </a:solidFill>
@@ -27292,19 +27757,7 @@
                 </a:solidFill>
                 <a:effectLst/>
               </a:rPr>
-              <a:t>Master </a:t>
-            </a:r>
-            <a:r>
-              <a:rPr lang="en-US" sz="2800" dirty="0" smtClean="0">
-                <a:solidFill>
-                  <a:schemeClr val="accent5">
-                    <a:lumMod val="20000"/>
-                    <a:lumOff val="80000"/>
-                  </a:schemeClr>
-                </a:solidFill>
-                <a:effectLst/>
-              </a:rPr>
-              <a:t>Pages</a:t>
+              <a:t>Master Pages</a:t>
             </a:r>
             <a:r>
               <a:rPr lang="en-US" sz="2800" dirty="0" smtClean="0">
@@ -27316,55 +27769,7 @@
                 </a:solidFill>
                 <a:effectLst/>
               </a:rPr>
-              <a:t>. </a:t>
-            </a:r>
-            <a:r>
-              <a:rPr lang="en-US" sz="2800" dirty="0" smtClean="0">
-                <a:solidFill>
-                  <a:schemeClr val="tx1">
-                    <a:lumMod val="20000"/>
-                    <a:lumOff val="80000"/>
-                  </a:schemeClr>
-                </a:solidFill>
-                <a:effectLst/>
-              </a:rPr>
-              <a:t>The application should be like a user profile – separate pages for Profile, Friends, </a:t>
-            </a:r>
-            <a:r>
-              <a:rPr lang="en-US" sz="2800" dirty="0" smtClean="0">
-                <a:solidFill>
-                  <a:schemeClr val="tx1">
-                    <a:lumMod val="20000"/>
-                    <a:lumOff val="80000"/>
-                  </a:schemeClr>
-                </a:solidFill>
-                <a:effectLst/>
-              </a:rPr>
-              <a:t>Additional Info, </a:t>
-            </a:r>
-            <a:r>
-              <a:rPr lang="en-US" sz="2800" dirty="0" smtClean="0">
-                <a:solidFill>
-                  <a:schemeClr val="tx1">
-                    <a:lumMod val="20000"/>
-                    <a:lumOff val="80000"/>
-                  </a:schemeClr>
-                </a:solidFill>
-                <a:effectLst/>
-              </a:rPr>
-              <a:t>etc</a:t>
-            </a:r>
-            <a:r>
-              <a:rPr lang="en-US" sz="2800" dirty="0" smtClean="0">
-                <a:solidFill>
-                  <a:schemeClr val="tx1">
-                    <a:lumMod val="20000"/>
-                    <a:lumOff val="80000"/>
-                  </a:schemeClr>
-                </a:solidFill>
-                <a:effectLst/>
-              </a:rPr>
-              <a:t>. Add a site map (</a:t>
+              <a:t>. The application should be like a user profile – separate pages for Profile, Friends, Additional Info, etc. Add a site map (</a:t>
             </a:r>
             <a:r>
               <a:rPr lang="en-US" sz="2800" noProof="1" smtClean="0">
@@ -27420,13 +27825,7 @@
               <a:rPr lang="en-US" sz="2800" dirty="0" smtClean="0">
                 <a:effectLst/>
               </a:rPr>
-              <a:t>Create a user control that visualizes a </a:t>
-            </a:r>
-            <a:r>
-              <a:rPr lang="en-US" sz="2800" dirty="0" smtClean="0">
-                <a:effectLst/>
-              </a:rPr>
-              <a:t>menu of links</a:t>
+              <a:t>Create a user control that visualizes a menu of links</a:t>
             </a:r>
             <a:r>
               <a:rPr lang="bg-BG" sz="2800" dirty="0" smtClean="0">
@@ -27438,13 +27837,7 @@
               <a:rPr lang="en-US" sz="2800" dirty="0" smtClean="0">
                 <a:effectLst/>
               </a:rPr>
-              <a:t>The control should have a property to initialize the </a:t>
-            </a:r>
-            <a:r>
-              <a:rPr lang="en-US" sz="2800" dirty="0" smtClean="0">
-                <a:effectLst/>
-              </a:rPr>
-              <a:t>menu links (a list of items, each containing a title and URL)</a:t>
+              <a:t>The control should have a property to initialize the menu links (a list of items, each containing a title and URL)</a:t>
             </a:r>
             <a:r>
               <a:rPr lang="bg-BG" sz="2800" dirty="0" smtClean="0">
@@ -27476,25 +27869,7 @@
               <a:rPr lang="en-US" sz="2800" dirty="0" smtClean="0">
                 <a:effectLst/>
               </a:rPr>
-              <a:t> and data binding to visualize the menu links. Implement </a:t>
-            </a:r>
-            <a:r>
-              <a:rPr lang="en-US" sz="2800" dirty="0" smtClean="0">
-                <a:effectLst/>
-              </a:rPr>
-              <a:t>a property to change the font and </a:t>
-            </a:r>
-            <a:r>
-              <a:rPr lang="en-US" sz="2800" dirty="0" smtClean="0">
-                <a:effectLst/>
-              </a:rPr>
-              <a:t>the font </a:t>
-            </a:r>
-            <a:r>
-              <a:rPr lang="en-US" sz="2800" dirty="0" smtClean="0">
-                <a:effectLst/>
-              </a:rPr>
-              <a:t>color</a:t>
+              <a:t> and data binding to visualize the menu links. Implement a property to change the font and the font color</a:t>
             </a:r>
             <a:r>
               <a:rPr lang="bg-BG" sz="2800" dirty="0" smtClean="0">
@@ -27566,11 +27941,11 @@
   <p:clrMapOvr>
     <a:masterClrMapping/>
   </p:clrMapOvr>
-  <mc:AlternateContent xmlns:mc="http://schemas.openxmlformats.org/markup-compatibility/2006">
-    <mc:Choice xmlns="" xmlns:p14="http://schemas.microsoft.com/office/powerpoint/2010/main" Requires="p14">
+  <mc:AlternateContent xmlns:mc="http://schemas.openxmlformats.org/markup-compatibility/2006" xmlns:p14="http://schemas.microsoft.com/office/powerpoint/2010/main">
+    <mc:Choice Requires="p14">
       <p:transition spd="slow" p14:dur="2000"/>
     </mc:Choice>
-    <mc:Fallback>
+    <mc:Fallback xmlns="">
       <p:transition spd="slow"/>
     </mc:Fallback>
   </mc:AlternateContent>
@@ -27616,14 +27991,14 @@
           <a:ln/>
           <a:extLst>
             <a:ext uri="{909E8E84-426E-40DD-AFC4-6F175D3DCCD1}">
-              <a14:hiddenFill xmlns="" xmlns:a14="http://schemas.microsoft.com/office/drawing/2010/main">
+              <a14:hiddenFill xmlns:a14="http://schemas.microsoft.com/office/drawing/2010/main">
                 <a:solidFill>
                   <a:srgbClr val="FFFFFF"/>
                 </a:solidFill>
               </a14:hiddenFill>
             </a:ext>
             <a:ext uri="{91240B29-F687-4F45-9708-019B960494DF}">
-              <a14:hiddenLine xmlns="" xmlns:a14="http://schemas.microsoft.com/office/drawing/2010/main" w="9525">
+              <a14:hiddenLine xmlns:a14="http://schemas.microsoft.com/office/drawing/2010/main" w="9525">
                 <a:solidFill>
                   <a:srgbClr val="000000"/>
                 </a:solidFill>
@@ -27666,14 +28041,14 @@
           <a:ln/>
           <a:extLst>
             <a:ext uri="{909E8E84-426E-40DD-AFC4-6F175D3DCCD1}">
-              <a14:hiddenFill xmlns="" xmlns:a14="http://schemas.microsoft.com/office/drawing/2010/main">
+              <a14:hiddenFill xmlns:a14="http://schemas.microsoft.com/office/drawing/2010/main">
                 <a:solidFill>
                   <a:srgbClr val="FFFFFF"/>
                 </a:solidFill>
               </a14:hiddenFill>
             </a:ext>
             <a:ext uri="{91240B29-F687-4F45-9708-019B960494DF}">
-              <a14:hiddenLine xmlns="" xmlns:a14="http://schemas.microsoft.com/office/drawing/2010/main" w="9525">
+              <a14:hiddenLine xmlns:a14="http://schemas.microsoft.com/office/drawing/2010/main" w="9525">
                 <a:solidFill>
                   <a:srgbClr val="000000"/>
                 </a:solidFill>
@@ -27708,18 +28083,18 @@
     </p:spTree>
     <p:extLst>
       <p:ext uri="{BB962C8B-B14F-4D97-AF65-F5344CB8AC3E}">
-        <p14:creationId xmlns="" xmlns:p14="http://schemas.microsoft.com/office/powerpoint/2010/main" val="575205457"/>
+        <p14:creationId xmlns:p14="http://schemas.microsoft.com/office/powerpoint/2010/main" val="575205457"/>
       </p:ext>
     </p:extLst>
   </p:cSld>
   <p:clrMapOvr>
     <a:masterClrMapping/>
   </p:clrMapOvr>
-  <mc:AlternateContent xmlns:mc="http://schemas.openxmlformats.org/markup-compatibility/2006">
-    <mc:Choice xmlns="" xmlns:p14="http://schemas.microsoft.com/office/powerpoint/2010/main" Requires="p14">
+  <mc:AlternateContent xmlns:mc="http://schemas.openxmlformats.org/markup-compatibility/2006" xmlns:p14="http://schemas.microsoft.com/office/powerpoint/2010/main">
+    <mc:Choice Requires="p14">
       <p:transition spd="slow" p14:dur="2000"/>
     </mc:Choice>
-    <mc:Fallback>
+    <mc:Fallback xmlns="">
       <p:transition spd="slow"/>
     </mc:Fallback>
   </mc:AlternateContent>
@@ -27809,7 +28184,7 @@
         </p:nvSpPr>
         <p:spPr>
           <a:xfrm>
-            <a:off x="228600" y="1412776"/>
+            <a:off x="205680" y="1268760"/>
             <a:ext cx="8686800" cy="5292824"/>
           </a:xfrm>
         </p:spPr>
@@ -27880,11 +28255,11 @@
   <p:clrMapOvr>
     <a:masterClrMapping/>
   </p:clrMapOvr>
-  <mc:AlternateContent xmlns:mc="http://schemas.openxmlformats.org/markup-compatibility/2006">
-    <mc:Choice xmlns="" xmlns:p14="http://schemas.microsoft.com/office/powerpoint/2010/main" Requires="p14">
+  <mc:AlternateContent xmlns:mc="http://schemas.openxmlformats.org/markup-compatibility/2006" xmlns:p14="http://schemas.microsoft.com/office/powerpoint/2010/main">
+    <mc:Choice Requires="p14">
       <p:transition spd="slow" p14:dur="2000"/>
     </mc:Choice>
-    <mc:Fallback>
+    <mc:Fallback xmlns="">
       <p:transition spd="slow"/>
     </mc:Fallback>
   </mc:AlternateContent>
@@ -27990,8 +28365,13 @@
             </a:pPr>
             <a:r>
               <a:rPr lang="en-US" dirty="0" smtClean="0"/>
-              <a:t>Can be set either at the design or programmatically  </a:t>
-            </a:r>
+              <a:t>Can be set either at the design or </a:t>
+            </a:r>
+            <a:r>
+              <a:rPr lang="en-US" dirty="0" smtClean="0"/>
+              <a:t>programmatically</a:t>
+            </a:r>
+            <a:endParaRPr lang="en-US" dirty="0" smtClean="0"/>
           </a:p>
         </p:txBody>
       </p:sp>
@@ -28000,11 +28380,11 @@
   <p:clrMapOvr>
     <a:masterClrMapping/>
   </p:clrMapOvr>
-  <mc:AlternateContent xmlns:mc="http://schemas.openxmlformats.org/markup-compatibility/2006">
-    <mc:Choice xmlns="" xmlns:p14="http://schemas.microsoft.com/office/powerpoint/2010/main" Requires="p14">
+  <mc:AlternateContent xmlns:mc="http://schemas.openxmlformats.org/markup-compatibility/2006" xmlns:p14="http://schemas.microsoft.com/office/powerpoint/2010/main">
+    <mc:Choice Requires="p14">
       <p:transition spd="slow" p14:dur="2000"/>
     </mc:Choice>
-    <mc:Fallback>
+    <mc:Fallback xmlns="">
       <p:transition spd="slow"/>
     </mc:Fallback>
   </mc:AlternateContent>
@@ -28083,17 +28463,32 @@
               </a:lnSpc>
             </a:pPr>
             <a:r>
-              <a:rPr lang="en-US" dirty="0" smtClean="0"/>
-              <a:t>master pages start with the </a:t>
-            </a:r>
-            <a:r>
-              <a:rPr kumimoji="0" lang="en-US" dirty="0" smtClean="0">
+              <a:rPr lang="en-US" dirty="0" smtClean="0">
                 <a:solidFill>
                   <a:schemeClr val="accent5">
                     <a:lumMod val="20000"/>
                     <a:lumOff val="80000"/>
                   </a:schemeClr>
                 </a:solidFill>
+              </a:rPr>
+              <a:t>Master Pages</a:t>
+            </a:r>
+            <a:r>
+              <a:rPr lang="en-US" dirty="0" smtClean="0"/>
+              <a:t> </a:t>
+            </a:r>
+            <a:r>
+              <a:rPr lang="en-US" dirty="0" smtClean="0"/>
+              <a:t>start with the </a:t>
+            </a:r>
+            <a:r>
+              <a:rPr kumimoji="0" lang="en-US" dirty="0" smtClean="0">
+                <a:solidFill>
+                  <a:schemeClr val="accent5">
+                    <a:lumMod val="20000"/>
+                    <a:lumOff val="80000"/>
+                  </a:schemeClr>
+                </a:solidFill>
                 <a:latin typeface="Consolas" pitchFamily="49" charset="0"/>
                 <a:cs typeface="Consolas" pitchFamily="49" charset="0"/>
               </a:rPr>
@@ -28155,56 +28550,67 @@
               </a:lnSpc>
             </a:pPr>
             <a:r>
-              <a:rPr lang="en-US" dirty="0" smtClean="0"/>
-              <a:t>Master </a:t>
-            </a:r>
-            <a:r>
               <a:rPr lang="en-US" dirty="0" smtClean="0">
-                <a:solidFill>
-                  <a:schemeClr val="tx1">
-                    <a:lumMod val="40000"/>
-                    <a:lumOff val="60000"/>
-                  </a:schemeClr>
-                </a:solidFill>
-              </a:rPr>
-              <a:t>pages</a:t>
-            </a:r>
-            <a:r>
-              <a:rPr lang="en-US" dirty="0" smtClean="0"/>
-              <a:t> can contain</a:t>
-            </a:r>
-            <a:r>
-              <a:rPr lang="bg-BG" dirty="0" smtClean="0"/>
-              <a:t>:</a:t>
-            </a:r>
-            <a:endParaRPr lang="en-US" dirty="0" smtClean="0"/>
-          </a:p>
-          <a:p>
-            <a:pPr marL="803275" lvl="1" indent="-355600">
-              <a:lnSpc>
-                <a:spcPct val="110000"/>
-              </a:lnSpc>
-            </a:pPr>
-            <a:r>
-              <a:rPr lang="en-US" dirty="0" smtClean="0"/>
-              <a:t>Markup for the page</a:t>
-            </a:r>
-            <a:r>
-              <a:rPr lang="bg-BG" dirty="0" smtClean="0"/>
-              <a:t> </a:t>
-            </a:r>
-            <a:r>
-              <a:rPr lang="bg-BG" dirty="0"/>
-              <a:t>(</a:t>
-            </a:r>
-            <a:r>
-              <a:rPr lang="bg-BG" dirty="0">
                 <a:solidFill>
                   <a:schemeClr val="accent5">
                     <a:lumMod val="20000"/>
                     <a:lumOff val="80000"/>
                   </a:schemeClr>
                 </a:solidFill>
+              </a:rPr>
+              <a:t>Master</a:t>
+            </a:r>
+            <a:r>
+              <a:rPr lang="en-US" dirty="0" smtClean="0"/>
+              <a:t> </a:t>
+            </a:r>
+            <a:r>
+              <a:rPr lang="en-US" dirty="0" smtClean="0">
+                <a:solidFill>
+                  <a:schemeClr val="accent5">
+                    <a:lumMod val="20000"/>
+                    <a:lumOff val="80000"/>
+                  </a:schemeClr>
+                </a:solidFill>
+              </a:rPr>
+              <a:t>Pages </a:t>
+            </a:r>
+            <a:r>
+              <a:rPr lang="en-US" dirty="0" smtClean="0"/>
+              <a:t>can contain</a:t>
+            </a:r>
+            <a:r>
+              <a:rPr lang="bg-BG" dirty="0" smtClean="0"/>
+              <a:t>:</a:t>
+            </a:r>
+            <a:endParaRPr lang="en-US" dirty="0" smtClean="0"/>
+          </a:p>
+          <a:p>
+            <a:pPr marL="803275" lvl="1" indent="-355600">
+              <a:lnSpc>
+                <a:spcPct val="110000"/>
+              </a:lnSpc>
+            </a:pPr>
+            <a:r>
+              <a:rPr lang="en-US" dirty="0" smtClean="0"/>
+              <a:t>Markup for the page</a:t>
+            </a:r>
+            <a:r>
+              <a:rPr lang="bg-BG" dirty="0" smtClean="0"/>
+              <a:t> </a:t>
+            </a:r>
+            <a:r>
+              <a:rPr lang="bg-BG" dirty="0"/>
+              <a:t>(</a:t>
+            </a:r>
+            <a:r>
+              <a:rPr lang="bg-BG" dirty="0">
+                <a:solidFill>
+                  <a:schemeClr val="accent5">
+                    <a:lumMod val="20000"/>
+                    <a:lumOff val="80000"/>
+                  </a:schemeClr>
+                </a:solidFill>
                 <a:latin typeface="Consolas" pitchFamily="49" charset="0"/>
                 <a:cs typeface="Consolas" pitchFamily="49" charset="0"/>
               </a:rPr>
@@ -28319,47 +28725,47 @@
               <a:t> (</a:t>
             </a:r>
             <a:r>
-              <a:rPr lang="en-US" dirty="0" smtClean="0"/>
-              <a:t>HTML, ASP.NET controls</a:t>
-            </a:r>
-            <a:r>
-              <a:rPr lang="bg-BG" dirty="0" smtClean="0"/>
-              <a:t>)</a:t>
-            </a:r>
-            <a:endParaRPr lang="en-US" dirty="0" smtClean="0"/>
-          </a:p>
-          <a:p>
-            <a:pPr marL="803275" lvl="1" indent="-355600">
-              <a:lnSpc>
-                <a:spcPct val="110000"/>
-              </a:lnSpc>
-            </a:pPr>
-            <a:r>
-              <a:rPr kumimoji="0" lang="en-US" dirty="0" smtClean="0">
+              <a:rPr lang="en-US" dirty="0" smtClean="0">
                 <a:solidFill>
                   <a:schemeClr val="accent5">
                     <a:lumMod val="20000"/>
                     <a:lumOff val="80000"/>
                   </a:schemeClr>
                 </a:solidFill>
-                <a:latin typeface="Consolas" pitchFamily="49" charset="0"/>
-                <a:cs typeface="Consolas" pitchFamily="49" charset="0"/>
               </a:rPr>
-              <a:t>&lt;</a:t>
-            </a:r>
-            <a:r>
-              <a:rPr kumimoji="0" lang="en-US" dirty="0" err="1" smtClean="0">
+              <a:t>HTML</a:t>
+            </a:r>
+            <a:r>
+              <a:rPr lang="en-US" dirty="0" smtClean="0"/>
+              <a:t>, </a:t>
+            </a:r>
+            <a:r>
+              <a:rPr lang="en-US" dirty="0" smtClean="0">
                 <a:solidFill>
                   <a:schemeClr val="accent5">
                     <a:lumMod val="20000"/>
                     <a:lumOff val="80000"/>
                   </a:schemeClr>
                 </a:solidFill>
-                <a:latin typeface="Consolas" pitchFamily="49" charset="0"/>
-                <a:cs typeface="Consolas" pitchFamily="49" charset="0"/>
               </a:rPr>
-              <a:t>asp:ContentPlaceHolder</a:t>
-            </a:r>
+              <a:t>ASP.NET</a:t>
+            </a:r>
+            <a:r>
+              <a:rPr lang="en-US" dirty="0" smtClean="0"/>
+              <a:t> controls</a:t>
+            </a:r>
+            <a:r>
+              <a:rPr lang="bg-BG" dirty="0" smtClean="0"/>
+              <a:t>)</a:t>
+            </a:r>
+            <a:endParaRPr lang="en-US" dirty="0" smtClean="0"/>
+          </a:p>
+          <a:p>
+            <a:pPr marL="803275" lvl="1" indent="-355600">
+              <a:lnSpc>
+                <a:spcPct val="110000"/>
+              </a:lnSpc>
+            </a:pPr>
             <a:r>
               <a:rPr kumimoji="0" lang="en-US" dirty="0" smtClean="0">
                 <a:solidFill>
@@ -28371,7 +28777,7 @@
                 <a:latin typeface="Consolas" pitchFamily="49" charset="0"/>
                 <a:cs typeface="Consolas" pitchFamily="49" charset="0"/>
               </a:rPr>
-              <a:t>&gt;</a:t>
+              <a:t>&lt;asp:ContentPlaceHolder&gt;</a:t>
             </a:r>
             <a:r>
               <a:rPr lang="bg-BG" i="1" dirty="0" smtClean="0">
@@ -28389,7 +28795,7 @@
               <a:t>controls which can be replaced in the </a:t>
             </a:r>
             <a:r>
-              <a:rPr lang="en-US" dirty="0" smtClean="0">
+              <a:rPr lang="en-US" dirty="0">
                 <a:solidFill>
                   <a:schemeClr val="accent5">
                     <a:lumMod val="20000"/>
@@ -28397,7 +28803,18 @@
                   </a:schemeClr>
                 </a:solidFill>
               </a:rPr>
-              <a:t>content pages</a:t>
+              <a:t>C</a:t>
+            </a:r>
+            <a:r>
+              <a:rPr lang="en-US" dirty="0" smtClean="0">
+                <a:solidFill>
+                  <a:schemeClr val="accent5">
+                    <a:lumMod val="20000"/>
+                    <a:lumOff val="80000"/>
+                  </a:schemeClr>
+                </a:solidFill>
+              </a:rPr>
+              <a:t>ontent Pages</a:t>
             </a:r>
             <a:endParaRPr lang="bg-BG" dirty="0" smtClean="0">
               <a:solidFill>
@@ -28417,11 +28834,11 @@
   <p:clrMapOvr>
     <a:masterClrMapping/>
   </p:clrMapOvr>
-  <mc:AlternateContent xmlns:mc="http://schemas.openxmlformats.org/markup-compatibility/2006">
-    <mc:Choice xmlns="" xmlns:p14="http://schemas.microsoft.com/office/powerpoint/2010/main" Requires="p14">
+  <mc:AlternateContent xmlns:mc="http://schemas.openxmlformats.org/markup-compatibility/2006" xmlns:p14="http://schemas.microsoft.com/office/powerpoint/2010/main">
+    <mc:Choice Requires="p14">
       <p:transition spd="slow" p14:dur="2000"/>
     </mc:Choice>
-    <mc:Fallback>
+    <mc:Fallback xmlns="">
       <p:transition spd="slow"/>
     </mc:Fallback>
   </mc:AlternateContent>
@@ -28511,31 +28928,42 @@
                   </a:schemeClr>
                 </a:solidFill>
               </a:rPr>
-              <a:t>Content pages </a:t>
-            </a:r>
-            <a:r>
-              <a:rPr lang="en-US" sz="3000" dirty="0" smtClean="0"/>
-              <a:t>derive the entire content and logic from their master page</a:t>
-            </a:r>
-          </a:p>
-          <a:p>
-            <a:pPr marL="342900" indent="-342900">
-              <a:lnSpc>
-                <a:spcPct val="100000"/>
-              </a:lnSpc>
-            </a:pPr>
-            <a:r>
-              <a:rPr lang="en-US" sz="3000" dirty="0" smtClean="0"/>
-              <a:t>Use the </a:t>
-            </a:r>
-            <a:r>
-              <a:rPr kumimoji="0" lang="en-US" sz="3000" dirty="0" smtClean="0">
+              <a:t>Content </a:t>
+            </a:r>
+            <a:r>
+              <a:rPr lang="en-US" sz="3000" dirty="0" smtClean="0">
                 <a:solidFill>
                   <a:schemeClr val="accent5">
                     <a:lumMod val="20000"/>
                     <a:lumOff val="80000"/>
                   </a:schemeClr>
                 </a:solidFill>
+              </a:rPr>
+              <a:t>Pages </a:t>
+            </a:r>
+            <a:r>
+              <a:rPr lang="en-US" sz="3000" dirty="0" smtClean="0"/>
+              <a:t>derive the entire content and logic from their master page</a:t>
+            </a:r>
+          </a:p>
+          <a:p>
+            <a:pPr marL="342900" indent="-342900">
+              <a:lnSpc>
+                <a:spcPct val="100000"/>
+              </a:lnSpc>
+            </a:pPr>
+            <a:r>
+              <a:rPr lang="en-US" sz="3000" dirty="0" smtClean="0"/>
+              <a:t>Use the </a:t>
+            </a:r>
+            <a:r>
+              <a:rPr kumimoji="0" lang="en-US" sz="3000" dirty="0" smtClean="0">
+                <a:solidFill>
+                  <a:schemeClr val="accent5">
+                    <a:lumMod val="20000"/>
+                    <a:lumOff val="80000"/>
+                  </a:schemeClr>
+                </a:solidFill>
                 <a:latin typeface="Consolas" pitchFamily="49" charset="0"/>
                 <a:cs typeface="Consolas" pitchFamily="49" charset="0"/>
               </a:rPr>
@@ -28563,7 +28991,7 @@
               <a:t> attribute pointing to the </a:t>
             </a:r>
             <a:r>
-              <a:rPr kumimoji="0" lang="en-US" sz="3000" dirty="0" smtClean="0">
+              <a:rPr lang="en-US" sz="3000" dirty="0">
                 <a:solidFill>
                   <a:schemeClr val="accent5">
                     <a:lumMod val="20000"/>
@@ -28571,7 +28999,18 @@
                   </a:schemeClr>
                 </a:solidFill>
               </a:rPr>
-              <a:t>master page</a:t>
+              <a:t>M</a:t>
+            </a:r>
+            <a:r>
+              <a:rPr kumimoji="0" lang="en-US" sz="3000" dirty="0" smtClean="0">
+                <a:solidFill>
+                  <a:schemeClr val="accent5">
+                    <a:lumMod val="20000"/>
+                    <a:lumOff val="80000"/>
+                  </a:schemeClr>
+                </a:solidFill>
+              </a:rPr>
+              <a:t>aster Page</a:t>
             </a:r>
             <a:endParaRPr kumimoji="0" lang="en-US" sz="3000" dirty="0" smtClean="0">
               <a:solidFill>
@@ -28745,8 +29184,34 @@
               <a:t> </a:t>
             </a:r>
             <a:r>
+              <a:rPr lang="en-US" dirty="0" smtClean="0">
+                <a:solidFill>
+                  <a:schemeClr val="accent5">
+                    <a:lumMod val="20000"/>
+                    <a:lumOff val="80000"/>
+                  </a:schemeClr>
+                </a:solidFill>
+              </a:rPr>
+              <a:t>Master </a:t>
+            </a:r>
+            <a:r>
+              <a:rPr lang="en-US" dirty="0" smtClean="0">
+                <a:solidFill>
+                  <a:schemeClr val="accent5">
+                    <a:lumMod val="20000"/>
+                    <a:lumOff val="80000"/>
+                  </a:schemeClr>
+                </a:solidFill>
+              </a:rPr>
+              <a:t>Page</a:t>
+            </a:r>
+            <a:r>
               <a:rPr lang="en-US" dirty="0" smtClean="0"/>
-              <a:t>Master page which content we want to replace</a:t>
+              <a:t> </a:t>
+            </a:r>
+            <a:r>
+              <a:rPr lang="en-US" dirty="0" smtClean="0"/>
+              <a:t>which content we want to replace</a:t>
             </a:r>
             <a:endParaRPr lang="bg-BG" dirty="0" smtClean="0"/>
           </a:p>
@@ -28757,11 +29222,11 @@
   <p:clrMapOvr>
     <a:masterClrMapping/>
   </p:clrMapOvr>
-  <mc:AlternateContent xmlns:mc="http://schemas.openxmlformats.org/markup-compatibility/2006">
-    <mc:Choice xmlns="" xmlns:p14="http://schemas.microsoft.com/office/powerpoint/2010/main" Requires="p14">
+  <mc:AlternateContent xmlns:mc="http://schemas.openxmlformats.org/markup-compatibility/2006" xmlns:p14="http://schemas.microsoft.com/office/powerpoint/2010/main">
+    <mc:Choice Requires="p14">
       <p:transition spd="slow" p14:dur="2000"/>
     </mc:Choice>
-    <mc:Fallback>
+    <mc:Fallback xmlns="">
       <p:transition spd="slow"/>
     </mc:Fallback>
   </mc:AlternateContent>
@@ -28794,6 +29259,127 @@
       </p:grpSpPr>
       <p:sp>
         <p:nvSpPr>
+          <p:cNvPr id="540791" name="Rectangle 119"/>
+          <p:cNvSpPr>
+            <a:spLocks noChangeArrowheads="1"/>
+          </p:cNvSpPr>
+          <p:nvPr/>
+        </p:nvSpPr>
+        <p:spPr bwMode="auto">
+          <a:xfrm>
+            <a:off x="444117" y="1855974"/>
+            <a:ext cx="3623827" cy="4730228"/>
+          </a:xfrm>
+          <a:prstGeom prst="rect">
+            <a:avLst/>
+          </a:prstGeom>
+          <a:solidFill>
+            <a:schemeClr val="accent5">
+              <a:lumMod val="40000"/>
+              <a:lumOff val="60000"/>
+              <a:alpha val="15000"/>
+            </a:schemeClr>
+          </a:solidFill>
+          <a:ln w="12700">
+            <a:solidFill>
+              <a:schemeClr val="accent5">
+                <a:lumMod val="60000"/>
+                <a:lumOff val="40000"/>
+              </a:schemeClr>
+            </a:solidFill>
+          </a:ln>
+        </p:spPr>
+        <p:txBody>
+          <a:bodyPr wrap="square">
+            <a:noAutofit/>
+          </a:bodyPr>
+          <a:lstStyle/>
+          <a:p>
+            <a:pPr>
+              <a:lnSpc>
+                <a:spcPct val="100000"/>
+              </a:lnSpc>
+              <a:spcBef>
+                <a:spcPts val="0"/>
+              </a:spcBef>
+              <a:buClr>
+                <a:schemeClr val="accent5">
+                  <a:lumMod val="40000"/>
+                  <a:lumOff val="60000"/>
+                </a:schemeClr>
+              </a:buClr>
+              <a:buSzPct val="70000"/>
+            </a:pPr>
+            <a:r>
+              <a:rPr lang="en-US" sz="1800" dirty="0">
+                <a:solidFill>
+                  <a:srgbClr val="8CF4F2"/>
+                </a:solidFill>
+                <a:effectLst>
+                  <a:outerShdw blurRad="38100" dist="38100" dir="2700000" algn="tl">
+                    <a:srgbClr val="000000">
+                      <a:alpha val="43137"/>
+                    </a:srgbClr>
+                  </a:outerShdw>
+                </a:effectLst>
+                <a:latin typeface="Consolas" pitchFamily="49" charset="0"/>
+                <a:cs typeface="Consolas" pitchFamily="49" charset="0"/>
+              </a:rPr>
+              <a:t>&lt;%@ </a:t>
+            </a:r>
+            <a:r>
+              <a:rPr lang="en-US" sz="1800" dirty="0" smtClean="0">
+                <a:solidFill>
+                  <a:srgbClr val="8CF4F2"/>
+                </a:solidFill>
+                <a:effectLst>
+                  <a:outerShdw blurRad="38100" dist="38100" dir="2700000" algn="tl">
+                    <a:srgbClr val="000000">
+                      <a:alpha val="43137"/>
+                    </a:srgbClr>
+                  </a:outerShdw>
+                </a:effectLst>
+                <a:latin typeface="Consolas" pitchFamily="49" charset="0"/>
+                <a:cs typeface="Consolas" pitchFamily="49" charset="0"/>
+              </a:rPr>
+              <a:t>Master </a:t>
+            </a:r>
+            <a:r>
+              <a:rPr lang="en-US" sz="1800" dirty="0">
+                <a:solidFill>
+                  <a:srgbClr val="8CF4F2"/>
+                </a:solidFill>
+                <a:effectLst>
+                  <a:outerShdw blurRad="38100" dist="38100" dir="2700000" algn="tl">
+                    <a:srgbClr val="000000">
+                      <a:alpha val="43137"/>
+                    </a:srgbClr>
+                  </a:outerShdw>
+                </a:effectLst>
+                <a:latin typeface="Consolas" pitchFamily="49" charset="0"/>
+                <a:cs typeface="Consolas" pitchFamily="49" charset="0"/>
+              </a:rPr>
+              <a:t>%&gt;</a:t>
+            </a:r>
+            <a:endParaRPr lang="bg-BG" sz="1800" dirty="0">
+              <a:solidFill>
+                <a:srgbClr val="8CF4F2"/>
+              </a:solidFill>
+              <a:effectLst>
+                <a:outerShdw blurRad="38100" dist="38100" dir="2700000" algn="tl">
+                  <a:srgbClr val="000000">
+                    <a:alpha val="43137"/>
+                  </a:srgbClr>
+                </a:outerShdw>
+              </a:effectLst>
+              <a:latin typeface="Consolas" pitchFamily="49" charset="0"/>
+              <a:cs typeface="Consolas" pitchFamily="49" charset="0"/>
+            </a:endParaRPr>
+          </a:p>
+        </p:txBody>
+      </p:sp>
+      <p:sp>
+        <p:nvSpPr>
           <p:cNvPr id="540674" name="Rectangle 2"/>
           <p:cNvSpPr>
             <a:spLocks noGrp="1" noChangeArrowheads="1"/>
@@ -28845,7 +29431,7 @@
         </p:nvSpPr>
         <p:spPr bwMode="auto">
           <a:xfrm>
-            <a:off x="327089" y="1631180"/>
+            <a:off x="327089" y="1354298"/>
             <a:ext cx="2971800" cy="501676"/>
           </a:xfrm>
           <a:prstGeom prst="rect">
@@ -28934,7 +29520,7 @@
         </p:nvSpPr>
         <p:spPr bwMode="auto">
           <a:xfrm>
-            <a:off x="4057592" y="1617650"/>
+            <a:off x="4057592" y="1340768"/>
             <a:ext cx="4834888" cy="501676"/>
           </a:xfrm>
           <a:prstGeom prst="rect">
@@ -29035,7 +29621,7 @@
       </p:sp>
       <p:sp>
         <p:nvSpPr>
-          <p:cNvPr id="540791" name="Rectangle 119"/>
+          <p:cNvPr id="540802" name="Rectangle 130"/>
           <p:cNvSpPr>
             <a:spLocks noChangeArrowheads="1"/>
           </p:cNvSpPr>
@@ -29043,8 +29629,8 @@
         </p:nvSpPr>
         <p:spPr bwMode="auto">
           <a:xfrm>
-            <a:off x="444117" y="2204864"/>
-            <a:ext cx="3623827" cy="4032448"/>
+            <a:off x="4304853" y="1855974"/>
+            <a:ext cx="4299595" cy="4730228"/>
           </a:xfrm>
           <a:prstGeom prst="rect">
             <a:avLst/>
@@ -29087,127 +29673,6 @@
               <a:buSzPct val="70000"/>
             </a:pPr>
             <a:r>
-              <a:rPr lang="en-US" sz="1800" dirty="0">
-                <a:solidFill>
-                  <a:srgbClr val="8CF4F2"/>
-                </a:solidFill>
-                <a:effectLst>
-                  <a:outerShdw blurRad="38100" dist="38100" dir="2700000" algn="tl">
-                    <a:srgbClr val="000000">
-                      <a:alpha val="43137"/>
-                    </a:srgbClr>
-                  </a:outerShdw>
-                </a:effectLst>
-                <a:latin typeface="Consolas" pitchFamily="49" charset="0"/>
-                <a:cs typeface="Consolas" pitchFamily="49" charset="0"/>
-              </a:rPr>
-              <a:t>&lt;%@ </a:t>
-            </a:r>
-            <a:r>
-              <a:rPr lang="en-US" sz="1800" dirty="0" smtClean="0">
-                <a:solidFill>
-                  <a:srgbClr val="8CF4F2"/>
-                </a:solidFill>
-                <a:effectLst>
-                  <a:outerShdw blurRad="38100" dist="38100" dir="2700000" algn="tl">
-                    <a:srgbClr val="000000">
-                      <a:alpha val="43137"/>
-                    </a:srgbClr>
-                  </a:outerShdw>
-                </a:effectLst>
-                <a:latin typeface="Consolas" pitchFamily="49" charset="0"/>
-                <a:cs typeface="Consolas" pitchFamily="49" charset="0"/>
-              </a:rPr>
-              <a:t>Master </a:t>
-            </a:r>
-            <a:r>
-              <a:rPr lang="en-US" sz="1800" dirty="0">
-                <a:solidFill>
-                  <a:srgbClr val="8CF4F2"/>
-                </a:solidFill>
-                <a:effectLst>
-                  <a:outerShdw blurRad="38100" dist="38100" dir="2700000" algn="tl">
-                    <a:srgbClr val="000000">
-                      <a:alpha val="43137"/>
-                    </a:srgbClr>
-                  </a:outerShdw>
-                </a:effectLst>
-                <a:latin typeface="Consolas" pitchFamily="49" charset="0"/>
-                <a:cs typeface="Consolas" pitchFamily="49" charset="0"/>
-              </a:rPr>
-              <a:t>%&gt;</a:t>
-            </a:r>
-            <a:endParaRPr lang="bg-BG" sz="1800" dirty="0">
-              <a:solidFill>
-                <a:srgbClr val="8CF4F2"/>
-              </a:solidFill>
-              <a:effectLst>
-                <a:outerShdw blurRad="38100" dist="38100" dir="2700000" algn="tl">
-                  <a:srgbClr val="000000">
-                    <a:alpha val="43137"/>
-                  </a:srgbClr>
-                </a:outerShdw>
-              </a:effectLst>
-              <a:latin typeface="Consolas" pitchFamily="49" charset="0"/>
-              <a:cs typeface="Consolas" pitchFamily="49" charset="0"/>
-            </a:endParaRPr>
-          </a:p>
-        </p:txBody>
-      </p:sp>
-      <p:sp>
-        <p:nvSpPr>
-          <p:cNvPr id="540802" name="Rectangle 130"/>
-          <p:cNvSpPr>
-            <a:spLocks noChangeArrowheads="1"/>
-          </p:cNvSpPr>
-          <p:nvPr/>
-        </p:nvSpPr>
-        <p:spPr bwMode="auto">
-          <a:xfrm>
-            <a:off x="4304853" y="2204864"/>
-            <a:ext cx="4299595" cy="4032448"/>
-          </a:xfrm>
-          <a:prstGeom prst="rect">
-            <a:avLst/>
-          </a:prstGeom>
-          <a:solidFill>
-            <a:schemeClr val="accent5">
-              <a:lumMod val="40000"/>
-              <a:lumOff val="60000"/>
-              <a:alpha val="15000"/>
-            </a:schemeClr>
-          </a:solidFill>
-          <a:ln w="12700">
-            <a:solidFill>
-              <a:schemeClr val="accent5">
-                <a:lumMod val="60000"/>
-                <a:lumOff val="40000"/>
-              </a:schemeClr>
-            </a:solidFill>
-          </a:ln>
-        </p:spPr>
-        <p:txBody>
-          <a:bodyPr wrap="square">
-            <a:noAutofit/>
-          </a:bodyPr>
-          <a:lstStyle/>
-          <a:p>
-            <a:pPr>
-              <a:lnSpc>
-                <a:spcPct val="100000"/>
-              </a:lnSpc>
-              <a:spcBef>
-                <a:spcPts val="0"/>
-              </a:spcBef>
-              <a:buClr>
-                <a:schemeClr val="accent5">
-                  <a:lumMod val="40000"/>
-                  <a:lumOff val="60000"/>
-                </a:schemeClr>
-              </a:buClr>
-              <a:buSzPct val="70000"/>
-            </a:pPr>
-            <a:r>
               <a:rPr lang="en-US" sz="1800" noProof="1" smtClean="0">
                 <a:solidFill>
                   <a:srgbClr val="8CF4F2"/>
@@ -29285,7 +29750,7 @@
         </p:nvSpPr>
         <p:spPr bwMode="auto">
           <a:xfrm>
-            <a:off x="4495281" y="3332018"/>
+            <a:off x="4495281" y="3645024"/>
             <a:ext cx="3893143" cy="2185214"/>
           </a:xfrm>
           <a:prstGeom prst="rect">
@@ -29579,7 +30044,7 @@
         </p:nvSpPr>
         <p:spPr bwMode="auto">
           <a:xfrm>
-            <a:off x="570225" y="3804716"/>
+            <a:off x="570225" y="3645024"/>
             <a:ext cx="3353703" cy="1631216"/>
           </a:xfrm>
           <a:prstGeom prst="rect">
@@ -29808,7 +30273,7 @@
         </p:nvSpPr>
         <p:spPr bwMode="auto">
           <a:xfrm>
-            <a:off x="1264970" y="5651956"/>
+            <a:off x="1264970" y="6021288"/>
             <a:ext cx="2016125" cy="369332"/>
           </a:xfrm>
           <a:prstGeom prst="rect">
@@ -29895,7 +30360,7 @@
         </p:nvSpPr>
         <p:spPr bwMode="auto">
           <a:xfrm>
-            <a:off x="1259632" y="2834352"/>
+            <a:off x="1259632" y="2636912"/>
             <a:ext cx="2016125" cy="369332"/>
           </a:xfrm>
           <a:prstGeom prst="rect">
@@ -29982,7 +30447,7 @@
         </p:nvSpPr>
         <p:spPr bwMode="auto">
           <a:xfrm>
-            <a:off x="1259632" y="3266400"/>
+            <a:off x="1259632" y="3068960"/>
             <a:ext cx="2016125" cy="369332"/>
           </a:xfrm>
           <a:prstGeom prst="rect">
@@ -30064,11 +30529,11 @@
   <p:clrMapOvr>
     <a:masterClrMapping/>
   </p:clrMapOvr>
-  <mc:AlternateContent xmlns:mc="http://schemas.openxmlformats.org/markup-compatibility/2006">
-    <mc:Choice xmlns="" xmlns:p14="http://schemas.microsoft.com/office/powerpoint/2010/main" Requires="p14">
+  <mc:AlternateContent xmlns:mc="http://schemas.openxmlformats.org/markup-compatibility/2006" xmlns:p14="http://schemas.microsoft.com/office/powerpoint/2010/main">
+    <mc:Choice Requires="p14">
       <p:transition spd="slow" p14:dur="2000"/>
     </mc:Choice>
-    <mc:Fallback>
+    <mc:Fallback xmlns="">
       <p:transition spd="slow"/>
     </mc:Fallback>
   </mc:AlternateContent>

--- a/2010/lectures/11. User-Controls-and-Master-Pages.pptx
+++ b/2010/lectures/11. User-Controls-and-Master-Pages.pptx
@@ -361,7 +361,7 @@
             <a:fld id="{9AF7B13A-08E7-42F5-897B-EF850FB46F71}" type="datetime1">
               <a:rPr lang="en-US"/>
               <a:pPr/>
-              <a:t>10/12/2010</a:t>
+              <a:t>12/28/2010</a:t>
             </a:fld>
             <a:endParaRPr lang="bg-BG"/>
           </a:p>
@@ -674,7 +674,7 @@
             <a:fld id="{07C29AE6-455B-4A24-87A3-4E60319EDD58}" type="datetime1">
               <a:rPr lang="en-US"/>
               <a:pPr/>
-              <a:t>10/12/2010</a:t>
+              <a:t>12/28/2010</a:t>
             </a:fld>
             <a:r>
               <a:rPr lang="en-US" dirty="0"/>
@@ -1373,7 +1373,7 @@
                 </a:solidFill>
               </a:rPr>
               <a:pPr/>
-              <a:t>10/12/2010</a:t>
+              <a:t>12/28/2010</a:t>
             </a:fld>
             <a:r>
               <a:rPr lang="en-US" sz="1100" b="0" dirty="0">
@@ -2126,7 +2126,7 @@
                 </a:solidFill>
               </a:rPr>
               <a:pPr/>
-              <a:t>10/12/2010</a:t>
+              <a:t>12/28/2010</a:t>
             </a:fld>
             <a:r>
               <a:rPr lang="en-US" sz="1100" b="0" dirty="0">
@@ -4426,7 +4426,7 @@
                 </a:solidFill>
               </a:rPr>
               <a:pPr/>
-              <a:t>10/12/2010</a:t>
+              <a:t>12/28/2010</a:t>
             </a:fld>
             <a:r>
               <a:rPr lang="en-US" sz="1100" b="0" dirty="0">
@@ -5715,7 +5715,7 @@
                   <a:spcPct val="100000"/>
                 </a:lnSpc>
               </a:pPr>
-              <a:t>10/12/2010</a:t>
+              <a:t>12/28/2010</a:t>
             </a:fld>
             <a:r>
               <a:rPr lang="en-US" sz="1100" b="0" i="1" dirty="0">
@@ -15784,15 +15784,7 @@
                   <a:srgbClr val="EBFFD2"/>
                 </a:solidFill>
               </a:rPr>
-              <a:t> </a:t>
-            </a:r>
-            <a:r>
-              <a:rPr lang="en-US" dirty="0" smtClean="0">
-                <a:solidFill>
-                  <a:srgbClr val="EBFFD2"/>
-                </a:solidFill>
-              </a:rPr>
-              <a:t>at runtime </a:t>
+              <a:t> at runtime </a:t>
             </a:r>
             <a:r>
               <a:rPr lang="en-US" dirty="0">
@@ -16341,7 +16333,19 @@
                   </a:schemeClr>
                 </a:solidFill>
               </a:rPr>
-              <a:t>Nested </a:t>
+              <a:t>Nested Master Pages </a:t>
+            </a:r>
+            <a:r>
+              <a:rPr lang="en-US" sz="2800" dirty="0"/>
+              <a:t>allow </a:t>
+            </a:r>
+            <a:r>
+              <a:rPr lang="en-US" sz="2800" dirty="0" smtClean="0"/>
+              <a:t>creating </a:t>
+            </a:r>
+            <a:r>
+              <a:rPr lang="en-US" sz="2800" dirty="0"/>
+              <a:t>componentized </a:t>
             </a:r>
             <a:r>
               <a:rPr lang="en-US" sz="2800" dirty="0" smtClean="0">
@@ -16352,19 +16356,11 @@
                   </a:schemeClr>
                 </a:solidFill>
               </a:rPr>
-              <a:t>Master Pages </a:t>
-            </a:r>
-            <a:r>
-              <a:rPr lang="en-US" sz="2800" dirty="0"/>
-              <a:t>allow </a:t>
+              <a:t>Master</a:t>
             </a:r>
             <a:r>
               <a:rPr lang="en-US" sz="2800" dirty="0" smtClean="0"/>
-              <a:t>creating </a:t>
-            </a:r>
-            <a:r>
-              <a:rPr lang="en-US" sz="2800" dirty="0"/>
-              <a:t>componentized </a:t>
+              <a:t> </a:t>
             </a:r>
             <a:r>
               <a:rPr lang="en-US" sz="2800" dirty="0" smtClean="0">
@@ -16375,31 +16371,8 @@
                   </a:schemeClr>
                 </a:solidFill>
               </a:rPr>
-              <a:t>Master</a:t>
-            </a:r>
-            <a:r>
-              <a:rPr lang="en-US" sz="2800" dirty="0" smtClean="0"/>
-              <a:t> </a:t>
-            </a:r>
-            <a:r>
-              <a:rPr lang="en-US" sz="2800" dirty="0" smtClean="0">
-                <a:solidFill>
-                  <a:schemeClr val="accent5">
-                    <a:lumMod val="20000"/>
-                    <a:lumOff val="80000"/>
-                  </a:schemeClr>
-                </a:solidFill>
-              </a:rPr>
               <a:t>Pages</a:t>
             </a:r>
-            <a:endParaRPr lang="en-US" sz="2800" dirty="0" smtClean="0">
-              <a:solidFill>
-                <a:schemeClr val="accent5">
-                  <a:lumMod val="20000"/>
-                  <a:lumOff val="80000"/>
-                </a:schemeClr>
-              </a:solidFill>
-            </a:endParaRPr>
           </a:p>
           <a:p>
             <a:pPr lvl="1">
@@ -16512,41 +16485,7 @@
                 <a:latin typeface="Consolas" pitchFamily="49" charset="0"/>
                 <a:cs typeface="Consolas" pitchFamily="49" charset="0"/>
               </a:rPr>
-              <a:t>&lt;% </a:t>
-            </a:r>
-            <a:r>
-              <a:rPr lang="en-US" sz="2000" noProof="1" smtClean="0">
-                <a:solidFill>
-                  <a:srgbClr val="8CF4F2"/>
-                </a:solidFill>
-                <a:effectLst>
-                  <a:outerShdw blurRad="38100" dist="38100" dir="2700000" algn="tl">
-                    <a:srgbClr val="000000">
-                      <a:alpha val="43137"/>
-                    </a:srgbClr>
-                  </a:outerShdw>
-                </a:effectLst>
-                <a:latin typeface="Consolas" pitchFamily="49" charset="0"/>
-                <a:cs typeface="Consolas" pitchFamily="49" charset="0"/>
-              </a:rPr>
-              <a:t>@Master </a:t>
-            </a:r>
-            <a:r>
-              <a:rPr lang="en-US" sz="2000" noProof="1" smtClean="0">
-                <a:solidFill>
-                  <a:srgbClr val="8CF4F2"/>
-                </a:solidFill>
-                <a:effectLst>
-                  <a:outerShdw blurRad="38100" dist="38100" dir="2700000" algn="tl">
-                    <a:srgbClr val="000000">
-                      <a:alpha val="43137"/>
-                    </a:srgbClr>
-                  </a:outerShdw>
-                </a:effectLst>
-                <a:latin typeface="Consolas" pitchFamily="49" charset="0"/>
-                <a:cs typeface="Consolas" pitchFamily="49" charset="0"/>
-              </a:rPr>
-              <a:t>Language="C#" %&gt;    </a:t>
+              <a:t>&lt;% @Master Language="C#" %&gt;    </a:t>
             </a:r>
             <a:r>
               <a:rPr lang="en-US" sz="2000" noProof="1" smtClean="0">
@@ -16687,24 +16626,7 @@
                 <a:latin typeface="Consolas" pitchFamily="49" charset="0"/>
                 <a:cs typeface="Consolas" pitchFamily="49" charset="0"/>
               </a:rPr>
-              <a:t>&lt;% @Master </a:t>
-            </a:r>
-            <a:r>
-              <a:rPr lang="en-US" sz="2000" noProof="1" smtClean="0">
-                <a:solidFill>
-                  <a:srgbClr val="8CF4F2"/>
-                </a:solidFill>
-                <a:effectLst>
-                  <a:outerShdw blurRad="38100" dist="38100" dir="2700000" algn="tl">
-                    <a:srgbClr val="000000">
-                      <a:alpha val="43137"/>
-                    </a:srgbClr>
-                  </a:outerShdw>
-                </a:effectLst>
-                <a:latin typeface="Consolas" pitchFamily="49" charset="0"/>
-                <a:cs typeface="Consolas" pitchFamily="49" charset="0"/>
-              </a:rPr>
-              <a:t>Language="C#" MasterPageFile="~/Parent.master"%&gt; </a:t>
+              <a:t>&lt;% @Master Language="C#" MasterPageFile="~/Parent.master"%&gt; </a:t>
             </a:r>
           </a:p>
           <a:p>
@@ -20719,8 +20641,8 @@
         </p:nvSpPr>
         <p:spPr bwMode="auto">
           <a:xfrm>
-            <a:off x="827584" y="1866304"/>
-            <a:ext cx="7445968" cy="4154984"/>
+            <a:off x="640704" y="1866304"/>
+            <a:ext cx="7819728" cy="4154984"/>
           </a:xfrm>
           <a:prstGeom prst="rect">
             <a:avLst/>
@@ -20854,8 +20776,73 @@
                 <a:latin typeface="Consolas" pitchFamily="49" charset="0"/>
                 <a:cs typeface="Consolas" pitchFamily="49" charset="0"/>
               </a:rPr>
-              <a:t>    url="~/Default.aspx"&gt;</a:t>
-            </a:r>
+              <a:t>   </a:t>
+            </a:r>
+            <a:r>
+              <a:rPr lang="en-US" sz="2200" noProof="1" smtClean="0">
+                <a:solidFill>
+                  <a:srgbClr val="8CF4F2"/>
+                </a:solidFill>
+                <a:effectLst>
+                  <a:outerShdw blurRad="38100" dist="38100" dir="2700000" algn="tl">
+                    <a:srgbClr val="000000">
+                      <a:alpha val="43137"/>
+                    </a:srgbClr>
+                  </a:outerShdw>
+                </a:effectLst>
+                <a:latin typeface="Consolas" pitchFamily="49" charset="0"/>
+                <a:cs typeface="Consolas" pitchFamily="49" charset="0"/>
+              </a:rPr>
+              <a:t>url</a:t>
+            </a:r>
+            <a:r>
+              <a:rPr lang="en-US" sz="2200" noProof="1" smtClean="0">
+                <a:solidFill>
+                  <a:srgbClr val="8CF4F2"/>
+                </a:solidFill>
+                <a:effectLst>
+                  <a:outerShdw blurRad="38100" dist="38100" dir="2700000" algn="tl">
+                    <a:srgbClr val="000000">
+                      <a:alpha val="43137"/>
+                    </a:srgbClr>
+                  </a:outerShdw>
+                </a:effectLst>
+                <a:latin typeface="Consolas" pitchFamily="49" charset="0"/>
+                <a:cs typeface="Consolas" pitchFamily="49" charset="0"/>
+              </a:rPr>
+              <a:t>="~/Default.aspx</a:t>
+            </a:r>
+            <a:r>
+              <a:rPr lang="en-US" sz="2200" noProof="1" smtClean="0">
+                <a:solidFill>
+                  <a:srgbClr val="8CF4F2"/>
+                </a:solidFill>
+                <a:effectLst>
+                  <a:outerShdw blurRad="38100" dist="38100" dir="2700000" algn="tl">
+                    <a:srgbClr val="000000">
+                      <a:alpha val="43137"/>
+                    </a:srgbClr>
+                  </a:outerShdw>
+                </a:effectLst>
+                <a:latin typeface="Consolas" pitchFamily="49" charset="0"/>
+                <a:cs typeface="Consolas" pitchFamily="49" charset="0"/>
+              </a:rPr>
+              <a:t>" /&gt;</a:t>
+            </a:r>
+            <a:endParaRPr lang="en-US" sz="2200" noProof="1" smtClean="0">
+              <a:solidFill>
+                <a:srgbClr val="8CF4F2"/>
+              </a:solidFill>
+              <a:effectLst>
+                <a:outerShdw blurRad="38100" dist="38100" dir="2700000" algn="tl">
+                  <a:srgbClr val="000000">
+                    <a:alpha val="43137"/>
+                  </a:srgbClr>
+                </a:outerShdw>
+              </a:effectLst>
+              <a:latin typeface="Consolas" pitchFamily="49" charset="0"/>
+              <a:cs typeface="Consolas" pitchFamily="49" charset="0"/>
+            </a:endParaRPr>
           </a:p>
           <a:p>
             <a:pPr>
@@ -20891,7 +20878,41 @@
                 <a:latin typeface="Consolas" pitchFamily="49" charset="0"/>
                 <a:cs typeface="Consolas" pitchFamily="49" charset="0"/>
               </a:rPr>
-              <a:t>  &lt;siteMapNode title="Products" description=</a:t>
+              <a:t>  </a:t>
+            </a:r>
+            <a:r>
+              <a:rPr lang="en-US" sz="2200" noProof="1" smtClean="0">
+                <a:solidFill>
+                  <a:srgbClr val="8CF4F2"/>
+                </a:solidFill>
+                <a:effectLst>
+                  <a:outerShdw blurRad="38100" dist="38100" dir="2700000" algn="tl">
+                    <a:srgbClr val="000000">
+                      <a:alpha val="43137"/>
+                    </a:srgbClr>
+                  </a:outerShdw>
+                </a:effectLst>
+                <a:latin typeface="Consolas" pitchFamily="49" charset="0"/>
+                <a:cs typeface="Consolas" pitchFamily="49" charset="0"/>
+              </a:rPr>
+              <a:t>&lt;siteMapNode </a:t>
+            </a:r>
+            <a:r>
+              <a:rPr lang="en-US" sz="2200" noProof="1" smtClean="0">
+                <a:solidFill>
+                  <a:srgbClr val="8CF4F2"/>
+                </a:solidFill>
+                <a:effectLst>
+                  <a:outerShdw blurRad="38100" dist="38100" dir="2700000" algn="tl">
+                    <a:srgbClr val="000000">
+                      <a:alpha val="43137"/>
+                    </a:srgbClr>
+                  </a:outerShdw>
+                </a:effectLst>
+                <a:latin typeface="Consolas" pitchFamily="49" charset="0"/>
+                <a:cs typeface="Consolas" pitchFamily="49" charset="0"/>
+              </a:rPr>
+              <a:t>title="Products" description=</a:t>
             </a:r>
           </a:p>
           <a:p>
@@ -20928,7 +20949,41 @@
                 <a:latin typeface="Consolas" pitchFamily="49" charset="0"/>
                 <a:cs typeface="Consolas" pitchFamily="49" charset="0"/>
               </a:rPr>
-              <a:t>    "Our products" url="~/Products.aspx"&gt;</a:t>
+              <a:t>   </a:t>
+            </a:r>
+            <a:r>
+              <a:rPr lang="en-US" sz="2200" noProof="1" smtClean="0">
+                <a:solidFill>
+                  <a:srgbClr val="8CF4F2"/>
+                </a:solidFill>
+                <a:effectLst>
+                  <a:outerShdw blurRad="38100" dist="38100" dir="2700000" algn="tl">
+                    <a:srgbClr val="000000">
+                      <a:alpha val="43137"/>
+                    </a:srgbClr>
+                  </a:outerShdw>
+                </a:effectLst>
+                <a:latin typeface="Consolas" pitchFamily="49" charset="0"/>
+                <a:cs typeface="Consolas" pitchFamily="49" charset="0"/>
+              </a:rPr>
+              <a:t>"</a:t>
+            </a:r>
+            <a:r>
+              <a:rPr lang="en-US" sz="2200" noProof="1" smtClean="0">
+                <a:solidFill>
+                  <a:srgbClr val="8CF4F2"/>
+                </a:solidFill>
+                <a:effectLst>
+                  <a:outerShdw blurRad="38100" dist="38100" dir="2700000" algn="tl">
+                    <a:srgbClr val="000000">
+                      <a:alpha val="43137"/>
+                    </a:srgbClr>
+                  </a:outerShdw>
+                </a:effectLst>
+                <a:latin typeface="Consolas" pitchFamily="49" charset="0"/>
+                <a:cs typeface="Consolas" pitchFamily="49" charset="0"/>
+              </a:rPr>
+              <a:t>Our products" url="~/Products.aspx"&gt;</a:t>
             </a:r>
           </a:p>
           <a:p>
@@ -20965,7 +21020,41 @@
                 <a:latin typeface="Consolas" pitchFamily="49" charset="0"/>
                 <a:cs typeface="Consolas" pitchFamily="49" charset="0"/>
               </a:rPr>
-              <a:t>  &lt;siteMapNode title="Hardware" description=</a:t>
+              <a:t>  </a:t>
+            </a:r>
+            <a:r>
+              <a:rPr lang="en-US" sz="2200" noProof="1" smtClean="0">
+                <a:solidFill>
+                  <a:srgbClr val="8CF4F2"/>
+                </a:solidFill>
+                <a:effectLst>
+                  <a:outerShdw blurRad="38100" dist="38100" dir="2700000" algn="tl">
+                    <a:srgbClr val="000000">
+                      <a:alpha val="43137"/>
+                    </a:srgbClr>
+                  </a:outerShdw>
+                </a:effectLst>
+                <a:latin typeface="Consolas" pitchFamily="49" charset="0"/>
+                <a:cs typeface="Consolas" pitchFamily="49" charset="0"/>
+              </a:rPr>
+              <a:t>  &lt;</a:t>
+            </a:r>
+            <a:r>
+              <a:rPr lang="en-US" sz="2200" noProof="1" smtClean="0">
+                <a:solidFill>
+                  <a:srgbClr val="8CF4F2"/>
+                </a:solidFill>
+                <a:effectLst>
+                  <a:outerShdw blurRad="38100" dist="38100" dir="2700000" algn="tl">
+                    <a:srgbClr val="000000">
+                      <a:alpha val="43137"/>
+                    </a:srgbClr>
+                  </a:outerShdw>
+                </a:effectLst>
+                <a:latin typeface="Consolas" pitchFamily="49" charset="0"/>
+                <a:cs typeface="Consolas" pitchFamily="49" charset="0"/>
+              </a:rPr>
+              <a:t>siteMapNode title="Hardware" description=</a:t>
             </a:r>
           </a:p>
           <a:p>
@@ -21002,7 +21091,41 @@
                 <a:latin typeface="Consolas" pitchFamily="49" charset="0"/>
                 <a:cs typeface="Consolas" pitchFamily="49" charset="0"/>
               </a:rPr>
-              <a:t>    "Hardwarechoices" url="~/Hardware.aspx" /&gt;</a:t>
+              <a:t>    </a:t>
+            </a:r>
+            <a:r>
+              <a:rPr lang="en-US" sz="2200" noProof="1" smtClean="0">
+                <a:solidFill>
+                  <a:srgbClr val="8CF4F2"/>
+                </a:solidFill>
+                <a:effectLst>
+                  <a:outerShdw blurRad="38100" dist="38100" dir="2700000" algn="tl">
+                    <a:srgbClr val="000000">
+                      <a:alpha val="43137"/>
+                    </a:srgbClr>
+                  </a:outerShdw>
+                </a:effectLst>
+                <a:latin typeface="Consolas" pitchFamily="49" charset="0"/>
+                <a:cs typeface="Consolas" pitchFamily="49" charset="0"/>
+              </a:rPr>
+              <a:t> "</a:t>
+            </a:r>
+            <a:r>
+              <a:rPr lang="en-US" sz="2200" noProof="1" smtClean="0">
+                <a:solidFill>
+                  <a:srgbClr val="8CF4F2"/>
+                </a:solidFill>
+                <a:effectLst>
+                  <a:outerShdw blurRad="38100" dist="38100" dir="2700000" algn="tl">
+                    <a:srgbClr val="000000">
+                      <a:alpha val="43137"/>
+                    </a:srgbClr>
+                  </a:outerShdw>
+                </a:effectLst>
+                <a:latin typeface="Consolas" pitchFamily="49" charset="0"/>
+                <a:cs typeface="Consolas" pitchFamily="49" charset="0"/>
+              </a:rPr>
+              <a:t>Hardwarechoices" url="~/Hardware.aspx" /&gt;</a:t>
             </a:r>
           </a:p>
           <a:p>
@@ -21039,7 +21162,41 @@
                 <a:latin typeface="Consolas" pitchFamily="49" charset="0"/>
                 <a:cs typeface="Consolas" pitchFamily="49" charset="0"/>
               </a:rPr>
-              <a:t>  &lt;siteMapNode title="Software" description=</a:t>
+              <a:t>  </a:t>
+            </a:r>
+            <a:r>
+              <a:rPr lang="en-US" sz="2200" noProof="1" smtClean="0">
+                <a:solidFill>
+                  <a:srgbClr val="8CF4F2"/>
+                </a:solidFill>
+                <a:effectLst>
+                  <a:outerShdw blurRad="38100" dist="38100" dir="2700000" algn="tl">
+                    <a:srgbClr val="000000">
+                      <a:alpha val="43137"/>
+                    </a:srgbClr>
+                  </a:outerShdw>
+                </a:effectLst>
+                <a:latin typeface="Consolas" pitchFamily="49" charset="0"/>
+                <a:cs typeface="Consolas" pitchFamily="49" charset="0"/>
+              </a:rPr>
+              <a:t>  &lt;</a:t>
+            </a:r>
+            <a:r>
+              <a:rPr lang="en-US" sz="2200" noProof="1" smtClean="0">
+                <a:solidFill>
+                  <a:srgbClr val="8CF4F2"/>
+                </a:solidFill>
+                <a:effectLst>
+                  <a:outerShdw blurRad="38100" dist="38100" dir="2700000" algn="tl">
+                    <a:srgbClr val="000000">
+                      <a:alpha val="43137"/>
+                    </a:srgbClr>
+                  </a:outerShdw>
+                </a:effectLst>
+                <a:latin typeface="Consolas" pitchFamily="49" charset="0"/>
+                <a:cs typeface="Consolas" pitchFamily="49" charset="0"/>
+              </a:rPr>
+              <a:t>siteMapNode title="Software" description=</a:t>
             </a:r>
           </a:p>
           <a:p>
@@ -21093,7 +21250,41 @@
                 <a:latin typeface="Consolas" pitchFamily="49" charset="0"/>
                 <a:cs typeface="Consolas" pitchFamily="49" charset="0"/>
               </a:rPr>
-              <a:t>   "Software choices" url="~/Software.aspx" /&gt; </a:t>
+              <a:t>   </a:t>
+            </a:r>
+            <a:r>
+              <a:rPr lang="en-US" sz="2200" noProof="1" smtClean="0">
+                <a:solidFill>
+                  <a:srgbClr val="8CF4F2"/>
+                </a:solidFill>
+                <a:effectLst>
+                  <a:outerShdw blurRad="38100" dist="38100" dir="2700000" algn="tl">
+                    <a:srgbClr val="000000">
+                      <a:alpha val="43137"/>
+                    </a:srgbClr>
+                  </a:outerShdw>
+                </a:effectLst>
+                <a:latin typeface="Consolas" pitchFamily="49" charset="0"/>
+                <a:cs typeface="Consolas" pitchFamily="49" charset="0"/>
+              </a:rPr>
+              <a:t> "</a:t>
+            </a:r>
+            <a:r>
+              <a:rPr lang="en-US" sz="2200" noProof="1" smtClean="0">
+                <a:solidFill>
+                  <a:srgbClr val="8CF4F2"/>
+                </a:solidFill>
+                <a:effectLst>
+                  <a:outerShdw blurRad="38100" dist="38100" dir="2700000" algn="tl">
+                    <a:srgbClr val="000000">
+                      <a:alpha val="43137"/>
+                    </a:srgbClr>
+                  </a:outerShdw>
+                </a:effectLst>
+                <a:latin typeface="Consolas" pitchFamily="49" charset="0"/>
+                <a:cs typeface="Consolas" pitchFamily="49" charset="0"/>
+              </a:rPr>
+              <a:t>Software choices" url="~/Software.aspx" /&gt; </a:t>
             </a:r>
           </a:p>
           <a:p>
@@ -22058,7 +22249,7 @@
           <a:graphicData uri="http://schemas.openxmlformats.org/presentationml/2006/ole">
             <mc:AlternateContent xmlns:mc="http://schemas.openxmlformats.org/markup-compatibility/2006">
               <mc:Choice xmlns:v="urn:schemas-microsoft-com:vml" Requires="v">
-                <p:oleObj spid="_x0000_s112738" name="Visio" r:id="rId4" imgW="7819200" imgH="3590098" progId="Visio.Drawing.11">
+                <p:oleObj spid="_x0000_s112752" name="Visio" r:id="rId4" imgW="7819200" imgH="3590098" progId="Visio.Drawing.11">
                   <p:embed/>
                 </p:oleObj>
               </mc:Choice>
@@ -22643,7 +22834,15 @@
             </a:r>
             <a:r>
               <a:rPr lang="en-US" dirty="0" smtClean="0"/>
-              <a:t> – all of the menu is visible</a:t>
+              <a:t> – all of the </a:t>
+            </a:r>
+            <a:r>
+              <a:rPr lang="en-US" dirty="0" smtClean="0"/>
+              <a:t>menu nodes are </a:t>
+            </a:r>
+            <a:r>
+              <a:rPr lang="en-US" dirty="0" smtClean="0"/>
+              <a:t>visible</a:t>
             </a:r>
             <a:r>
               <a:rPr lang="bg-BG" dirty="0" smtClean="0"/>
@@ -22672,7 +22871,15 @@
             </a:r>
             <a:r>
               <a:rPr lang="en-US" dirty="0" smtClean="0"/>
-              <a:t> – visible only when the mouse pointer is over some of the </a:t>
+              <a:t> – </a:t>
+            </a:r>
+            <a:r>
+              <a:rPr lang="en-US" dirty="0" smtClean="0"/>
+              <a:t>the menu nodes are visible </a:t>
+            </a:r>
+            <a:r>
+              <a:rPr lang="en-US" dirty="0" smtClean="0"/>
+              <a:t>only when the mouse pointer is over some of the </a:t>
             </a:r>
             <a:r>
               <a:rPr lang="bg-BG" dirty="0" smtClean="0"/>
@@ -24722,8 +24929,8 @@
         </p:nvGrpSpPr>
         <p:grpSpPr bwMode="auto">
           <a:xfrm>
-            <a:off x="2127250" y="1052513"/>
-            <a:ext cx="6261100" cy="5426075"/>
+            <a:off x="2029970" y="1052514"/>
+            <a:ext cx="6358454" cy="5426074"/>
             <a:chOff x="1113" y="709"/>
             <a:chExt cx="3944" cy="3418"/>
           </a:xfrm>
@@ -24909,8 +25116,8 @@
         </p:nvGrpSpPr>
         <p:grpSpPr bwMode="auto">
           <a:xfrm>
-            <a:off x="611560" y="1052513"/>
-            <a:ext cx="6409382" cy="5427662"/>
+            <a:off x="604072" y="1050926"/>
+            <a:ext cx="6488877" cy="5427662"/>
             <a:chOff x="226" y="709"/>
             <a:chExt cx="4021" cy="3418"/>
           </a:xfrm>
@@ -25201,8 +25408,8 @@
         </p:nvGrpSpPr>
         <p:grpSpPr bwMode="auto">
           <a:xfrm>
-            <a:off x="2028606" y="1052513"/>
-            <a:ext cx="6275607" cy="5426075"/>
+            <a:off x="2054943" y="1062138"/>
+            <a:ext cx="6261473" cy="5416449"/>
             <a:chOff x="1113" y="709"/>
             <a:chExt cx="3893" cy="3418"/>
           </a:xfrm>
@@ -25484,8 +25691,8 @@
         </p:nvGrpSpPr>
         <p:grpSpPr bwMode="auto">
           <a:xfrm>
-            <a:off x="2028455" y="1054100"/>
-            <a:ext cx="6225628" cy="5543550"/>
+            <a:off x="2029970" y="1062138"/>
+            <a:ext cx="6142430" cy="5535214"/>
             <a:chOff x="724" y="562"/>
             <a:chExt cx="3970" cy="3492"/>
           </a:xfrm>
@@ -26033,7 +26240,7 @@
           <a:p>
             <a:pPr>
               <a:lnSpc>
-                <a:spcPct val="100000"/>
+                <a:spcPct val="90000"/>
               </a:lnSpc>
             </a:pPr>
             <a:r>
@@ -26052,7 +26259,7 @@
           <a:p>
             <a:pPr lvl="1">
               <a:lnSpc>
-                <a:spcPct val="100000"/>
+                <a:spcPct val="90000"/>
               </a:lnSpc>
             </a:pPr>
             <a:r>
@@ -26063,7 +26270,7 @@
           <a:p>
             <a:pPr lvl="1">
               <a:lnSpc>
-                <a:spcPct val="100000"/>
+                <a:spcPct val="90000"/>
               </a:lnSpc>
             </a:pPr>
             <a:endParaRPr lang="en-US" dirty="0"/>
@@ -26071,7 +26278,7 @@
           <a:p>
             <a:pPr>
               <a:lnSpc>
-                <a:spcPct val="100000"/>
+                <a:spcPct val="90000"/>
               </a:lnSpc>
               <a:spcBef>
                 <a:spcPts val="1800"/>
@@ -26083,7 +26290,24 @@
             </a:r>
             <a:r>
               <a:rPr lang="en-US" dirty="0" smtClean="0"/>
-              <a:t>for ASP.NET page using [Tools] </a:t>
+              <a:t>for ASP.NET page using </a:t>
+            </a:r>
+            <a:r>
+              <a:rPr lang="en-US" dirty="0" smtClean="0">
+                <a:solidFill>
+                  <a:schemeClr val="accent5">
+                    <a:lumMod val="20000"/>
+                    <a:lumOff val="80000"/>
+                  </a:schemeClr>
+                </a:solidFill>
+                <a:latin typeface="Consolas" pitchFamily="49" charset="0"/>
+                <a:cs typeface="Consolas" pitchFamily="49" charset="0"/>
+              </a:rPr>
+              <a:t>[Tools]</a:t>
+            </a:r>
+            <a:r>
+              <a:rPr lang="en-US" dirty="0" smtClean="0"/>
+              <a:t> </a:t>
             </a:r>
             <a:r>
               <a:rPr lang="en-US" dirty="0">
@@ -26093,30 +26317,62 @@
             </a:r>
             <a:r>
               <a:rPr lang="en-US" dirty="0" smtClean="0">
+                <a:solidFill>
+                  <a:schemeClr val="accent5">
+                    <a:lumMod val="20000"/>
+                    <a:lumOff val="80000"/>
+                  </a:schemeClr>
+                </a:solidFill>
+                <a:latin typeface="Consolas" pitchFamily="49" charset="0"/>
+                <a:cs typeface="Consolas" pitchFamily="49" charset="0"/>
                 <a:sym typeface="Wingdings" pitchFamily="2" charset="2"/>
               </a:rPr>
               <a:t>[Generate </a:t>
             </a:r>
             <a:r>
               <a:rPr lang="en-US" dirty="0">
+                <a:solidFill>
+                  <a:schemeClr val="accent5">
+                    <a:lumMod val="20000"/>
+                    <a:lumOff val="80000"/>
+                  </a:schemeClr>
+                </a:solidFill>
+                <a:latin typeface="Consolas" pitchFamily="49" charset="0"/>
+                <a:cs typeface="Consolas" pitchFamily="49" charset="0"/>
                 <a:sym typeface="Wingdings" pitchFamily="2" charset="2"/>
               </a:rPr>
               <a:t>Local </a:t>
             </a:r>
             <a:r>
               <a:rPr lang="en-US" dirty="0" smtClean="0">
+                <a:solidFill>
+                  <a:schemeClr val="accent5">
+                    <a:lumMod val="20000"/>
+                    <a:lumOff val="80000"/>
+                  </a:schemeClr>
+                </a:solidFill>
+                <a:latin typeface="Consolas" pitchFamily="49" charset="0"/>
+                <a:cs typeface="Consolas" pitchFamily="49" charset="0"/>
                 <a:sym typeface="Wingdings" pitchFamily="2" charset="2"/>
               </a:rPr>
               <a:t>Resource]</a:t>
             </a:r>
             <a:endParaRPr lang="en-US" dirty="0">
+              <a:solidFill>
+                <a:schemeClr val="accent5">
+                  <a:lumMod val="20000"/>
+                  <a:lumOff val="80000"/>
+                </a:schemeClr>
+              </a:solidFill>
+              <a:latin typeface="Consolas" pitchFamily="49" charset="0"/>
+              <a:cs typeface="Consolas" pitchFamily="49" charset="0"/>
               <a:sym typeface="Wingdings" pitchFamily="2" charset="2"/>
             </a:endParaRPr>
           </a:p>
           <a:p>
             <a:pPr>
               <a:lnSpc>
-                <a:spcPct val="100000"/>
+                <a:spcPct val="90000"/>
               </a:lnSpc>
             </a:pPr>
             <a:r>
@@ -26139,7 +26395,7 @@
         </p:nvSpPr>
         <p:spPr bwMode="auto">
           <a:xfrm>
-            <a:off x="467544" y="3717032"/>
+            <a:off x="467544" y="3441194"/>
             <a:ext cx="8208912" cy="707886"/>
           </a:xfrm>
           <a:prstGeom prst="rect">
@@ -28365,13 +28621,8 @@
             </a:pPr>
             <a:r>
               <a:rPr lang="en-US" dirty="0" smtClean="0"/>
-              <a:t>Can be set either at the design or </a:t>
-            </a:r>
-            <a:r>
-              <a:rPr lang="en-US" dirty="0" smtClean="0"/>
-              <a:t>programmatically</a:t>
-            </a:r>
-            <a:endParaRPr lang="en-US" dirty="0" smtClean="0"/>
+              <a:t>Can be set either at the design or programmatically</a:t>
+            </a:r>
           </a:p>
         </p:txBody>
       </p:sp>
@@ -28475,11 +28726,7 @@
             </a:r>
             <a:r>
               <a:rPr lang="en-US" dirty="0" smtClean="0"/>
-              <a:t> </a:t>
-            </a:r>
-            <a:r>
-              <a:rPr lang="en-US" dirty="0" smtClean="0"/>
-              <a:t>start with the </a:t>
+              <a:t> start with the </a:t>
             </a:r>
             <a:r>
               <a:rPr kumimoji="0" lang="en-US" dirty="0" smtClean="0">
@@ -28928,18 +29175,7 @@
                   </a:schemeClr>
                 </a:solidFill>
               </a:rPr>
-              <a:t>Content </a:t>
-            </a:r>
-            <a:r>
-              <a:rPr lang="en-US" sz="3000" dirty="0" smtClean="0">
-                <a:solidFill>
-                  <a:schemeClr val="accent5">
-                    <a:lumMod val="20000"/>
-                    <a:lumOff val="80000"/>
-                  </a:schemeClr>
-                </a:solidFill>
-              </a:rPr>
-              <a:t>Pages </a:t>
+              <a:t>Content Pages </a:t>
             </a:r>
             <a:r>
               <a:rPr lang="en-US" sz="3000" dirty="0" smtClean="0"/>
@@ -29192,26 +29428,11 @@
                   </a:schemeClr>
                 </a:solidFill>
               </a:rPr>
-              <a:t>Master </a:t>
-            </a:r>
-            <a:r>
-              <a:rPr lang="en-US" dirty="0" smtClean="0">
-                <a:solidFill>
-                  <a:schemeClr val="accent5">
-                    <a:lumMod val="20000"/>
-                    <a:lumOff val="80000"/>
-                  </a:schemeClr>
-                </a:solidFill>
-              </a:rPr>
-              <a:t>Page</a:t>
+              <a:t>Master Page</a:t>
             </a:r>
             <a:r>
               <a:rPr lang="en-US" dirty="0" smtClean="0"/>
-              <a:t> </a:t>
-            </a:r>
-            <a:r>
-              <a:rPr lang="en-US" dirty="0" smtClean="0"/>
-              <a:t>which content we want to replace</a:t>
+              <a:t> which content we want to replace</a:t>
             </a:r>
             <a:endParaRPr lang="bg-BG" dirty="0" smtClean="0"/>
           </a:p>

--- a/2010/lectures/11. User-Controls-and-Master-Pages.pptx
+++ b/2010/lectures/11. User-Controls-and-Master-Pages.pptx
@@ -361,7 +361,7 @@
             <a:fld id="{9AF7B13A-08E7-42F5-897B-EF850FB46F71}" type="datetime1">
               <a:rPr lang="en-US"/>
               <a:pPr/>
-              <a:t>12/28/2010</a:t>
+              <a:t>07-Jan-11</a:t>
             </a:fld>
             <a:endParaRPr lang="bg-BG"/>
           </a:p>
@@ -674,7 +674,7 @@
             <a:fld id="{07C29AE6-455B-4A24-87A3-4E60319EDD58}" type="datetime1">
               <a:rPr lang="en-US"/>
               <a:pPr/>
-              <a:t>12/28/2010</a:t>
+              <a:t>07-Jan-11</a:t>
             </a:fld>
             <a:r>
               <a:rPr lang="en-US" dirty="0"/>
@@ -1373,7 +1373,7 @@
                 </a:solidFill>
               </a:rPr>
               <a:pPr/>
-              <a:t>12/28/2010</a:t>
+              <a:t>07-Jan-11</a:t>
             </a:fld>
             <a:r>
               <a:rPr lang="en-US" sz="1100" b="0" dirty="0">
@@ -2126,7 +2126,7 @@
                 </a:solidFill>
               </a:rPr>
               <a:pPr/>
-              <a:t>12/28/2010</a:t>
+              <a:t>07-Jan-11</a:t>
             </a:fld>
             <a:r>
               <a:rPr lang="en-US" sz="1100" b="0" dirty="0">
@@ -4426,7 +4426,7 @@
                 </a:solidFill>
               </a:rPr>
               <a:pPr/>
-              <a:t>12/28/2010</a:t>
+              <a:t>07-Jan-11</a:t>
             </a:fld>
             <a:r>
               <a:rPr lang="en-US" sz="1100" b="0" dirty="0">
@@ -5715,7 +5715,7 @@
                   <a:spcPct val="100000"/>
                 </a:lnSpc>
               </a:pPr>
-              <a:t>12/28/2010</a:t>
+              <a:t>07-Jan-11</a:t>
             </a:fld>
             <a:r>
               <a:rPr lang="en-US" sz="1100" b="0" i="1" dirty="0">
@@ -17973,7 +17973,7 @@
                     <a:lumOff val="80000"/>
                   </a:schemeClr>
                 </a:solidFill>
-                <a:latin typeface="Consolas" pitchFamily="49" charset="0"/>
+                <a:latin typeface="+mj-lt"/>
                 <a:cs typeface="Consolas" pitchFamily="49" charset="0"/>
               </a:rPr>
               <a:t> </a:t>
@@ -19741,7 +19741,7 @@
         </p:nvSpPr>
         <p:spPr>
           <a:xfrm>
-            <a:off x="2116138" y="2276872"/>
+            <a:off x="2116138" y="1772816"/>
             <a:ext cx="4968875" cy="736600"/>
           </a:xfrm>
         </p:spPr>
@@ -19849,7 +19849,7 @@
         </p:blipFill>
         <p:spPr bwMode="auto">
           <a:xfrm rot="19235439">
-            <a:off x="4536453" y="4061011"/>
+            <a:off x="4536453" y="3862908"/>
             <a:ext cx="4031140" cy="1104900"/>
           </a:xfrm>
           <a:prstGeom prst="roundRect">
@@ -20810,39 +20810,8 @@
                 <a:latin typeface="Consolas" pitchFamily="49" charset="0"/>
                 <a:cs typeface="Consolas" pitchFamily="49" charset="0"/>
               </a:rPr>
-              <a:t>="~/Default.aspx</a:t>
-            </a:r>
-            <a:r>
-              <a:rPr lang="en-US" sz="2200" noProof="1" smtClean="0">
-                <a:solidFill>
-                  <a:srgbClr val="8CF4F2"/>
-                </a:solidFill>
-                <a:effectLst>
-                  <a:outerShdw blurRad="38100" dist="38100" dir="2700000" algn="tl">
-                    <a:srgbClr val="000000">
-                      <a:alpha val="43137"/>
-                    </a:srgbClr>
-                  </a:outerShdw>
-                </a:effectLst>
-                <a:latin typeface="Consolas" pitchFamily="49" charset="0"/>
-                <a:cs typeface="Consolas" pitchFamily="49" charset="0"/>
-              </a:rPr>
-              <a:t>" /&gt;</a:t>
-            </a:r>
-            <a:endParaRPr lang="en-US" sz="2200" noProof="1" smtClean="0">
-              <a:solidFill>
-                <a:srgbClr val="8CF4F2"/>
-              </a:solidFill>
-              <a:effectLst>
-                <a:outerShdw blurRad="38100" dist="38100" dir="2700000" algn="tl">
-                  <a:srgbClr val="000000">
-                    <a:alpha val="43137"/>
-                  </a:srgbClr>
-                </a:outerShdw>
-              </a:effectLst>
-              <a:latin typeface="Consolas" pitchFamily="49" charset="0"/>
-              <a:cs typeface="Consolas" pitchFamily="49" charset="0"/>
-            </a:endParaRPr>
+              <a:t>="~/Default.aspx" /&gt;</a:t>
+            </a:r>
           </a:p>
           <a:p>
             <a:pPr>
@@ -20878,41 +20847,7 @@
                 <a:latin typeface="Consolas" pitchFamily="49" charset="0"/>
                 <a:cs typeface="Consolas" pitchFamily="49" charset="0"/>
               </a:rPr>
-              <a:t>  </a:t>
-            </a:r>
-            <a:r>
-              <a:rPr lang="en-US" sz="2200" noProof="1" smtClean="0">
-                <a:solidFill>
-                  <a:srgbClr val="8CF4F2"/>
-                </a:solidFill>
-                <a:effectLst>
-                  <a:outerShdw blurRad="38100" dist="38100" dir="2700000" algn="tl">
-                    <a:srgbClr val="000000">
-                      <a:alpha val="43137"/>
-                    </a:srgbClr>
-                  </a:outerShdw>
-                </a:effectLst>
-                <a:latin typeface="Consolas" pitchFamily="49" charset="0"/>
-                <a:cs typeface="Consolas" pitchFamily="49" charset="0"/>
-              </a:rPr>
-              <a:t>&lt;siteMapNode </a:t>
-            </a:r>
-            <a:r>
-              <a:rPr lang="en-US" sz="2200" noProof="1" smtClean="0">
-                <a:solidFill>
-                  <a:srgbClr val="8CF4F2"/>
-                </a:solidFill>
-                <a:effectLst>
-                  <a:outerShdw blurRad="38100" dist="38100" dir="2700000" algn="tl">
-                    <a:srgbClr val="000000">
-                      <a:alpha val="43137"/>
-                    </a:srgbClr>
-                  </a:outerShdw>
-                </a:effectLst>
-                <a:latin typeface="Consolas" pitchFamily="49" charset="0"/>
-                <a:cs typeface="Consolas" pitchFamily="49" charset="0"/>
-              </a:rPr>
-              <a:t>title="Products" description=</a:t>
+              <a:t>  &lt;siteMapNode title="Products" description=</a:t>
             </a:r>
           </a:p>
           <a:p>
@@ -21020,41 +20955,7 @@
                 <a:latin typeface="Consolas" pitchFamily="49" charset="0"/>
                 <a:cs typeface="Consolas" pitchFamily="49" charset="0"/>
               </a:rPr>
-              <a:t>  </a:t>
-            </a:r>
-            <a:r>
-              <a:rPr lang="en-US" sz="2200" noProof="1" smtClean="0">
-                <a:solidFill>
-                  <a:srgbClr val="8CF4F2"/>
-                </a:solidFill>
-                <a:effectLst>
-                  <a:outerShdw blurRad="38100" dist="38100" dir="2700000" algn="tl">
-                    <a:srgbClr val="000000">
-                      <a:alpha val="43137"/>
-                    </a:srgbClr>
-                  </a:outerShdw>
-                </a:effectLst>
-                <a:latin typeface="Consolas" pitchFamily="49" charset="0"/>
-                <a:cs typeface="Consolas" pitchFamily="49" charset="0"/>
-              </a:rPr>
-              <a:t>  &lt;</a:t>
-            </a:r>
-            <a:r>
-              <a:rPr lang="en-US" sz="2200" noProof="1" smtClean="0">
-                <a:solidFill>
-                  <a:srgbClr val="8CF4F2"/>
-                </a:solidFill>
-                <a:effectLst>
-                  <a:outerShdw blurRad="38100" dist="38100" dir="2700000" algn="tl">
-                    <a:srgbClr val="000000">
-                      <a:alpha val="43137"/>
-                    </a:srgbClr>
-                  </a:outerShdw>
-                </a:effectLst>
-                <a:latin typeface="Consolas" pitchFamily="49" charset="0"/>
-                <a:cs typeface="Consolas" pitchFamily="49" charset="0"/>
-              </a:rPr>
-              <a:t>siteMapNode title="Hardware" description=</a:t>
+              <a:t>    &lt;siteMapNode title="Hardware" description=</a:t>
             </a:r>
           </a:p>
           <a:p>
@@ -21091,41 +20992,7 @@
                 <a:latin typeface="Consolas" pitchFamily="49" charset="0"/>
                 <a:cs typeface="Consolas" pitchFamily="49" charset="0"/>
               </a:rPr>
-              <a:t>    </a:t>
-            </a:r>
-            <a:r>
-              <a:rPr lang="en-US" sz="2200" noProof="1" smtClean="0">
-                <a:solidFill>
-                  <a:srgbClr val="8CF4F2"/>
-                </a:solidFill>
-                <a:effectLst>
-                  <a:outerShdw blurRad="38100" dist="38100" dir="2700000" algn="tl">
-                    <a:srgbClr val="000000">
-                      <a:alpha val="43137"/>
-                    </a:srgbClr>
-                  </a:outerShdw>
-                </a:effectLst>
-                <a:latin typeface="Consolas" pitchFamily="49" charset="0"/>
-                <a:cs typeface="Consolas" pitchFamily="49" charset="0"/>
-              </a:rPr>
-              <a:t> "</a:t>
-            </a:r>
-            <a:r>
-              <a:rPr lang="en-US" sz="2200" noProof="1" smtClean="0">
-                <a:solidFill>
-                  <a:srgbClr val="8CF4F2"/>
-                </a:solidFill>
-                <a:effectLst>
-                  <a:outerShdw blurRad="38100" dist="38100" dir="2700000" algn="tl">
-                    <a:srgbClr val="000000">
-                      <a:alpha val="43137"/>
-                    </a:srgbClr>
-                  </a:outerShdw>
-                </a:effectLst>
-                <a:latin typeface="Consolas" pitchFamily="49" charset="0"/>
-                <a:cs typeface="Consolas" pitchFamily="49" charset="0"/>
-              </a:rPr>
-              <a:t>Hardwarechoices" url="~/Hardware.aspx" /&gt;</a:t>
+              <a:t>     "Hardwarechoices" url="~/Hardware.aspx" /&gt;</a:t>
             </a:r>
           </a:p>
           <a:p>
@@ -21162,41 +21029,7 @@
                 <a:latin typeface="Consolas" pitchFamily="49" charset="0"/>
                 <a:cs typeface="Consolas" pitchFamily="49" charset="0"/>
               </a:rPr>
-              <a:t>  </a:t>
-            </a:r>
-            <a:r>
-              <a:rPr lang="en-US" sz="2200" noProof="1" smtClean="0">
-                <a:solidFill>
-                  <a:srgbClr val="8CF4F2"/>
-                </a:solidFill>
-                <a:effectLst>
-                  <a:outerShdw blurRad="38100" dist="38100" dir="2700000" algn="tl">
-                    <a:srgbClr val="000000">
-                      <a:alpha val="43137"/>
-                    </a:srgbClr>
-                  </a:outerShdw>
-                </a:effectLst>
-                <a:latin typeface="Consolas" pitchFamily="49" charset="0"/>
-                <a:cs typeface="Consolas" pitchFamily="49" charset="0"/>
-              </a:rPr>
-              <a:t>  &lt;</a:t>
-            </a:r>
-            <a:r>
-              <a:rPr lang="en-US" sz="2200" noProof="1" smtClean="0">
-                <a:solidFill>
-                  <a:srgbClr val="8CF4F2"/>
-                </a:solidFill>
-                <a:effectLst>
-                  <a:outerShdw blurRad="38100" dist="38100" dir="2700000" algn="tl">
-                    <a:srgbClr val="000000">
-                      <a:alpha val="43137"/>
-                    </a:srgbClr>
-                  </a:outerShdw>
-                </a:effectLst>
-                <a:latin typeface="Consolas" pitchFamily="49" charset="0"/>
-                <a:cs typeface="Consolas" pitchFamily="49" charset="0"/>
-              </a:rPr>
-              <a:t>siteMapNode title="Software" description=</a:t>
+              <a:t>    &lt;siteMapNode title="Software" description=</a:t>
             </a:r>
           </a:p>
           <a:p>
@@ -21250,41 +21083,7 @@
                 <a:latin typeface="Consolas" pitchFamily="49" charset="0"/>
                 <a:cs typeface="Consolas" pitchFamily="49" charset="0"/>
               </a:rPr>
-              <a:t>   </a:t>
-            </a:r>
-            <a:r>
-              <a:rPr lang="en-US" sz="2200" noProof="1" smtClean="0">
-                <a:solidFill>
-                  <a:srgbClr val="8CF4F2"/>
-                </a:solidFill>
-                <a:effectLst>
-                  <a:outerShdw blurRad="38100" dist="38100" dir="2700000" algn="tl">
-                    <a:srgbClr val="000000">
-                      <a:alpha val="43137"/>
-                    </a:srgbClr>
-                  </a:outerShdw>
-                </a:effectLst>
-                <a:latin typeface="Consolas" pitchFamily="49" charset="0"/>
-                <a:cs typeface="Consolas" pitchFamily="49" charset="0"/>
-              </a:rPr>
-              <a:t> "</a:t>
-            </a:r>
-            <a:r>
-              <a:rPr lang="en-US" sz="2200" noProof="1" smtClean="0">
-                <a:solidFill>
-                  <a:srgbClr val="8CF4F2"/>
-                </a:solidFill>
-                <a:effectLst>
-                  <a:outerShdw blurRad="38100" dist="38100" dir="2700000" algn="tl">
-                    <a:srgbClr val="000000">
-                      <a:alpha val="43137"/>
-                    </a:srgbClr>
-                  </a:outerShdw>
-                </a:effectLst>
-                <a:latin typeface="Consolas" pitchFamily="49" charset="0"/>
-                <a:cs typeface="Consolas" pitchFamily="49" charset="0"/>
-              </a:rPr>
-              <a:t>Software choices" url="~/Software.aspx" /&gt; </a:t>
+              <a:t>    "Software choices" url="~/Software.aspx" /&gt; </a:t>
             </a:r>
           </a:p>
           <a:p>
@@ -21734,6 +21533,10 @@
           </p:nvPr>
         </p:nvSpPr>
         <p:spPr>
+          <a:xfrm>
+            <a:off x="228600" y="1174576"/>
+            <a:ext cx="8686800" cy="5350768"/>
+          </a:xfrm>
           <a:prstGeom prst="rect">
             <a:avLst/>
           </a:prstGeom>
@@ -21848,7 +21651,7 @@
         </p:blipFill>
         <p:spPr bwMode="auto">
           <a:xfrm>
-            <a:off x="4637762" y="3610434"/>
+            <a:off x="4637762" y="3718210"/>
             <a:ext cx="1919737" cy="2636549"/>
           </a:xfrm>
           <a:prstGeom prst="roundRect">
@@ -21914,7 +21717,7 @@
         </p:blipFill>
         <p:spPr bwMode="auto">
           <a:xfrm>
-            <a:off x="755576" y="4869160"/>
+            <a:off x="755576" y="4976936"/>
             <a:ext cx="2783858" cy="942566"/>
           </a:xfrm>
           <a:prstGeom prst="roundRect">
@@ -21980,7 +21783,7 @@
         </p:blipFill>
         <p:spPr bwMode="auto">
           <a:xfrm>
-            <a:off x="4601604" y="1039668"/>
+            <a:off x="4601604" y="1147444"/>
             <a:ext cx="3362325" cy="1800225"/>
           </a:xfrm>
           <a:prstGeom prst="roundRect">
@@ -22031,7 +21834,7 @@
         </p:nvCxnSpPr>
         <p:spPr>
           <a:xfrm flipV="1">
-            <a:off x="2339752" y="1916832"/>
+            <a:off x="2339752" y="2024608"/>
             <a:ext cx="2088232" cy="144016"/>
           </a:xfrm>
           <a:prstGeom prst="straightConnector1">
@@ -22072,7 +21875,7 @@
         </p:nvCxnSpPr>
         <p:spPr>
           <a:xfrm rot="5400000" flipH="1" flipV="1">
-            <a:off x="1511660" y="4185084"/>
+            <a:off x="1511660" y="4292860"/>
             <a:ext cx="936104" cy="1588"/>
           </a:xfrm>
           <a:prstGeom prst="straightConnector1">
@@ -22113,7 +21916,7 @@
         </p:nvCxnSpPr>
         <p:spPr>
           <a:xfrm flipH="1" flipV="1">
-            <a:off x="3203848" y="2780928"/>
+            <a:off x="3203848" y="2888704"/>
             <a:ext cx="1728192" cy="673906"/>
           </a:xfrm>
           <a:prstGeom prst="straightConnector1">
@@ -22236,20 +22039,20 @@
             <p:ph idx="4294967295"/>
             <p:extLst>
               <p:ext uri="{D42A27DB-BD31-4B8C-83A1-F6EECF244321}">
-                <p14:modId xmlns:p14="http://schemas.microsoft.com/office/powerpoint/2010/main" val="816082715"/>
+                <p14:modId xmlns:p14="http://schemas.microsoft.com/office/powerpoint/2010/main" val="520150649"/>
               </p:ext>
             </p:extLst>
           </p:nvPr>
         </p:nvGraphicFramePr>
         <p:xfrm>
-          <a:off x="673100" y="1924050"/>
+          <a:off x="688032" y="1916832"/>
           <a:ext cx="7772400" cy="3568700"/>
         </p:xfrm>
         <a:graphic>
           <a:graphicData uri="http://schemas.openxmlformats.org/presentationml/2006/ole">
             <mc:AlternateContent xmlns:mc="http://schemas.openxmlformats.org/markup-compatibility/2006">
               <mc:Choice xmlns:v="urn:schemas-microsoft-com:vml" Requires="v">
-                <p:oleObj spid="_x0000_s112752" name="Visio" r:id="rId4" imgW="7819200" imgH="3590098" progId="Visio.Drawing.11">
+                <p:oleObj spid="_x0000_s112757" name="Visio" r:id="rId4" imgW="7819200" imgH="3590098" progId="Visio.Drawing.11">
                   <p:embed/>
                 </p:oleObj>
               </mc:Choice>
@@ -22279,7 +22082,7 @@
                     </p:blipFill>
                     <p:spPr bwMode="auto">
                       <a:xfrm>
-                        <a:off x="673100" y="1924050"/>
+                        <a:off x="688032" y="1916832"/>
                         <a:ext cx="7772400" cy="3568700"/>
                       </a:xfrm>
                       <a:prstGeom prst="rect">
@@ -22350,8 +22153,8 @@
         </p:nvSpPr>
         <p:spPr>
           <a:xfrm>
-            <a:off x="4892624" y="2972213"/>
-            <a:ext cx="4251376" cy="744819"/>
+            <a:off x="5144144" y="3260245"/>
+            <a:ext cx="3892352" cy="744819"/>
           </a:xfrm>
           <a:effectLst/>
         </p:spPr>
@@ -22834,15 +22637,7 @@
             </a:r>
             <a:r>
               <a:rPr lang="en-US" dirty="0" smtClean="0"/>
-              <a:t> – all of the </a:t>
-            </a:r>
-            <a:r>
-              <a:rPr lang="en-US" dirty="0" smtClean="0"/>
-              <a:t>menu nodes are </a:t>
-            </a:r>
-            <a:r>
-              <a:rPr lang="en-US" dirty="0" smtClean="0"/>
-              <a:t>visible</a:t>
+              <a:t> – all of the menu nodes are visible</a:t>
             </a:r>
             <a:r>
               <a:rPr lang="bg-BG" dirty="0" smtClean="0"/>
@@ -22871,15 +22666,7 @@
             </a:r>
             <a:r>
               <a:rPr lang="en-US" dirty="0" smtClean="0"/>
-              <a:t> – </a:t>
-            </a:r>
-            <a:r>
-              <a:rPr lang="en-US" dirty="0" smtClean="0"/>
-              <a:t>the menu nodes are visible </a:t>
-            </a:r>
-            <a:r>
-              <a:rPr lang="en-US" dirty="0" smtClean="0"/>
-              <a:t>only when the mouse pointer is over some of the </a:t>
+              <a:t> – the menu nodes are visible only when the mouse pointer is over some of the </a:t>
             </a:r>
             <a:r>
               <a:rPr lang="bg-BG" dirty="0" smtClean="0"/>
@@ -26281,7 +26068,7 @@
                 <a:spcPct val="90000"/>
               </a:lnSpc>
               <a:spcBef>
-                <a:spcPts val="1800"/>
+                <a:spcPts val="2400"/>
               </a:spcBef>
             </a:pPr>
             <a:r>
@@ -26395,8 +26182,8 @@
         </p:nvSpPr>
         <p:spPr bwMode="auto">
           <a:xfrm>
-            <a:off x="467544" y="3441194"/>
-            <a:ext cx="8208912" cy="707886"/>
+            <a:off x="611560" y="3441194"/>
+            <a:ext cx="7920880" cy="707886"/>
           </a:xfrm>
           <a:prstGeom prst="rect">
             <a:avLst/>
@@ -26624,8 +26411,8 @@
         </p:nvSpPr>
         <p:spPr bwMode="auto">
           <a:xfrm>
-            <a:off x="467544" y="4437112"/>
-            <a:ext cx="8208912" cy="1323439"/>
+            <a:off x="395536" y="4437112"/>
+            <a:ext cx="8352928" cy="1323439"/>
           </a:xfrm>
           <a:prstGeom prst="rect">
             <a:avLst/>
@@ -26784,7 +26571,41 @@
                 <a:latin typeface="Consolas" pitchFamily="49" charset="0"/>
                 <a:cs typeface="Consolas" pitchFamily="49" charset="0"/>
               </a:rPr>
-              <a:t>  oreColor="&lt;%$ Resources:lblHelloWorld.ForeColor %&gt;" /&gt; </a:t>
+              <a:t>  </a:t>
+            </a:r>
+            <a:r>
+              <a:rPr lang="en-US" sz="2000" noProof="1" smtClean="0">
+                <a:solidFill>
+                  <a:srgbClr val="8CF4F2"/>
+                </a:solidFill>
+                <a:effectLst>
+                  <a:outerShdw blurRad="38100" dist="38100" dir="2700000" algn="tl">
+                    <a:srgbClr val="000000">
+                      <a:alpha val="43137"/>
+                    </a:srgbClr>
+                  </a:outerShdw>
+                </a:effectLst>
+                <a:latin typeface="Consolas" pitchFamily="49" charset="0"/>
+                <a:cs typeface="Consolas" pitchFamily="49" charset="0"/>
+              </a:rPr>
+              <a:t>ForeColor</a:t>
+            </a:r>
+            <a:r>
+              <a:rPr lang="en-US" sz="2000" noProof="1" smtClean="0">
+                <a:solidFill>
+                  <a:srgbClr val="8CF4F2"/>
+                </a:solidFill>
+                <a:effectLst>
+                  <a:outerShdw blurRad="38100" dist="38100" dir="2700000" algn="tl">
+                    <a:srgbClr val="000000">
+                      <a:alpha val="43137"/>
+                    </a:srgbClr>
+                  </a:outerShdw>
+                </a:effectLst>
+                <a:latin typeface="Consolas" pitchFamily="49" charset="0"/>
+                <a:cs typeface="Consolas" pitchFamily="49" charset="0"/>
+              </a:rPr>
+              <a:t>="&lt;%$ Resources:lblHelloWorld.ForeColor %&gt;" /&gt; </a:t>
             </a:r>
           </a:p>
         </p:txBody>
